--- a/과학기술과미디어/수업 ppt/13강 디지털-정리.pptx
+++ b/과학기술과미디어/수업 ppt/13강 디지털-정리.pptx
@@ -154,6 +154,22 @@
       </a:defRPr>
     </a:lvl9pPr>
   </p:defaultTextStyle>
+  <p:extLst>
+    <p:ext uri="{EFAFB233-063F-42B5-8137-9DF3F51BA10A}">
+      <p15:sldGuideLst xmlns:p15="http://schemas.microsoft.com/office/powerpoint/2012/main">
+        <p15:guide id="1" orient="horz" pos="2160">
+          <p15:clr>
+            <a:srgbClr val="A4A3A4"/>
+          </p15:clr>
+        </p15:guide>
+        <p15:guide id="2" pos="2880">
+          <p15:clr>
+            <a:srgbClr val="A4A3A4"/>
+          </p15:clr>
+        </p15:guide>
+      </p15:sldGuideLst>
+    </p:ext>
+  </p:extLst>
 </p:presentation>
 </file>
 
@@ -239,7 +255,7 @@
           <a:p>
             <a:fld id="{9109CED6-1F5B-4CAB-BC7C-735017EBCB01}" type="datetimeFigureOut">
               <a:rPr lang="ko-KR" altLang="en-US" smtClean="0"/>
-              <a:t>2018-05-24</a:t>
+              <a:t>2018-05-25</a:t>
             </a:fld>
             <a:endParaRPr lang="ko-KR" altLang="en-US"/>
           </a:p>
@@ -1991,7 +2007,7 @@
           </a:lstStyle>
           <a:p>
             <a:r>
-              <a:rPr lang="ko-KR" altLang="en-US" smtClean="0"/>
+              <a:rPr lang="ko-KR" altLang="en-US"/>
               <a:t>마스터 제목 스타일 편집</a:t>
             </a:r>
             <a:endParaRPr lang="en-US" dirty="0"/>
@@ -2110,7 +2126,7 @@
           </a:lstStyle>
           <a:p>
             <a:r>
-              <a:rPr lang="ko-KR" altLang="en-US" smtClean="0"/>
+              <a:rPr lang="ko-KR" altLang="en-US"/>
               <a:t>마스터 부제목 스타일 편집</a:t>
             </a:r>
             <a:endParaRPr lang="en-US" dirty="0"/>
@@ -2134,7 +2150,7 @@
           <a:p>
             <a:fld id="{16560373-12F0-4047-AE7F-4E937B32ECD3}" type="datetimeFigureOut">
               <a:rPr lang="ko-KR" altLang="en-US" smtClean="0"/>
-              <a:t>2018-05-24</a:t>
+              <a:t>2018-05-25</a:t>
             </a:fld>
             <a:endParaRPr lang="ko-KR" altLang="en-US"/>
           </a:p>
@@ -2223,7 +2239,7 @@
           <a:lstStyle/>
           <a:p>
             <a:r>
-              <a:rPr lang="ko-KR" altLang="en-US" smtClean="0"/>
+              <a:rPr lang="ko-KR" altLang="en-US"/>
               <a:t>마스터 제목 스타일 편집</a:t>
             </a:r>
             <a:endParaRPr lang="en-US"/>
@@ -2263,35 +2279,35 @@
           <a:p>
             <a:pPr lvl="0"/>
             <a:r>
-              <a:rPr lang="ko-KR" altLang="en-US" smtClean="0"/>
+              <a:rPr lang="ko-KR" altLang="en-US"/>
               <a:t>마스터 텍스트 스타일을 편집합니다</a:t>
             </a:r>
           </a:p>
           <a:p>
             <a:pPr lvl="1"/>
             <a:r>
-              <a:rPr lang="ko-KR" altLang="en-US" smtClean="0"/>
+              <a:rPr lang="ko-KR" altLang="en-US"/>
               <a:t>둘째 수준</a:t>
             </a:r>
           </a:p>
           <a:p>
             <a:pPr lvl="2"/>
             <a:r>
-              <a:rPr lang="ko-KR" altLang="en-US" smtClean="0"/>
+              <a:rPr lang="ko-KR" altLang="en-US"/>
               <a:t>셋째 수준</a:t>
             </a:r>
           </a:p>
           <a:p>
             <a:pPr lvl="3"/>
             <a:r>
-              <a:rPr lang="ko-KR" altLang="en-US" smtClean="0"/>
+              <a:rPr lang="ko-KR" altLang="en-US"/>
               <a:t>넷째 수준</a:t>
             </a:r>
           </a:p>
           <a:p>
             <a:pPr lvl="4"/>
             <a:r>
-              <a:rPr lang="ko-KR" altLang="en-US" smtClean="0"/>
+              <a:rPr lang="ko-KR" altLang="en-US"/>
               <a:t>다섯째 수준</a:t>
             </a:r>
             <a:endParaRPr lang="en-US"/>
@@ -2315,7 +2331,7 @@
           <a:p>
             <a:fld id="{16560373-12F0-4047-AE7F-4E937B32ECD3}" type="datetimeFigureOut">
               <a:rPr lang="ko-KR" altLang="en-US" smtClean="0"/>
-              <a:t>2018-05-24</a:t>
+              <a:t>2018-05-25</a:t>
             </a:fld>
             <a:endParaRPr lang="ko-KR" altLang="en-US"/>
           </a:p>
@@ -2466,7 +2482,7 @@
           <a:p>
             <a:fld id="{16560373-12F0-4047-AE7F-4E937B32ECD3}" type="datetimeFigureOut">
               <a:rPr lang="ko-KR" altLang="en-US" smtClean="0"/>
-              <a:t>2018-05-24</a:t>
+              <a:t>2018-05-25</a:t>
             </a:fld>
             <a:endParaRPr lang="ko-KR" altLang="en-US"/>
           </a:p>
@@ -4103,7 +4119,7 @@
           </a:lstStyle>
           <a:p>
             <a:r>
-              <a:rPr lang="ko-KR" altLang="en-US" smtClean="0"/>
+              <a:rPr lang="ko-KR" altLang="en-US"/>
               <a:t>마스터 제목 스타일 편집</a:t>
             </a:r>
             <a:endParaRPr lang="en-US" dirty="0"/>
@@ -4163,35 +4179,35 @@
           <a:p>
             <a:pPr lvl="0"/>
             <a:r>
-              <a:rPr lang="ko-KR" altLang="en-US" smtClean="0"/>
+              <a:rPr lang="ko-KR" altLang="en-US"/>
               <a:t>마스터 텍스트 스타일을 편집합니다</a:t>
             </a:r>
           </a:p>
           <a:p>
             <a:pPr lvl="1"/>
             <a:r>
-              <a:rPr lang="ko-KR" altLang="en-US" smtClean="0"/>
+              <a:rPr lang="ko-KR" altLang="en-US"/>
               <a:t>둘째 수준</a:t>
             </a:r>
           </a:p>
           <a:p>
             <a:pPr lvl="2"/>
             <a:r>
-              <a:rPr lang="ko-KR" altLang="en-US" smtClean="0"/>
+              <a:rPr lang="ko-KR" altLang="en-US"/>
               <a:t>셋째 수준</a:t>
             </a:r>
           </a:p>
           <a:p>
             <a:pPr lvl="3"/>
             <a:r>
-              <a:rPr lang="ko-KR" altLang="en-US" smtClean="0"/>
+              <a:rPr lang="ko-KR" altLang="en-US"/>
               <a:t>넷째 수준</a:t>
             </a:r>
           </a:p>
           <a:p>
             <a:pPr lvl="4"/>
             <a:r>
-              <a:rPr lang="ko-KR" altLang="en-US" smtClean="0"/>
+              <a:rPr lang="ko-KR" altLang="en-US"/>
               <a:t>다섯째 수준</a:t>
             </a:r>
             <a:endParaRPr lang="en-US" dirty="0"/>
@@ -4240,35 +4256,35 @@
           <a:p>
             <a:pPr lvl="0"/>
             <a:r>
-              <a:rPr lang="ko-KR" altLang="en-US" smtClean="0"/>
+              <a:rPr lang="ko-KR" altLang="en-US"/>
               <a:t>마스터 텍스트 스타일을 편집합니다</a:t>
             </a:r>
           </a:p>
           <a:p>
             <a:pPr lvl="1"/>
             <a:r>
-              <a:rPr lang="ko-KR" altLang="en-US" smtClean="0"/>
+              <a:rPr lang="ko-KR" altLang="en-US"/>
               <a:t>둘째 수준</a:t>
             </a:r>
           </a:p>
           <a:p>
             <a:pPr lvl="2"/>
             <a:r>
-              <a:rPr lang="ko-KR" altLang="en-US" smtClean="0"/>
+              <a:rPr lang="ko-KR" altLang="en-US"/>
               <a:t>셋째 수준</a:t>
             </a:r>
           </a:p>
           <a:p>
             <a:pPr lvl="3"/>
             <a:r>
-              <a:rPr lang="ko-KR" altLang="en-US" smtClean="0"/>
+              <a:rPr lang="ko-KR" altLang="en-US"/>
               <a:t>넷째 수준</a:t>
             </a:r>
           </a:p>
           <a:p>
             <a:pPr lvl="4"/>
             <a:r>
-              <a:rPr lang="ko-KR" altLang="en-US" smtClean="0"/>
+              <a:rPr lang="ko-KR" altLang="en-US"/>
               <a:t>다섯째 수준</a:t>
             </a:r>
             <a:endParaRPr lang="en-US"/>
@@ -4292,7 +4308,7 @@
           <a:p>
             <a:fld id="{16560373-12F0-4047-AE7F-4E937B32ECD3}" type="datetimeFigureOut">
               <a:rPr lang="ko-KR" altLang="en-US" smtClean="0"/>
-              <a:t>2018-05-24</a:t>
+              <a:t>2018-05-25</a:t>
             </a:fld>
             <a:endParaRPr lang="ko-KR" altLang="en-US"/>
           </a:p>
@@ -4356,7 +4372,7 @@
           <a:lstStyle/>
           <a:p>
             <a:r>
-              <a:rPr lang="ko-KR" altLang="en-US" smtClean="0"/>
+              <a:rPr lang="ko-KR" altLang="en-US"/>
               <a:t>마스터 제목 스타일 편집</a:t>
             </a:r>
             <a:endParaRPr lang="en-US"/>
@@ -6019,7 +6035,7 @@
           </a:lstStyle>
           <a:p>
             <a:r>
-              <a:rPr lang="ko-KR" altLang="en-US" smtClean="0"/>
+              <a:rPr lang="ko-KR" altLang="en-US"/>
               <a:t>마스터 제목 스타일 편집</a:t>
             </a:r>
             <a:endParaRPr lang="en-US" dirty="0"/>
@@ -6139,7 +6155,7 @@
           <a:p>
             <a:pPr lvl="0"/>
             <a:r>
-              <a:rPr lang="ko-KR" altLang="en-US" smtClean="0"/>
+              <a:rPr lang="ko-KR" altLang="en-US"/>
               <a:t>마스터 텍스트 스타일을 편집합니다</a:t>
             </a:r>
           </a:p>
@@ -6162,7 +6178,7 @@
           <a:p>
             <a:fld id="{16560373-12F0-4047-AE7F-4E937B32ECD3}" type="datetimeFigureOut">
               <a:rPr lang="ko-KR" altLang="en-US" smtClean="0"/>
-              <a:t>2018-05-24</a:t>
+              <a:t>2018-05-25</a:t>
             </a:fld>
             <a:endParaRPr lang="ko-KR" altLang="en-US"/>
           </a:p>
@@ -6251,7 +6267,7 @@
           <a:lstStyle/>
           <a:p>
             <a:r>
-              <a:rPr lang="ko-KR" altLang="en-US" smtClean="0"/>
+              <a:rPr lang="ko-KR" altLang="en-US"/>
               <a:t>마스터 제목 스타일 편집</a:t>
             </a:r>
             <a:endParaRPr lang="en-US"/>
@@ -6275,7 +6291,7 @@
           <a:p>
             <a:fld id="{16560373-12F0-4047-AE7F-4E937B32ECD3}" type="datetimeFigureOut">
               <a:rPr lang="ko-KR" altLang="en-US" smtClean="0"/>
-              <a:t>2018-05-24</a:t>
+              <a:t>2018-05-25</a:t>
             </a:fld>
             <a:endParaRPr lang="ko-KR" altLang="en-US"/>
           </a:p>
@@ -6345,35 +6361,35 @@
           <a:p>
             <a:pPr lvl="0"/>
             <a:r>
-              <a:rPr lang="ko-KR" altLang="en-US" smtClean="0"/>
+              <a:rPr lang="ko-KR" altLang="en-US"/>
               <a:t>마스터 텍스트 스타일을 편집합니다</a:t>
             </a:r>
           </a:p>
           <a:p>
             <a:pPr lvl="1"/>
             <a:r>
-              <a:rPr lang="ko-KR" altLang="en-US" smtClean="0"/>
+              <a:rPr lang="ko-KR" altLang="en-US"/>
               <a:t>둘째 수준</a:t>
             </a:r>
           </a:p>
           <a:p>
             <a:pPr lvl="2"/>
             <a:r>
-              <a:rPr lang="ko-KR" altLang="en-US" smtClean="0"/>
+              <a:rPr lang="ko-KR" altLang="en-US"/>
               <a:t>셋째 수준</a:t>
             </a:r>
           </a:p>
           <a:p>
             <a:pPr lvl="3"/>
             <a:r>
-              <a:rPr lang="ko-KR" altLang="en-US" smtClean="0"/>
+              <a:rPr lang="ko-KR" altLang="en-US"/>
               <a:t>넷째 수준</a:t>
             </a:r>
           </a:p>
           <a:p>
             <a:pPr lvl="4"/>
             <a:r>
-              <a:rPr lang="ko-KR" altLang="en-US" smtClean="0"/>
+              <a:rPr lang="ko-KR" altLang="en-US"/>
               <a:t>다섯째 수준</a:t>
             </a:r>
             <a:endParaRPr lang="en-US"/>
@@ -6402,35 +6418,35 @@
           <a:p>
             <a:pPr lvl="0"/>
             <a:r>
-              <a:rPr lang="ko-KR" altLang="en-US" smtClean="0"/>
+              <a:rPr lang="ko-KR" altLang="en-US"/>
               <a:t>마스터 텍스트 스타일을 편집합니다</a:t>
             </a:r>
           </a:p>
           <a:p>
             <a:pPr lvl="1"/>
             <a:r>
-              <a:rPr lang="ko-KR" altLang="en-US" smtClean="0"/>
+              <a:rPr lang="ko-KR" altLang="en-US"/>
               <a:t>둘째 수준</a:t>
             </a:r>
           </a:p>
           <a:p>
             <a:pPr lvl="2"/>
             <a:r>
-              <a:rPr lang="ko-KR" altLang="en-US" smtClean="0"/>
+              <a:rPr lang="ko-KR" altLang="en-US"/>
               <a:t>셋째 수준</a:t>
             </a:r>
           </a:p>
           <a:p>
             <a:pPr lvl="3"/>
             <a:r>
-              <a:rPr lang="ko-KR" altLang="en-US" smtClean="0"/>
+              <a:rPr lang="ko-KR" altLang="en-US"/>
               <a:t>넷째 수준</a:t>
             </a:r>
           </a:p>
           <a:p>
             <a:pPr lvl="4"/>
             <a:r>
-              <a:rPr lang="ko-KR" altLang="en-US" smtClean="0"/>
+              <a:rPr lang="ko-KR" altLang="en-US"/>
               <a:t>다섯째 수준</a:t>
             </a:r>
             <a:endParaRPr lang="en-US"/>
@@ -6482,7 +6498,7 @@
           </a:lstStyle>
           <a:p>
             <a:r>
-              <a:rPr lang="ko-KR" altLang="en-US" smtClean="0"/>
+              <a:rPr lang="ko-KR" altLang="en-US"/>
               <a:t>마스터 제목 스타일 편집</a:t>
             </a:r>
             <a:endParaRPr lang="en-US"/>
@@ -6553,7 +6569,7 @@
           <a:p>
             <a:pPr lvl="0"/>
             <a:r>
-              <a:rPr lang="ko-KR" altLang="en-US" smtClean="0"/>
+              <a:rPr lang="ko-KR" altLang="en-US"/>
               <a:t>마스터 텍스트 스타일을 편집합니다</a:t>
             </a:r>
           </a:p>
@@ -6609,35 +6625,35 @@
           <a:p>
             <a:pPr lvl="0"/>
             <a:r>
-              <a:rPr lang="ko-KR" altLang="en-US" smtClean="0"/>
+              <a:rPr lang="ko-KR" altLang="en-US"/>
               <a:t>마스터 텍스트 스타일을 편집합니다</a:t>
             </a:r>
           </a:p>
           <a:p>
             <a:pPr lvl="1"/>
             <a:r>
-              <a:rPr lang="ko-KR" altLang="en-US" smtClean="0"/>
+              <a:rPr lang="ko-KR" altLang="en-US"/>
               <a:t>둘째 수준</a:t>
             </a:r>
           </a:p>
           <a:p>
             <a:pPr lvl="2"/>
             <a:r>
-              <a:rPr lang="ko-KR" altLang="en-US" smtClean="0"/>
+              <a:rPr lang="ko-KR" altLang="en-US"/>
               <a:t>셋째 수준</a:t>
             </a:r>
           </a:p>
           <a:p>
             <a:pPr lvl="3"/>
             <a:r>
-              <a:rPr lang="ko-KR" altLang="en-US" smtClean="0"/>
+              <a:rPr lang="ko-KR" altLang="en-US"/>
               <a:t>넷째 수준</a:t>
             </a:r>
           </a:p>
           <a:p>
             <a:pPr lvl="4"/>
             <a:r>
-              <a:rPr lang="ko-KR" altLang="en-US" smtClean="0"/>
+              <a:rPr lang="ko-KR" altLang="en-US"/>
               <a:t>다섯째 수준</a:t>
             </a:r>
             <a:endParaRPr lang="en-US" dirty="0"/>
@@ -6708,7 +6724,7 @@
           <a:p>
             <a:pPr lvl="0"/>
             <a:r>
-              <a:rPr lang="ko-KR" altLang="en-US" smtClean="0"/>
+              <a:rPr lang="ko-KR" altLang="en-US"/>
               <a:t>마스터 텍스트 스타일을 편집합니다</a:t>
             </a:r>
           </a:p>
@@ -6764,35 +6780,35 @@
           <a:p>
             <a:pPr lvl="0"/>
             <a:r>
-              <a:rPr lang="ko-KR" altLang="en-US" smtClean="0"/>
+              <a:rPr lang="ko-KR" altLang="en-US"/>
               <a:t>마스터 텍스트 스타일을 편집합니다</a:t>
             </a:r>
           </a:p>
           <a:p>
             <a:pPr lvl="1"/>
             <a:r>
-              <a:rPr lang="ko-KR" altLang="en-US" smtClean="0"/>
+              <a:rPr lang="ko-KR" altLang="en-US"/>
               <a:t>둘째 수준</a:t>
             </a:r>
           </a:p>
           <a:p>
             <a:pPr lvl="2"/>
             <a:r>
-              <a:rPr lang="ko-KR" altLang="en-US" smtClean="0"/>
+              <a:rPr lang="ko-KR" altLang="en-US"/>
               <a:t>셋째 수준</a:t>
             </a:r>
           </a:p>
           <a:p>
             <a:pPr lvl="3"/>
             <a:r>
-              <a:rPr lang="ko-KR" altLang="en-US" smtClean="0"/>
+              <a:rPr lang="ko-KR" altLang="en-US"/>
               <a:t>넷째 수준</a:t>
             </a:r>
           </a:p>
           <a:p>
             <a:pPr lvl="4"/>
             <a:r>
-              <a:rPr lang="ko-KR" altLang="en-US" smtClean="0"/>
+              <a:rPr lang="ko-KR" altLang="en-US"/>
               <a:t>다섯째 수준</a:t>
             </a:r>
             <a:endParaRPr lang="en-US" dirty="0"/>
@@ -6816,7 +6832,7 @@
           <a:p>
             <a:fld id="{16560373-12F0-4047-AE7F-4E937B32ECD3}" type="datetimeFigureOut">
               <a:rPr lang="ko-KR" altLang="en-US" smtClean="0"/>
-              <a:t>2018-05-24</a:t>
+              <a:t>2018-05-25</a:t>
             </a:fld>
             <a:endParaRPr lang="ko-KR" altLang="en-US"/>
           </a:p>
@@ -6905,7 +6921,7 @@
           <a:lstStyle/>
           <a:p>
             <a:r>
-              <a:rPr lang="ko-KR" altLang="en-US" smtClean="0"/>
+              <a:rPr lang="ko-KR" altLang="en-US"/>
               <a:t>마스터 제목 스타일 편집</a:t>
             </a:r>
             <a:endParaRPr lang="en-US"/>
@@ -6929,7 +6945,7 @@
           <a:p>
             <a:fld id="{16560373-12F0-4047-AE7F-4E937B32ECD3}" type="datetimeFigureOut">
               <a:rPr lang="ko-KR" altLang="en-US" smtClean="0"/>
-              <a:t>2018-05-24</a:t>
+              <a:t>2018-05-25</a:t>
             </a:fld>
             <a:endParaRPr lang="ko-KR" altLang="en-US"/>
           </a:p>
@@ -8640,7 +8656,7 @@
           <a:p>
             <a:fld id="{16560373-12F0-4047-AE7F-4E937B32ECD3}" type="datetimeFigureOut">
               <a:rPr lang="ko-KR" altLang="en-US" smtClean="0"/>
-              <a:t>2018-05-24</a:t>
+              <a:t>2018-05-25</a:t>
             </a:fld>
             <a:endParaRPr lang="ko-KR" altLang="en-US"/>
           </a:p>
@@ -8791,7 +8807,7 @@
           <a:p>
             <a:fld id="{16560373-12F0-4047-AE7F-4E937B32ECD3}" type="datetimeFigureOut">
               <a:rPr lang="ko-KR" altLang="en-US" smtClean="0"/>
-              <a:t>2018-05-24</a:t>
+              <a:t>2018-05-25</a:t>
             </a:fld>
             <a:endParaRPr lang="ko-KR" altLang="en-US"/>
           </a:p>
@@ -8910,7 +8926,7 @@
           <a:p>
             <a:pPr lvl="0"/>
             <a:r>
-              <a:rPr lang="ko-KR" altLang="en-US" smtClean="0"/>
+              <a:rPr lang="ko-KR" altLang="en-US"/>
               <a:t>마스터 텍스트 스타일을 편집합니다</a:t>
             </a:r>
           </a:p>
@@ -10507,7 +10523,7 @@
           </a:lstStyle>
           <a:p>
             <a:r>
-              <a:rPr lang="ko-KR" altLang="en-US" smtClean="0"/>
+              <a:rPr lang="ko-KR" altLang="en-US"/>
               <a:t>마스터 제목 스타일 편집</a:t>
             </a:r>
             <a:endParaRPr lang="en-US" dirty="0"/>
@@ -10599,35 +10615,35 @@
           <a:p>
             <a:pPr lvl="0"/>
             <a:r>
-              <a:rPr lang="ko-KR" altLang="en-US" smtClean="0"/>
+              <a:rPr lang="ko-KR" altLang="en-US"/>
               <a:t>마스터 텍스트 스타일을 편집합니다</a:t>
             </a:r>
           </a:p>
           <a:p>
             <a:pPr lvl="1"/>
             <a:r>
-              <a:rPr lang="ko-KR" altLang="en-US" smtClean="0"/>
+              <a:rPr lang="ko-KR" altLang="en-US"/>
               <a:t>둘째 수준</a:t>
             </a:r>
           </a:p>
           <a:p>
             <a:pPr lvl="2"/>
             <a:r>
-              <a:rPr lang="ko-KR" altLang="en-US" smtClean="0"/>
+              <a:rPr lang="ko-KR" altLang="en-US"/>
               <a:t>셋째 수준</a:t>
             </a:r>
           </a:p>
           <a:p>
             <a:pPr lvl="3"/>
             <a:r>
-              <a:rPr lang="ko-KR" altLang="en-US" smtClean="0"/>
+              <a:rPr lang="ko-KR" altLang="en-US"/>
               <a:t>넷째 수준</a:t>
             </a:r>
           </a:p>
           <a:p>
             <a:pPr lvl="4"/>
             <a:r>
-              <a:rPr lang="ko-KR" altLang="en-US" smtClean="0"/>
+              <a:rPr lang="ko-KR" altLang="en-US"/>
               <a:t>다섯째 수준</a:t>
             </a:r>
             <a:endParaRPr lang="en-US" dirty="0"/>
@@ -12311,7 +12327,7 @@
           </a:lstStyle>
           <a:p>
             <a:r>
-              <a:rPr lang="ko-KR" altLang="en-US" smtClean="0"/>
+              <a:rPr lang="ko-KR" altLang="en-US"/>
               <a:t>마스터 제목 스타일 편집</a:t>
             </a:r>
             <a:endParaRPr lang="en-US" dirty="0"/>
@@ -12383,7 +12399,7 @@
           <a:p>
             <a:pPr lvl="0"/>
             <a:r>
-              <a:rPr lang="ko-KR" altLang="en-US" smtClean="0"/>
+              <a:rPr lang="ko-KR" altLang="en-US"/>
               <a:t>마스터 텍스트 스타일을 편집합니다</a:t>
             </a:r>
           </a:p>
@@ -12406,7 +12422,7 @@
           <a:p>
             <a:fld id="{16560373-12F0-4047-AE7F-4E937B32ECD3}" type="datetimeFigureOut">
               <a:rPr lang="ko-KR" altLang="en-US" smtClean="0"/>
-              <a:t>2018-05-24</a:t>
+              <a:t>2018-05-25</a:t>
             </a:fld>
             <a:endParaRPr lang="ko-KR" altLang="en-US"/>
           </a:p>
@@ -12541,7 +12557,7 @@
           </a:lstStyle>
           <a:p>
             <a:r>
-              <a:rPr lang="ko-KR" altLang="en-US" smtClean="0"/>
+              <a:rPr lang="ko-KR" altLang="en-US"/>
               <a:t>그림을 추가하려면 아이콘을 클릭하십시오</a:t>
             </a:r>
             <a:endParaRPr lang="en-US" dirty="0"/>
@@ -14225,7 +14241,7 @@
           <a:lstStyle/>
           <a:p>
             <a:r>
-              <a:rPr lang="ko-KR" altLang="en-US" smtClean="0"/>
+              <a:rPr lang="ko-KR" altLang="en-US"/>
               <a:t>마스터 제목 스타일 편집</a:t>
             </a:r>
             <a:endParaRPr lang="en-US" dirty="0"/>
@@ -14265,7 +14281,7 @@
           <a:p>
             <a:fld id="{16560373-12F0-4047-AE7F-4E937B32ECD3}" type="datetimeFigureOut">
               <a:rPr lang="ko-KR" altLang="en-US" smtClean="0"/>
-              <a:t>2018-05-24</a:t>
+              <a:t>2018-05-25</a:t>
             </a:fld>
             <a:endParaRPr lang="ko-KR" altLang="en-US"/>
           </a:p>
@@ -14372,35 +14388,35 @@
           <a:p>
             <a:pPr lvl="0"/>
             <a:r>
-              <a:rPr lang="ko-KR" altLang="en-US" smtClean="0"/>
+              <a:rPr lang="ko-KR" altLang="en-US"/>
               <a:t>마스터 텍스트 스타일을 편집합니다</a:t>
             </a:r>
           </a:p>
           <a:p>
             <a:pPr lvl="1"/>
             <a:r>
-              <a:rPr lang="ko-KR" altLang="en-US" smtClean="0"/>
+              <a:rPr lang="ko-KR" altLang="en-US"/>
               <a:t>둘째 수준</a:t>
             </a:r>
           </a:p>
           <a:p>
             <a:pPr lvl="2"/>
             <a:r>
-              <a:rPr lang="ko-KR" altLang="en-US" smtClean="0"/>
+              <a:rPr lang="ko-KR" altLang="en-US"/>
               <a:t>셋째 수준</a:t>
             </a:r>
           </a:p>
           <a:p>
             <a:pPr lvl="3"/>
             <a:r>
-              <a:rPr lang="ko-KR" altLang="en-US" smtClean="0"/>
+              <a:rPr lang="ko-KR" altLang="en-US"/>
               <a:t>넷째 수준</a:t>
             </a:r>
           </a:p>
           <a:p>
             <a:pPr lvl="4"/>
             <a:r>
-              <a:rPr lang="ko-KR" altLang="en-US" smtClean="0"/>
+              <a:rPr lang="ko-KR" altLang="en-US"/>
               <a:t>다섯째 수준</a:t>
             </a:r>
             <a:endParaRPr lang="en-US" dirty="0"/>
@@ -14799,36 +14815,32 @@
           <a:lstStyle/>
           <a:p>
             <a:r>
-              <a:rPr lang="en-US" altLang="ko-KR" sz="2400" dirty="0" smtClean="0">
+              <a:rPr lang="en-US" altLang="ko-KR" sz="2400" dirty="0">
                 <a:latin typeface="HY강B" pitchFamily="18" charset="-127"/>
                 <a:ea typeface="HY강B" pitchFamily="18" charset="-127"/>
               </a:rPr>
               <a:t>13</a:t>
             </a:r>
             <a:r>
-              <a:rPr lang="ko-KR" altLang="en-US" sz="2400" dirty="0" smtClean="0">
+              <a:rPr lang="ko-KR" altLang="en-US" sz="2400" dirty="0">
                 <a:latin typeface="HY강B" pitchFamily="18" charset="-127"/>
                 <a:ea typeface="HY강B" pitchFamily="18" charset="-127"/>
               </a:rPr>
               <a:t>강 </a:t>
             </a:r>
-            <a:r>
-              <a:rPr lang="en-US" altLang="ko-KR" dirty="0" smtClean="0"/>
-              <a:t/>
-            </a:r>
             <a:br>
-              <a:rPr lang="en-US" altLang="ko-KR" dirty="0" smtClean="0"/>
+              <a:rPr lang="en-US" altLang="ko-KR" dirty="0"/>
             </a:br>
             <a:r>
-              <a:rPr lang="ko-KR" altLang="en-US" dirty="0" smtClean="0"/>
+              <a:rPr lang="ko-KR" altLang="en-US" dirty="0"/>
               <a:t>디지털</a:t>
             </a:r>
             <a:r>
-              <a:rPr lang="en-US" altLang="ko-KR" dirty="0" smtClean="0"/>
+              <a:rPr lang="en-US" altLang="ko-KR" dirty="0"/>
               <a:t>: </a:t>
             </a:r>
             <a:r>
-              <a:rPr lang="ko-KR" altLang="en-US" dirty="0" smtClean="0"/>
+              <a:rPr lang="ko-KR" altLang="en-US" dirty="0"/>
               <a:t>종합과 정리</a:t>
             </a:r>
             <a:endParaRPr lang="ko-KR" altLang="en-US" dirty="0">
@@ -14867,13 +14879,6 @@
   <p:clrMapOvr>
     <a:masterClrMapping/>
   </p:clrMapOvr>
-  <p:timing>
-    <p:tnLst>
-      <p:par>
-        <p:cTn id="1" dur="indefinite" restart="never" nodeType="tmRoot"/>
-      </p:par>
-    </p:tnLst>
-  </p:timing>
 </p:sld>
 </file>
 
@@ -14929,11 +14934,11 @@
           <a:lstStyle/>
           <a:p>
             <a:r>
-              <a:rPr lang="ko-KR" altLang="en-US" dirty="0" smtClean="0"/>
+              <a:rPr lang="ko-KR" altLang="en-US" dirty="0"/>
               <a:t>생각한다는 것</a:t>
             </a:r>
             <a:r>
-              <a:rPr lang="en-US" altLang="ko-KR" dirty="0" smtClean="0">
+              <a:rPr lang="en-US" altLang="ko-KR" dirty="0">
                 <a:solidFill>
                   <a:srgbClr val="C00000"/>
                 </a:solidFill>
@@ -15100,7 +15105,7 @@
           <a:lstStyle/>
           <a:p>
             <a:r>
-              <a:rPr lang="en-US" altLang="ko-KR" sz="2400" dirty="0" smtClean="0">
+              <a:rPr lang="en-US" altLang="ko-KR" sz="2400" dirty="0">
                 <a:solidFill>
                   <a:srgbClr val="FF0000"/>
                 </a:solidFill>
@@ -15138,12 +15143,8 @@
           <a:lstStyle/>
           <a:p>
             <a:r>
-              <a:rPr lang="ko-KR" altLang="en-US" dirty="0" smtClean="0"/>
-              <a:t>감지</a:t>
-            </a:r>
-            <a:r>
-              <a:rPr lang="ko-KR" altLang="en-US" dirty="0"/>
-              <a:t>기</a:t>
+              <a:rPr lang="ko-KR" altLang="en-US" dirty="0"/>
+              <a:t>감지기</a:t>
             </a:r>
           </a:p>
         </p:txBody>
@@ -15171,7 +15172,7 @@
           <a:lstStyle/>
           <a:p>
             <a:r>
-              <a:rPr lang="ko-KR" altLang="en-US" dirty="0" err="1" smtClean="0"/>
+              <a:rPr lang="ko-KR" altLang="en-US" dirty="0" err="1"/>
               <a:t>작동기</a:t>
             </a:r>
             <a:endParaRPr lang="ko-KR" altLang="en-US" dirty="0"/>
@@ -15201,18 +15202,13 @@
           <a:lstStyle/>
           <a:p>
             <a:r>
-              <a:rPr lang="ko-KR" altLang="en-US" sz="2400" dirty="0" smtClean="0">
+              <a:rPr lang="ko-KR" altLang="en-US" sz="2400" dirty="0">
                 <a:solidFill>
                   <a:srgbClr val="FF0000"/>
                 </a:solidFill>
               </a:rPr>
               <a:t>환경</a:t>
             </a:r>
-            <a:endParaRPr lang="ko-KR" altLang="en-US" sz="2400" dirty="0">
-              <a:solidFill>
-                <a:srgbClr val="FF0000"/>
-              </a:solidFill>
-            </a:endParaRPr>
           </a:p>
         </p:txBody>
       </p:sp>
@@ -15239,10 +15235,9 @@
           <a:lstStyle/>
           <a:p>
             <a:r>
-              <a:rPr lang="ko-KR" altLang="en-US" dirty="0" smtClean="0"/>
+              <a:rPr lang="ko-KR" altLang="en-US" dirty="0"/>
               <a:t>지각</a:t>
             </a:r>
-            <a:endParaRPr lang="ko-KR" altLang="en-US" dirty="0"/>
           </a:p>
         </p:txBody>
       </p:sp>
@@ -15269,10 +15264,9 @@
           <a:lstStyle/>
           <a:p>
             <a:r>
-              <a:rPr lang="ko-KR" altLang="en-US" dirty="0" smtClean="0"/>
+              <a:rPr lang="ko-KR" altLang="en-US" dirty="0"/>
               <a:t>작용</a:t>
             </a:r>
-            <a:endParaRPr lang="ko-KR" altLang="en-US" dirty="0"/>
           </a:p>
         </p:txBody>
       </p:sp>
@@ -15468,13 +15462,6 @@
   <p:clrMapOvr>
     <a:masterClrMapping/>
   </p:clrMapOvr>
-  <p:timing>
-    <p:tnLst>
-      <p:par>
-        <p:cTn id="1" dur="indefinite" restart="never" nodeType="tmRoot"/>
-      </p:par>
-    </p:tnLst>
-  </p:timing>
 </p:sld>
 </file>
 
@@ -15528,16 +15515,11 @@
               <a:rPr lang="en-US" altLang="ko-KR" dirty="0"/>
               <a:t>. </a:t>
             </a:r>
-            <a:endParaRPr lang="en-US" altLang="ko-KR" dirty="0" smtClean="0"/>
-          </a:p>
-          <a:p>
-            <a:r>
-              <a:rPr lang="ko-KR" altLang="en-US" dirty="0" smtClean="0"/>
-              <a:t>그런데 </a:t>
-            </a:r>
-            <a:r>
-              <a:rPr lang="ko-KR" altLang="en-US" dirty="0"/>
-              <a:t>서서히 텍스트도 다룰 수 있게 되고</a:t>
+          </a:p>
+          <a:p>
+            <a:r>
+              <a:rPr lang="ko-KR" altLang="en-US" dirty="0"/>
+              <a:t>그런데 서서히 텍스트도 다룰 수 있게 되고</a:t>
             </a:r>
             <a:r>
               <a:rPr lang="en-US" altLang="ko-KR" dirty="0"/>
@@ -15551,28 +15533,19 @@
               <a:rPr lang="en-US" altLang="ko-KR" dirty="0"/>
               <a:t>. </a:t>
             </a:r>
-            <a:endParaRPr lang="en-US" altLang="ko-KR" dirty="0" smtClean="0"/>
-          </a:p>
-          <a:p>
-            <a:r>
-              <a:rPr lang="ko-KR" altLang="en-US" dirty="0" smtClean="0"/>
-              <a:t>사진이나 </a:t>
-            </a:r>
-            <a:r>
-              <a:rPr lang="ko-KR" altLang="en-US" dirty="0"/>
-              <a:t>음성기록</a:t>
+          </a:p>
+          <a:p>
+            <a:r>
+              <a:rPr lang="ko-KR" altLang="en-US" dirty="0"/>
+              <a:t>사진이나 음성기록</a:t>
             </a:r>
             <a:r>
               <a:rPr lang="en-US" altLang="ko-KR" dirty="0"/>
               <a:t>, </a:t>
             </a:r>
             <a:r>
-              <a:rPr lang="ko-KR" altLang="en-US" dirty="0" smtClean="0"/>
-              <a:t>동영상 </a:t>
-            </a:r>
-            <a:r>
-              <a:rPr lang="ko-KR" altLang="en-US" dirty="0"/>
-              <a:t>등도 모두 </a:t>
+              <a:rPr lang="ko-KR" altLang="en-US" dirty="0"/>
+              <a:t>동영상 등도 모두 </a:t>
             </a:r>
             <a:r>
               <a:rPr lang="en-US" altLang="ko-KR" dirty="0"/>
@@ -15594,67 +15567,65 @@
               <a:rPr lang="en-US" altLang="ko-KR" dirty="0"/>
               <a:t>. </a:t>
             </a:r>
-            <a:endParaRPr lang="en-US" altLang="ko-KR" dirty="0" smtClean="0"/>
-          </a:p>
-          <a:p>
-            <a:r>
-              <a:rPr lang="ko-KR" altLang="en-US" dirty="0" smtClean="0"/>
+          </a:p>
+          <a:p>
+            <a:r>
+              <a:rPr lang="ko-KR" altLang="en-US" dirty="0"/>
               <a:t>그리고 </a:t>
             </a:r>
             <a:r>
-              <a:rPr lang="en-US" altLang="ko-KR" dirty="0" smtClean="0"/>
+              <a:rPr lang="en-US" altLang="ko-KR" dirty="0"/>
               <a:t>0</a:t>
             </a:r>
             <a:r>
-              <a:rPr lang="ko-KR" altLang="en-US" dirty="0" smtClean="0"/>
+              <a:rPr lang="ko-KR" altLang="en-US" dirty="0"/>
               <a:t>과 </a:t>
             </a:r>
             <a:r>
-              <a:rPr lang="en-US" altLang="ko-KR" dirty="0" smtClean="0"/>
+              <a:rPr lang="en-US" altLang="ko-KR" dirty="0"/>
               <a:t>1</a:t>
             </a:r>
             <a:r>
-              <a:rPr lang="ko-KR" altLang="en-US" dirty="0" smtClean="0"/>
+              <a:rPr lang="ko-KR" altLang="en-US" dirty="0"/>
               <a:t>을 사용해</a:t>
             </a:r>
             <a:r>
-              <a:rPr lang="en-US" altLang="ko-KR" dirty="0" smtClean="0"/>
+              <a:rPr lang="en-US" altLang="ko-KR" dirty="0"/>
               <a:t>, </a:t>
             </a:r>
             <a:r>
-              <a:rPr lang="ko-KR" altLang="en-US" dirty="0" smtClean="0"/>
+              <a:rPr lang="ko-KR" altLang="en-US" dirty="0"/>
               <a:t>모든 기호</a:t>
             </a:r>
             <a:r>
-              <a:rPr lang="en-US" altLang="ko-KR" dirty="0" smtClean="0"/>
+              <a:rPr lang="en-US" altLang="ko-KR" dirty="0"/>
               <a:t>, </a:t>
             </a:r>
             <a:r>
-              <a:rPr lang="ko-KR" altLang="en-US" dirty="0" smtClean="0"/>
+              <a:rPr lang="ko-KR" altLang="en-US" dirty="0"/>
               <a:t>텍스트들을 표현한다</a:t>
             </a:r>
             <a:r>
-              <a:rPr lang="en-US" altLang="ko-KR" dirty="0" smtClean="0"/>
+              <a:rPr lang="en-US" altLang="ko-KR" dirty="0"/>
               <a:t>.</a:t>
             </a:r>
-            <a:endParaRPr lang="en-US" altLang="ko-KR" dirty="0" smtClean="0"/>
-          </a:p>
-          <a:p>
-            <a:r>
-              <a:rPr lang="ko-KR" altLang="en-US" dirty="0" smtClean="0"/>
+          </a:p>
+          <a:p>
+            <a:r>
+              <a:rPr lang="ko-KR" altLang="en-US" dirty="0"/>
               <a:t>컴퓨터는 인간 사고를 </a:t>
             </a:r>
             <a:r>
-              <a:rPr lang="ko-KR" altLang="en-US" dirty="0" err="1" smtClean="0"/>
+              <a:rPr lang="ko-KR" altLang="en-US" dirty="0" err="1"/>
               <a:t>흉내낸다</a:t>
             </a:r>
             <a:r>
-              <a:rPr lang="en-US" altLang="ko-KR" dirty="0" smtClean="0"/>
+              <a:rPr lang="en-US" altLang="ko-KR" dirty="0"/>
               <a:t>.</a:t>
             </a:r>
           </a:p>
           <a:p>
-            <a:endParaRPr lang="en-US" altLang="ko-KR" dirty="0" smtClean="0"/>
+            <a:endParaRPr lang="en-US" altLang="ko-KR" dirty="0"/>
           </a:p>
           <a:p>
             <a:endParaRPr lang="ko-KR" altLang="en-US" dirty="0"/>
@@ -15677,10 +15648,9 @@
           <a:lstStyle/>
           <a:p>
             <a:r>
-              <a:rPr lang="ko-KR" altLang="en-US" dirty="0" smtClean="0"/>
+              <a:rPr lang="ko-KR" altLang="en-US" dirty="0"/>
               <a:t>컴퓨터라는 미디어</a:t>
             </a:r>
-            <a:endParaRPr lang="ko-KR" altLang="en-US" dirty="0"/>
           </a:p>
         </p:txBody>
       </p:sp>
@@ -15694,13 +15664,6 @@
   <p:clrMapOvr>
     <a:masterClrMapping/>
   </p:clrMapOvr>
-  <p:timing>
-    <p:tnLst>
-      <p:par>
-        <p:cTn id="1" dur="indefinite" restart="never" nodeType="tmRoot"/>
-      </p:par>
-    </p:tnLst>
-  </p:timing>
 </p:sld>
 </file>
 
@@ -15737,26 +15700,22 @@
           <a:lstStyle/>
           <a:p>
             <a:r>
-              <a:rPr lang="ko-KR" altLang="en-US" dirty="0" err="1" smtClean="0"/>
+              <a:rPr lang="ko-KR" altLang="en-US" dirty="0" err="1"/>
               <a:t>튜링의</a:t>
             </a:r>
             <a:r>
-              <a:rPr lang="ko-KR" altLang="en-US" dirty="0" smtClean="0"/>
+              <a:rPr lang="ko-KR" altLang="en-US" dirty="0"/>
               <a:t> 주장</a:t>
             </a:r>
             <a:r>
-              <a:rPr lang="en-US" altLang="ko-KR" dirty="0" smtClean="0"/>
+              <a:rPr lang="en-US" altLang="ko-KR" dirty="0"/>
               <a:t>:</a:t>
             </a:r>
           </a:p>
           <a:p>
             <a:r>
-              <a:rPr lang="ko-KR" altLang="en-US" dirty="0" smtClean="0"/>
-              <a:t>컴퓨터가 </a:t>
-            </a:r>
-            <a:r>
-              <a:rPr lang="ko-KR" altLang="en-US" dirty="0"/>
-              <a:t>인간의 지성적 행위를 모방할 수 있다면</a:t>
+              <a:rPr lang="ko-KR" altLang="en-US" dirty="0"/>
+              <a:t>컴퓨터가 인간의 지성적 행위를 모방할 수 있다면</a:t>
             </a:r>
             <a:r>
               <a:rPr lang="en-US" altLang="ko-KR" dirty="0"/>
@@ -15775,42 +15734,41 @@
               <a:t>고 표현할 수 있다</a:t>
             </a:r>
             <a:r>
-              <a:rPr lang="en-US" altLang="ko-KR" dirty="0" smtClean="0"/>
+              <a:rPr lang="en-US" altLang="ko-KR" dirty="0"/>
               <a:t>.</a:t>
             </a:r>
           </a:p>
           <a:p>
             <a:r>
-              <a:rPr lang="ko-KR" altLang="en-US" dirty="0" err="1" smtClean="0"/>
+              <a:rPr lang="ko-KR" altLang="en-US" dirty="0" err="1"/>
               <a:t>튜링기계가</a:t>
             </a:r>
             <a:r>
-              <a:rPr lang="ko-KR" altLang="en-US" dirty="0" smtClean="0"/>
+              <a:rPr lang="ko-KR" altLang="en-US" dirty="0"/>
               <a:t> 그것을 해낼 수 있다</a:t>
             </a:r>
             <a:r>
-              <a:rPr lang="en-US" altLang="ko-KR" dirty="0" smtClean="0"/>
+              <a:rPr lang="en-US" altLang="ko-KR" dirty="0"/>
               <a:t>.</a:t>
             </a:r>
           </a:p>
           <a:p>
             <a:r>
-              <a:rPr lang="ko-KR" altLang="en-US" dirty="0" smtClean="0"/>
+              <a:rPr lang="ko-KR" altLang="en-US" dirty="0"/>
               <a:t>그리고 그것을 해냈는지를 </a:t>
             </a:r>
             <a:r>
-              <a:rPr lang="ko-KR" altLang="en-US" dirty="0" err="1" smtClean="0"/>
+              <a:rPr lang="ko-KR" altLang="en-US" dirty="0" err="1"/>
               <a:t>튜링테스트를</a:t>
             </a:r>
             <a:r>
-              <a:rPr lang="ko-KR" altLang="en-US" dirty="0" smtClean="0"/>
+              <a:rPr lang="ko-KR" altLang="en-US" dirty="0"/>
               <a:t> 통해 검사할 수 있다</a:t>
             </a:r>
             <a:r>
-              <a:rPr lang="en-US" altLang="ko-KR" dirty="0" smtClean="0"/>
+              <a:rPr lang="en-US" altLang="ko-KR" dirty="0"/>
               <a:t>.</a:t>
             </a:r>
-            <a:endParaRPr lang="en-US" altLang="ko-KR" dirty="0"/>
           </a:p>
           <a:p>
             <a:endParaRPr lang="ko-KR" altLang="en-US" dirty="0"/>
@@ -15833,11 +15791,11 @@
           <a:lstStyle/>
           <a:p>
             <a:r>
-              <a:rPr lang="ko-KR" altLang="en-US" dirty="0" smtClean="0"/>
+              <a:rPr lang="ko-KR" altLang="en-US" dirty="0"/>
               <a:t>컴퓨터는 생각할 수 있는가</a:t>
             </a:r>
             <a:r>
-              <a:rPr lang="en-US" altLang="ko-KR" dirty="0" smtClean="0"/>
+              <a:rPr lang="en-US" altLang="ko-KR" dirty="0"/>
               <a:t>?</a:t>
             </a:r>
             <a:endParaRPr lang="ko-KR" altLang="en-US" dirty="0"/>
@@ -15854,13 +15812,6 @@
   <p:clrMapOvr>
     <a:masterClrMapping/>
   </p:clrMapOvr>
-  <p:timing>
-    <p:tnLst>
-      <p:par>
-        <p:cTn id="1" dur="indefinite" restart="never" nodeType="tmRoot"/>
-      </p:par>
-    </p:tnLst>
-  </p:timing>
 </p:sld>
 </file>
 
@@ -16006,11 +15957,7 @@
             </a:r>
             <a:r>
               <a:rPr lang="en-US" altLang="ko-KR" dirty="0"/>
-              <a:t>World Wide </a:t>
-            </a:r>
-            <a:r>
-              <a:rPr lang="en-US" altLang="ko-KR" dirty="0" smtClean="0"/>
-              <a:t>Web.</a:t>
+              <a:t>World Wide Web.</a:t>
             </a:r>
           </a:p>
           <a:p>
@@ -16073,8 +16020,51 @@
           <a:lstStyle/>
           <a:p>
             <a:r>
-              <a:rPr lang="ko-KR" altLang="en-US" dirty="0" smtClean="0"/>
+              <a:rPr lang="ko-KR" altLang="en-US" dirty="0"/>
               <a:t>컴퓨터의 발전과 인터넷</a:t>
+            </a:r>
+          </a:p>
+        </p:txBody>
+      </p:sp>
+      <p:sp>
+        <p:nvSpPr>
+          <p:cNvPr id="4" name="TextBox 3">
+            <a:extLst>
+              <a:ext uri="{FF2B5EF4-FFF2-40B4-BE49-F238E27FC236}">
+                <a16:creationId xmlns:a16="http://schemas.microsoft.com/office/drawing/2014/main" id="{84B2BD7B-AFDD-4263-A578-BF500A5DE0B3}"/>
+              </a:ext>
+            </a:extLst>
+          </p:cNvPr>
+          <p:cNvSpPr txBox="1"/>
+          <p:nvPr/>
+        </p:nvSpPr>
+        <p:spPr>
+          <a:xfrm>
+            <a:off x="1043608" y="1591056"/>
+            <a:ext cx="1728192" cy="369332"/>
+          </a:xfrm>
+          <a:prstGeom prst="rect">
+            <a:avLst/>
+          </a:prstGeom>
+          <a:noFill/>
+        </p:spPr>
+        <p:txBody>
+          <a:bodyPr wrap="square" rtlCol="0">
+            <a:spAutoFit/>
+          </a:bodyPr>
+          <a:lstStyle/>
+          <a:p>
+            <a:r>
+              <a:rPr lang="en-US" altLang="ko-KR" dirty="0"/>
+              <a:t>Pc</a:t>
+            </a:r>
+            <a:r>
+              <a:rPr lang="ko-KR" altLang="en-US" dirty="0"/>
+              <a:t>가 </a:t>
+            </a:r>
+            <a:r>
+              <a:rPr lang="ko-KR" altLang="en-US" dirty="0" err="1"/>
+              <a:t>보급된것</a:t>
             </a:r>
             <a:endParaRPr lang="ko-KR" altLang="en-US" dirty="0"/>
           </a:p>
@@ -16090,13 +16080,6 @@
   <p:clrMapOvr>
     <a:masterClrMapping/>
   </p:clrMapOvr>
-  <p:timing>
-    <p:tnLst>
-      <p:par>
-        <p:cTn id="1" dur="indefinite" restart="never" nodeType="tmRoot"/>
-      </p:par>
-    </p:tnLst>
-  </p:timing>
 </p:sld>
 </file>
 
@@ -16133,11 +16116,11 @@
           <a:lstStyle/>
           <a:p>
             <a:r>
-              <a:rPr lang="ko-KR" altLang="en-US" dirty="0" smtClean="0"/>
+              <a:rPr lang="ko-KR" altLang="en-US" dirty="0"/>
               <a:t>웹 </a:t>
             </a:r>
             <a:r>
-              <a:rPr lang="en-US" altLang="ko-KR" dirty="0" smtClean="0"/>
+              <a:rPr lang="en-US" altLang="ko-KR" dirty="0"/>
               <a:t>2.0</a:t>
             </a:r>
             <a:endParaRPr lang="ko-KR" altLang="en-US" dirty="0"/>
@@ -16162,7 +16145,7 @@
           <a:lstStyle/>
           <a:p>
             <a:r>
-              <a:rPr lang="ko-KR" altLang="en-US" dirty="0" smtClean="0"/>
+              <a:rPr lang="ko-KR" altLang="en-US" dirty="0"/>
               <a:t> </a:t>
             </a:r>
             <a:r>
@@ -16183,25 +16166,17 @@
             </a:r>
             <a:r>
               <a:rPr lang="ko-KR" altLang="en-US" dirty="0"/>
-              <a:t>에 의해 </a:t>
-            </a:r>
-            <a:r>
-              <a:rPr lang="ko-KR" altLang="en-US" dirty="0" smtClean="0"/>
-              <a:t>제안됨</a:t>
-            </a:r>
-            <a:r>
-              <a:rPr lang="en-US" altLang="ko-KR" dirty="0" smtClean="0"/>
+              <a:t>에 의해 제안됨</a:t>
+            </a:r>
+            <a:r>
+              <a:rPr lang="en-US" altLang="ko-KR" dirty="0"/>
               <a:t>.</a:t>
             </a:r>
           </a:p>
           <a:p>
             <a:r>
-              <a:rPr lang="ko-KR" altLang="en-US" dirty="0" smtClean="0"/>
-              <a:t>인터넷 </a:t>
-            </a:r>
-            <a:r>
-              <a:rPr lang="ko-KR" altLang="en-US" dirty="0"/>
-              <a:t>이용자간 혹은 개발자와의 참여</a:t>
+              <a:rPr lang="ko-KR" altLang="en-US" dirty="0"/>
+              <a:t>인터넷 이용자간 혹은 개발자와의 참여</a:t>
             </a:r>
             <a:r>
               <a:rPr lang="en-US" altLang="ko-KR" dirty="0"/>
@@ -16223,16 +16198,11 @@
               <a:rPr lang="en-US" altLang="ko-KR" dirty="0"/>
               <a:t>. </a:t>
             </a:r>
-            <a:endParaRPr lang="en-US" altLang="ko-KR" dirty="0" smtClean="0"/>
-          </a:p>
-          <a:p>
-            <a:r>
-              <a:rPr lang="ko-KR" altLang="en-US" dirty="0" smtClean="0"/>
-              <a:t>특정한 </a:t>
-            </a:r>
-            <a:r>
-              <a:rPr lang="ko-KR" altLang="en-US" dirty="0"/>
-              <a:t>데이터를 모아 사용자에게 보여주기 위한 웹 환경이 웹 </a:t>
+          </a:p>
+          <a:p>
+            <a:r>
+              <a:rPr lang="ko-KR" altLang="en-US" dirty="0"/>
+              <a:t>특정한 데이터를 모아 사용자에게 보여주기 위한 웹 환경이 웹 </a:t>
             </a:r>
             <a:r>
               <a:rPr lang="en-US" altLang="ko-KR" dirty="0"/>
@@ -16246,16 +16216,11 @@
               <a:rPr lang="en-US" altLang="ko-KR" dirty="0"/>
               <a:t>, </a:t>
             </a:r>
-            <a:endParaRPr lang="en-US" altLang="ko-KR" dirty="0" smtClean="0"/>
-          </a:p>
-          <a:p>
-            <a:r>
-              <a:rPr lang="ko-KR" altLang="en-US" dirty="0" smtClean="0"/>
-              <a:t>이용자가 </a:t>
-            </a:r>
-            <a:r>
-              <a:rPr lang="ko-KR" altLang="en-US" dirty="0"/>
-              <a:t>직접 새로운 정보를 만들고 유통</a:t>
+          </a:p>
+          <a:p>
+            <a:r>
+              <a:rPr lang="ko-KR" altLang="en-US" dirty="0"/>
+              <a:t>이용자가 직접 새로운 정보를 만들고 유통</a:t>
             </a:r>
             <a:r>
               <a:rPr lang="en-US" altLang="ko-KR" dirty="0"/>
@@ -16277,34 +16242,64 @@
               <a:rPr lang="en-US" altLang="ko-KR" dirty="0"/>
               <a:t>. </a:t>
             </a:r>
-            <a:endParaRPr lang="en-US" altLang="ko-KR" dirty="0" smtClean="0"/>
-          </a:p>
-          <a:p>
-            <a:r>
-              <a:rPr lang="ko-KR" altLang="en-US" dirty="0" smtClean="0"/>
-              <a:t>인터넷의 </a:t>
-            </a:r>
-            <a:r>
-              <a:rPr lang="ko-KR" altLang="en-US" dirty="0" smtClean="0"/>
-              <a:t>일반 </a:t>
-            </a:r>
-            <a:r>
-              <a:rPr lang="ko-KR" altLang="en-US" dirty="0"/>
-              <a:t>사용자를 생산자이자 소비자 두 역할을 모두 할 수 있도록 만들었다</a:t>
+          </a:p>
+          <a:p>
+            <a:r>
+              <a:rPr lang="ko-KR" altLang="en-US" dirty="0"/>
+              <a:t>인터넷의 일반 사용자를 생산자이자 소비자 두 역할을 모두 할 수 있도록 만들었다</a:t>
             </a:r>
             <a:r>
               <a:rPr lang="en-US" altLang="ko-KR" dirty="0"/>
               <a:t>. </a:t>
             </a:r>
             <a:r>
-              <a:rPr lang="ko-KR" altLang="en-US" dirty="0" err="1" smtClean="0"/>
+              <a:rPr lang="ko-KR" altLang="en-US" dirty="0" err="1"/>
               <a:t>프로슈머</a:t>
             </a:r>
             <a:r>
-              <a:rPr lang="en-US" altLang="ko-KR" dirty="0" smtClean="0"/>
+              <a:rPr lang="en-US" altLang="ko-KR" dirty="0"/>
               <a:t>.</a:t>
             </a:r>
             <a:endParaRPr lang="ko-KR" altLang="en-US" dirty="0"/>
+          </a:p>
+        </p:txBody>
+      </p:sp>
+      <p:sp>
+        <p:nvSpPr>
+          <p:cNvPr id="2" name="TextBox 1">
+            <a:extLst>
+              <a:ext uri="{FF2B5EF4-FFF2-40B4-BE49-F238E27FC236}">
+                <a16:creationId xmlns:a16="http://schemas.microsoft.com/office/drawing/2014/main" id="{EE94AD30-47C6-4098-A916-34C700F6E747}"/>
+              </a:ext>
+            </a:extLst>
+          </p:cNvPr>
+          <p:cNvSpPr txBox="1"/>
+          <p:nvPr/>
+        </p:nvSpPr>
+        <p:spPr>
+          <a:xfrm>
+            <a:off x="1043608" y="2132856"/>
+            <a:ext cx="2520280" cy="369332"/>
+          </a:xfrm>
+          <a:prstGeom prst="rect">
+            <a:avLst/>
+          </a:prstGeom>
+          <a:noFill/>
+        </p:spPr>
+        <p:txBody>
+          <a:bodyPr wrap="square" rtlCol="0">
+            <a:spAutoFit/>
+          </a:bodyPr>
+          <a:lstStyle/>
+          <a:p>
+            <a:r>
+              <a:rPr lang="ko-KR" altLang="en-US" dirty="0" err="1"/>
+              <a:t>하이퍼</a:t>
+            </a:r>
+            <a:r>
+              <a:rPr lang="ko-KR" altLang="en-US" dirty="0"/>
+              <a:t> 텍스트로 변경</a:t>
+            </a:r>
           </a:p>
         </p:txBody>
       </p:sp>
@@ -16318,13 +16313,6 @@
   <p:clrMapOvr>
     <a:masterClrMapping/>
   </p:clrMapOvr>
-  <p:timing>
-    <p:tnLst>
-      <p:par>
-        <p:cTn id="1" dur="indefinite" restart="never" nodeType="tmRoot"/>
-      </p:par>
-    </p:tnLst>
-  </p:timing>
 </p:sld>
 </file>
 
@@ -16364,7 +16352,7 @@
           <a:p>
             <a:pPr fontAlgn="base"/>
             <a:r>
-              <a:rPr lang="ko-KR" altLang="en-US" sz="8000" dirty="0" smtClean="0"/>
+              <a:rPr lang="ko-KR" altLang="en-US" sz="8000" dirty="0"/>
               <a:t>사물인터넷 </a:t>
             </a:r>
             <a:r>
@@ -16372,35 +16360,31 @@
               <a:t>Internet of Things, </a:t>
             </a:r>
             <a:r>
-              <a:rPr lang="en-US" altLang="ko-KR" sz="8000" dirty="0" err="1" smtClean="0"/>
+              <a:rPr lang="en-US" altLang="ko-KR" sz="8000" dirty="0" err="1"/>
               <a:t>IoT</a:t>
             </a:r>
             <a:r>
-              <a:rPr lang="ko-KR" altLang="en-US" sz="8000" dirty="0" smtClean="0"/>
+              <a:rPr lang="ko-KR" altLang="en-US" sz="8000" dirty="0"/>
               <a:t>으로 생각해보자</a:t>
             </a:r>
             <a:r>
-              <a:rPr lang="en-US" altLang="ko-KR" sz="8000" dirty="0" smtClean="0"/>
+              <a:rPr lang="en-US" altLang="ko-KR" sz="8000" dirty="0"/>
               <a:t>.</a:t>
             </a:r>
           </a:p>
           <a:p>
             <a:pPr fontAlgn="base"/>
             <a:r>
-              <a:rPr lang="ko-KR" altLang="en-US" sz="8000" dirty="0" smtClean="0"/>
+              <a:rPr lang="ko-KR" altLang="en-US" sz="8000" dirty="0"/>
               <a:t>사물인터넷</a:t>
             </a:r>
             <a:r>
-              <a:rPr lang="en-US" altLang="ko-KR" sz="8000" dirty="0" smtClean="0"/>
+              <a:rPr lang="en-US" altLang="ko-KR" sz="8000" dirty="0"/>
               <a:t>:</a:t>
             </a:r>
             <a:r>
-              <a:rPr lang="ko-KR" altLang="en-US" sz="8000" dirty="0" smtClean="0"/>
-              <a:t> </a:t>
-            </a:r>
-            <a:r>
               <a:rPr lang="ko-KR" altLang="en-US" sz="8000" dirty="0"/>
-              <a:t>모든 사물에 감지기와 통신기능을 부여하고</a:t>
+              <a:t> 모든 사물에 감지기와 통신기능을 부여하고</a:t>
             </a:r>
             <a:r>
               <a:rPr lang="en-US" altLang="ko-KR" sz="8000" dirty="0"/>
@@ -16408,46 +16392,22 @@
             </a:r>
             <a:r>
               <a:rPr lang="ko-KR" altLang="en-US" sz="8000" dirty="0"/>
-              <a:t>주소를 부여해서 모든 </a:t>
-            </a:r>
-            <a:r>
-              <a:rPr lang="ko-KR" altLang="en-US" sz="8000" dirty="0" smtClean="0"/>
-              <a:t>사물과 사람이 </a:t>
+              <a:t>주소를 부여해서 모든 사물과 사람이 거대한 네트워크를 형성하고 상호작용한다</a:t>
+            </a:r>
+            <a:r>
+              <a:rPr lang="en-US" altLang="ko-KR" sz="8000" dirty="0"/>
+              <a:t>.</a:t>
+            </a:r>
+          </a:p>
+          <a:p>
+            <a:pPr fontAlgn="base"/>
+            <a:r>
+              <a:rPr lang="en-US" altLang="ko-KR" sz="8000" dirty="0"/>
+              <a:t> </a:t>
             </a:r>
             <a:r>
               <a:rPr lang="ko-KR" altLang="en-US" sz="8000" dirty="0"/>
-              <a:t>거대한 네트워크를 형성하고 </a:t>
-            </a:r>
-            <a:r>
-              <a:rPr lang="ko-KR" altLang="en-US" sz="8000" dirty="0" smtClean="0"/>
-              <a:t>상호작용한다</a:t>
-            </a:r>
-            <a:r>
-              <a:rPr lang="en-US" altLang="ko-KR" sz="8000" dirty="0" smtClean="0"/>
-              <a:t>.</a:t>
-            </a:r>
-          </a:p>
-          <a:p>
-            <a:pPr fontAlgn="base"/>
-            <a:r>
-              <a:rPr lang="en-US" altLang="ko-KR" sz="8000" dirty="0" smtClean="0"/>
-              <a:t> </a:t>
-            </a:r>
-            <a:r>
-              <a:rPr lang="ko-KR" altLang="en-US" sz="8000" dirty="0"/>
-              <a:t>사물인터넷이 </a:t>
-            </a:r>
-            <a:r>
-              <a:rPr lang="ko-KR" altLang="en-US" sz="8000" dirty="0" smtClean="0"/>
-              <a:t>발달하면서 </a:t>
-            </a:r>
-            <a:r>
-              <a:rPr lang="ko-KR" altLang="en-US" sz="8000" dirty="0"/>
-              <a:t>각종 비인간 감지기에 의해 수집되는 데이터의 양도 </a:t>
-            </a:r>
-            <a:r>
-              <a:rPr lang="ko-KR" altLang="en-US" sz="8000" dirty="0" smtClean="0"/>
-              <a:t>많아졌다</a:t>
+              <a:t>사물인터넷이 발달하면서 각종 비인간 감지기에 의해 수집되는 데이터의 양도 많아졌다</a:t>
             </a:r>
             <a:r>
               <a:rPr lang="en-US" altLang="ko-KR" sz="8000" dirty="0"/>
@@ -16459,101 +16419,56 @@
             <a:pPr fontAlgn="base"/>
             <a:r>
               <a:rPr lang="ko-KR" altLang="en-US" sz="8000" dirty="0"/>
-              <a:t>자율주행 자동차는 </a:t>
-            </a:r>
-            <a:r>
-              <a:rPr lang="ko-KR" altLang="en-US" sz="8000" dirty="0" smtClean="0"/>
-              <a:t>컴퓨터가 된 자동차만이 아니다</a:t>
-            </a:r>
-            <a:r>
-              <a:rPr lang="en-US" altLang="ko-KR" sz="8000" dirty="0" smtClean="0"/>
+              <a:t>자율주행 자동차는 컴퓨터가 된 자동차만이 아니다</a:t>
+            </a:r>
+            <a:r>
+              <a:rPr lang="en-US" altLang="ko-KR" sz="8000" dirty="0"/>
               <a:t>.</a:t>
             </a:r>
           </a:p>
           <a:p>
             <a:pPr fontAlgn="base"/>
             <a:r>
-              <a:rPr lang="ko-KR" altLang="en-US" sz="8000" dirty="0" err="1" smtClean="0"/>
+              <a:rPr lang="ko-KR" altLang="en-US" sz="8000" dirty="0" err="1"/>
               <a:t>빅데이터</a:t>
             </a:r>
             <a:r>
-              <a:rPr lang="ko-KR" altLang="en-US" sz="8000" dirty="0" smtClean="0"/>
-              <a:t> </a:t>
-            </a:r>
-            <a:r>
               <a:rPr lang="ko-KR" altLang="en-US" sz="8000" dirty="0"/>
-              <a:t>처리 기술이 발전하면 도로망 </a:t>
-            </a:r>
-            <a:r>
-              <a:rPr lang="ko-KR" altLang="en-US" sz="8000" dirty="0" smtClean="0"/>
-              <a:t>전체 </a:t>
-            </a:r>
+              <a:t> 처리 기술이 발전하면 도로망 전체 모든 자동차의 이동방향과 속도까지 계산해서 예상 상황까지 알려준다</a:t>
+            </a:r>
+            <a:r>
+              <a:rPr lang="en-US" altLang="ko-KR" sz="8000" dirty="0"/>
+              <a:t>.</a:t>
+            </a:r>
+            <a:endParaRPr lang="ko-KR" altLang="en-US" sz="8000" dirty="0"/>
+          </a:p>
+          <a:p>
+            <a:pPr fontAlgn="base"/>
             <a:r>
               <a:rPr lang="ko-KR" altLang="en-US" sz="8000" dirty="0"/>
-              <a:t>모든 자동차의 이동방향과 속도까지 계산해서 </a:t>
-            </a:r>
-            <a:r>
-              <a:rPr lang="ko-KR" altLang="en-US" sz="8000" dirty="0" smtClean="0"/>
-              <a:t>예상 </a:t>
-            </a:r>
+              <a:t>교통망 내의 모든 사물의 위치와 움직임이 다 계산될 수 있다</a:t>
+            </a:r>
+            <a:r>
+              <a:rPr lang="en-US" altLang="ko-KR" sz="8000" dirty="0"/>
+              <a:t>.</a:t>
+            </a:r>
+          </a:p>
+          <a:p>
+            <a:pPr fontAlgn="base"/>
             <a:r>
               <a:rPr lang="ko-KR" altLang="en-US" sz="8000" dirty="0"/>
-              <a:t>상황까지 </a:t>
-            </a:r>
-            <a:r>
-              <a:rPr lang="ko-KR" altLang="en-US" sz="8000" dirty="0" smtClean="0"/>
-              <a:t>알려준다</a:t>
-            </a:r>
-            <a:r>
-              <a:rPr lang="en-US" altLang="ko-KR" sz="8000" dirty="0" smtClean="0"/>
-              <a:t>.</a:t>
-            </a:r>
-            <a:endParaRPr lang="ko-KR" altLang="en-US" sz="8000" dirty="0"/>
-          </a:p>
-          <a:p>
-            <a:pPr fontAlgn="base"/>
-            <a:r>
-              <a:rPr lang="ko-KR" altLang="en-US" sz="8000" dirty="0" smtClean="0"/>
-              <a:t>교통망 내의 </a:t>
-            </a:r>
-            <a:r>
-              <a:rPr lang="ko-KR" altLang="en-US" sz="8000" dirty="0"/>
-              <a:t>모든 사물의 위치와 움직임이 다 계산될 수 </a:t>
-            </a:r>
-            <a:r>
-              <a:rPr lang="ko-KR" altLang="en-US" sz="8000" dirty="0" smtClean="0"/>
-              <a:t>있다</a:t>
-            </a:r>
-            <a:r>
-              <a:rPr lang="en-US" altLang="ko-KR" sz="8000" dirty="0" smtClean="0"/>
-              <a:t>.</a:t>
-            </a:r>
-          </a:p>
-          <a:p>
-            <a:pPr fontAlgn="base"/>
-            <a:r>
-              <a:rPr lang="ko-KR" altLang="en-US" sz="8000" dirty="0" smtClean="0"/>
-              <a:t>이런 </a:t>
-            </a:r>
-            <a:r>
-              <a:rPr lang="ko-KR" altLang="en-US" sz="8000" dirty="0"/>
-              <a:t>조건이 갖춰질 때 자유주행이 가능해진다</a:t>
+              <a:t>이런 조건이 갖춰질 때 자유주행이 가능해진다</a:t>
             </a:r>
             <a:r>
               <a:rPr lang="en-US" altLang="ko-KR" sz="8000" dirty="0"/>
               <a:t>. </a:t>
             </a:r>
-            <a:endParaRPr lang="en-US" altLang="ko-KR" sz="8000" dirty="0" smtClean="0"/>
           </a:p>
           <a:p>
             <a:pPr fontAlgn="base"/>
             <a:r>
-              <a:rPr lang="ko-KR" altLang="en-US" sz="8000" dirty="0" smtClean="0"/>
-              <a:t>자율주행 </a:t>
-            </a:r>
-            <a:r>
               <a:rPr lang="ko-KR" altLang="en-US" sz="8000" dirty="0"/>
-              <a:t>자동차는 결국 사물인터넷과 </a:t>
+              <a:t>자율주행 자동차는 결국 사물인터넷과 </a:t>
             </a:r>
             <a:r>
               <a:rPr lang="ko-KR" altLang="en-US" sz="8000" dirty="0" err="1"/>
@@ -16590,8 +16505,265 @@
           <a:lstStyle/>
           <a:p>
             <a:r>
-              <a:rPr lang="ko-KR" altLang="en-US" dirty="0" smtClean="0"/>
+              <a:rPr lang="ko-KR" altLang="en-US" dirty="0"/>
               <a:t>컴퓨터는 네트워크다</a:t>
+            </a:r>
+          </a:p>
+        </p:txBody>
+      </p:sp>
+      <p:cxnSp>
+        <p:nvCxnSpPr>
+          <p:cNvPr id="5" name="직선 화살표 연결선 4">
+            <a:extLst>
+              <a:ext uri="{FF2B5EF4-FFF2-40B4-BE49-F238E27FC236}">
+                <a16:creationId xmlns:a16="http://schemas.microsoft.com/office/drawing/2014/main" id="{BBEB2875-0FA7-44A9-83D9-367C9E11F043}"/>
+              </a:ext>
+            </a:extLst>
+          </p:cNvPr>
+          <p:cNvCxnSpPr/>
+          <p:nvPr/>
+        </p:nvCxnSpPr>
+        <p:spPr>
+          <a:xfrm>
+            <a:off x="1043608" y="2060848"/>
+            <a:ext cx="432048" cy="72008"/>
+          </a:xfrm>
+          <a:prstGeom prst="straightConnector1">
+            <a:avLst/>
+          </a:prstGeom>
+          <a:ln>
+            <a:tailEnd type="triangle"/>
+          </a:ln>
+        </p:spPr>
+        <p:style>
+          <a:lnRef idx="1">
+            <a:schemeClr val="accent1"/>
+          </a:lnRef>
+          <a:fillRef idx="0">
+            <a:schemeClr val="accent1"/>
+          </a:fillRef>
+          <a:effectRef idx="0">
+            <a:schemeClr val="accent1"/>
+          </a:effectRef>
+          <a:fontRef idx="minor">
+            <a:schemeClr val="tx1"/>
+          </a:fontRef>
+        </p:style>
+      </p:cxnSp>
+      <p:sp>
+        <p:nvSpPr>
+          <p:cNvPr id="6" name="TextBox 5">
+            <a:extLst>
+              <a:ext uri="{FF2B5EF4-FFF2-40B4-BE49-F238E27FC236}">
+                <a16:creationId xmlns:a16="http://schemas.microsoft.com/office/drawing/2014/main" id="{B0A98318-A2EA-4FBD-A3EA-041720720AD1}"/>
+              </a:ext>
+            </a:extLst>
+          </p:cNvPr>
+          <p:cNvSpPr txBox="1"/>
+          <p:nvPr/>
+        </p:nvSpPr>
+        <p:spPr>
+          <a:xfrm>
+            <a:off x="1763688" y="1916832"/>
+            <a:ext cx="2232248" cy="646331"/>
+          </a:xfrm>
+          <a:prstGeom prst="rect">
+            <a:avLst/>
+          </a:prstGeom>
+          <a:noFill/>
+        </p:spPr>
+        <p:txBody>
+          <a:bodyPr wrap="square" rtlCol="0">
+            <a:spAutoFit/>
+          </a:bodyPr>
+          <a:lstStyle/>
+          <a:p>
+            <a:r>
+              <a:rPr lang="ko-KR" altLang="en-US" dirty="0"/>
+              <a:t>컴퓨터를 통하여 </a:t>
+            </a:r>
+            <a:endParaRPr lang="en-US" altLang="ko-KR" dirty="0"/>
+          </a:p>
+          <a:p>
+            <a:r>
+              <a:rPr lang="ko-KR" altLang="en-US" dirty="0"/>
+              <a:t>대규모 통신이 가능</a:t>
+            </a:r>
+          </a:p>
+        </p:txBody>
+      </p:sp>
+      <p:cxnSp>
+        <p:nvCxnSpPr>
+          <p:cNvPr id="8" name="직선 화살표 연결선 7">
+            <a:extLst>
+              <a:ext uri="{FF2B5EF4-FFF2-40B4-BE49-F238E27FC236}">
+                <a16:creationId xmlns:a16="http://schemas.microsoft.com/office/drawing/2014/main" id="{C388DF30-0EA1-4255-8EFA-A38083CFF929}"/>
+              </a:ext>
+            </a:extLst>
+          </p:cNvPr>
+          <p:cNvCxnSpPr/>
+          <p:nvPr/>
+        </p:nvCxnSpPr>
+        <p:spPr>
+          <a:xfrm>
+            <a:off x="4211960" y="2276872"/>
+            <a:ext cx="504056" cy="0"/>
+          </a:xfrm>
+          <a:prstGeom prst="straightConnector1">
+            <a:avLst/>
+          </a:prstGeom>
+          <a:ln>
+            <a:tailEnd type="triangle"/>
+          </a:ln>
+        </p:spPr>
+        <p:style>
+          <a:lnRef idx="1">
+            <a:schemeClr val="accent1"/>
+          </a:lnRef>
+          <a:fillRef idx="0">
+            <a:schemeClr val="accent1"/>
+          </a:fillRef>
+          <a:effectRef idx="0">
+            <a:schemeClr val="accent1"/>
+          </a:effectRef>
+          <a:fontRef idx="minor">
+            <a:schemeClr val="tx1"/>
+          </a:fontRef>
+        </p:style>
+      </p:cxnSp>
+      <p:sp>
+        <p:nvSpPr>
+          <p:cNvPr id="9" name="TextBox 8">
+            <a:extLst>
+              <a:ext uri="{FF2B5EF4-FFF2-40B4-BE49-F238E27FC236}">
+                <a16:creationId xmlns:a16="http://schemas.microsoft.com/office/drawing/2014/main" id="{87D3D003-C381-4120-B810-CB9F456ED3BC}"/>
+              </a:ext>
+            </a:extLst>
+          </p:cNvPr>
+          <p:cNvSpPr txBox="1"/>
+          <p:nvPr/>
+        </p:nvSpPr>
+        <p:spPr>
+          <a:xfrm>
+            <a:off x="5004048" y="1916832"/>
+            <a:ext cx="2232248" cy="923330"/>
+          </a:xfrm>
+          <a:prstGeom prst="rect">
+            <a:avLst/>
+          </a:prstGeom>
+          <a:noFill/>
+        </p:spPr>
+        <p:txBody>
+          <a:bodyPr wrap="square" rtlCol="0">
+            <a:spAutoFit/>
+          </a:bodyPr>
+          <a:lstStyle/>
+          <a:p>
+            <a:r>
+              <a:rPr lang="ko-KR" altLang="en-US" dirty="0"/>
+              <a:t>컴퓨터 내부의 </a:t>
+            </a:r>
+            <a:endParaRPr lang="en-US" altLang="ko-KR" dirty="0"/>
+          </a:p>
+          <a:p>
+            <a:r>
+              <a:rPr lang="en-US" altLang="ko-KR" dirty="0"/>
+              <a:t>	`</a:t>
+            </a:r>
+            <a:r>
+              <a:rPr lang="ko-KR" altLang="en-US" dirty="0"/>
+              <a:t>네트워크로 바뀐다</a:t>
+            </a:r>
+            <a:r>
+              <a:rPr lang="en-US" altLang="ko-KR" dirty="0"/>
+              <a:t>.</a:t>
+            </a:r>
+            <a:endParaRPr lang="ko-KR" altLang="en-US" dirty="0"/>
+          </a:p>
+        </p:txBody>
+      </p:sp>
+      <p:cxnSp>
+        <p:nvCxnSpPr>
+          <p:cNvPr id="11" name="직선 화살표 연결선 10">
+            <a:extLst>
+              <a:ext uri="{FF2B5EF4-FFF2-40B4-BE49-F238E27FC236}">
+                <a16:creationId xmlns:a16="http://schemas.microsoft.com/office/drawing/2014/main" id="{A6EB4359-C658-4E46-B809-067C066C7504}"/>
+              </a:ext>
+            </a:extLst>
+          </p:cNvPr>
+          <p:cNvCxnSpPr/>
+          <p:nvPr/>
+        </p:nvCxnSpPr>
+        <p:spPr>
+          <a:xfrm flipV="1">
+            <a:off x="4427984" y="6597352"/>
+            <a:ext cx="720080" cy="144016"/>
+          </a:xfrm>
+          <a:prstGeom prst="straightConnector1">
+            <a:avLst/>
+          </a:prstGeom>
+          <a:ln>
+            <a:tailEnd type="triangle"/>
+          </a:ln>
+        </p:spPr>
+        <p:style>
+          <a:lnRef idx="1">
+            <a:schemeClr val="accent1"/>
+          </a:lnRef>
+          <a:fillRef idx="0">
+            <a:schemeClr val="accent1"/>
+          </a:fillRef>
+          <a:effectRef idx="0">
+            <a:schemeClr val="accent1"/>
+          </a:effectRef>
+          <a:fontRef idx="minor">
+            <a:schemeClr val="tx1"/>
+          </a:fontRef>
+        </p:style>
+      </p:cxnSp>
+      <p:sp>
+        <p:nvSpPr>
+          <p:cNvPr id="12" name="TextBox 11">
+            <a:extLst>
+              <a:ext uri="{FF2B5EF4-FFF2-40B4-BE49-F238E27FC236}">
+                <a16:creationId xmlns:a16="http://schemas.microsoft.com/office/drawing/2014/main" id="{BF38FB08-B874-41F2-A4F5-DFAB58720289}"/>
+              </a:ext>
+            </a:extLst>
+          </p:cNvPr>
+          <p:cNvSpPr txBox="1"/>
+          <p:nvPr/>
+        </p:nvSpPr>
+        <p:spPr>
+          <a:xfrm>
+            <a:off x="5292080" y="6238467"/>
+            <a:ext cx="2772296" cy="646331"/>
+          </a:xfrm>
+          <a:prstGeom prst="rect">
+            <a:avLst/>
+          </a:prstGeom>
+          <a:noFill/>
+        </p:spPr>
+        <p:txBody>
+          <a:bodyPr wrap="square" rtlCol="0">
+            <a:spAutoFit/>
+          </a:bodyPr>
+          <a:lstStyle/>
+          <a:p>
+            <a:r>
+              <a:rPr lang="ko-KR" altLang="en-US" dirty="0"/>
+              <a:t>세계가 컴퓨터 네트워크로 이루어 </a:t>
+            </a:r>
+            <a:r>
+              <a:rPr lang="ko-KR" altLang="en-US" dirty="0" err="1"/>
+              <a:t>질수</a:t>
+            </a:r>
+            <a:r>
+              <a:rPr lang="ko-KR" altLang="en-US" dirty="0"/>
+              <a:t> 있다</a:t>
+            </a:r>
+            <a:r>
+              <a:rPr lang="en-US" altLang="ko-KR" dirty="0"/>
+              <a:t>.</a:t>
             </a:r>
             <a:endParaRPr lang="ko-KR" altLang="en-US" dirty="0"/>
           </a:p>
@@ -16607,13 +16779,6 @@
   <p:clrMapOvr>
     <a:masterClrMapping/>
   </p:clrMapOvr>
-  <p:timing>
-    <p:tnLst>
-      <p:par>
-        <p:cTn id="1" dur="indefinite" restart="never" nodeType="tmRoot"/>
-      </p:par>
-    </p:tnLst>
-  </p:timing>
 </p:sld>
 </file>
 
@@ -16653,38 +16818,26 @@
           <a:p>
             <a:r>
               <a:rPr lang="ko-KR" altLang="en-US" dirty="0"/>
-              <a:t>컴퓨터가 방대한 데이터를 분석한 뒤 여기서 알아낸 통계적 관계를 바탕으로 스스로 프로그램을 작성하는 </a:t>
-            </a:r>
-            <a:r>
-              <a:rPr lang="ko-KR" altLang="en-US" dirty="0" smtClean="0"/>
-              <a:t>기법</a:t>
-            </a:r>
-            <a:r>
-              <a:rPr lang="en-US" altLang="ko-KR" dirty="0" smtClean="0"/>
+              <a:t>컴퓨터가 방대한 데이터를 분석한 뒤 여기서 알아낸 통계적 관계를 바탕으로 스스로 프로그램을 작성하는 기법</a:t>
+            </a:r>
+            <a:r>
+              <a:rPr lang="en-US" altLang="ko-KR" dirty="0"/>
               <a:t>. </a:t>
             </a:r>
           </a:p>
           <a:p>
             <a:r>
-              <a:rPr lang="ko-KR" altLang="en-US" dirty="0" smtClean="0"/>
-              <a:t>우선 </a:t>
-            </a:r>
-            <a:r>
-              <a:rPr lang="ko-KR" altLang="en-US" dirty="0"/>
-              <a:t>알려져 있는 데이터로 알고리즘을 훈련시킨 뒤 새로운 데이터를 투입하여 유사한 문제를 해결시키는 </a:t>
-            </a:r>
-            <a:r>
-              <a:rPr lang="ko-KR" altLang="en-US" dirty="0" smtClean="0"/>
-              <a:t>것</a:t>
-            </a:r>
-            <a:r>
-              <a:rPr lang="en-US" altLang="ko-KR" dirty="0" smtClean="0"/>
+              <a:rPr lang="ko-KR" altLang="en-US" dirty="0"/>
+              <a:t>우선 알려져 있는 데이터로 알고리즘을 훈련시킨 뒤 새로운 데이터를 투입하여 유사한 문제를 해결시키는 것</a:t>
+            </a:r>
+            <a:r>
+              <a:rPr lang="en-US" altLang="ko-KR" dirty="0"/>
               <a:t>. </a:t>
             </a:r>
           </a:p>
           <a:p>
             <a:r>
-              <a:rPr lang="ko-KR" altLang="en-US" dirty="0" smtClean="0"/>
+              <a:rPr lang="ko-KR" altLang="en-US" dirty="0"/>
               <a:t>예컨대 </a:t>
             </a:r>
             <a:r>
@@ -16693,14 +16846,10 @@
             </a:r>
             <a:r>
               <a:rPr lang="ko-KR" altLang="en-US" dirty="0"/>
-              <a:t> </a:t>
-            </a:r>
-            <a:r>
-              <a:rPr lang="ko-KR" altLang="en-US" dirty="0" smtClean="0"/>
-              <a:t>필터</a:t>
-            </a:r>
-            <a:r>
-              <a:rPr lang="en-US" altLang="ko-KR" dirty="0" smtClean="0"/>
+              <a:t> 필터</a:t>
+            </a:r>
+            <a:r>
+              <a:rPr lang="en-US" altLang="ko-KR" dirty="0"/>
               <a:t>.</a:t>
             </a:r>
           </a:p>
@@ -16714,12 +16863,8 @@
               <a:t>. </a:t>
             </a:r>
             <a:r>
-              <a:rPr lang="ko-KR" altLang="en-US" dirty="0" smtClean="0"/>
-              <a:t>보통 데이터가 </a:t>
-            </a:r>
-            <a:r>
-              <a:rPr lang="ko-KR" altLang="en-US" dirty="0"/>
-              <a:t>컴퓨터에 들어가면</a:t>
+              <a:rPr lang="ko-KR" altLang="en-US" dirty="0"/>
+              <a:t>보통 데이터가 컴퓨터에 들어가면</a:t>
             </a:r>
             <a:r>
               <a:rPr lang="en-US" altLang="ko-KR" dirty="0"/>
@@ -16741,31 +16886,21 @@
               <a:rPr lang="en-US" altLang="ko-KR" dirty="0"/>
               <a:t>. </a:t>
             </a:r>
-            <a:endParaRPr lang="en-US" altLang="ko-KR" dirty="0" smtClean="0"/>
-          </a:p>
-          <a:p>
-            <a:r>
-              <a:rPr lang="ko-KR" altLang="en-US" dirty="0" smtClean="0"/>
-              <a:t>기계학습은 </a:t>
-            </a:r>
-            <a:r>
-              <a:rPr lang="ko-KR" altLang="en-US" dirty="0"/>
-              <a:t>이 과정을 바꾸었다</a:t>
+          </a:p>
+          <a:p>
+            <a:r>
+              <a:rPr lang="ko-KR" altLang="en-US" dirty="0"/>
+              <a:t>기계학습은 이 과정을 바꾸었다</a:t>
             </a:r>
             <a:r>
               <a:rPr lang="en-US" altLang="ko-KR" dirty="0"/>
               <a:t>. </a:t>
             </a:r>
-            <a:endParaRPr lang="en-US" altLang="ko-KR" dirty="0" smtClean="0"/>
-          </a:p>
-          <a:p>
-            <a:r>
-              <a:rPr lang="ko-KR" altLang="en-US" dirty="0" smtClean="0"/>
-              <a:t>데이터와 </a:t>
-            </a:r>
-            <a:r>
-              <a:rPr lang="ko-KR" altLang="en-US" dirty="0"/>
-              <a:t>원하는 결과가 들어가고</a:t>
+          </a:p>
+          <a:p>
+            <a:r>
+              <a:rPr lang="ko-KR" altLang="en-US" dirty="0"/>
+              <a:t>데이터와 원하는 결과가 들어가고</a:t>
             </a:r>
             <a:r>
               <a:rPr lang="en-US" altLang="ko-KR" dirty="0"/>
@@ -16779,16 +16914,11 @@
               <a:rPr lang="en-US" altLang="ko-KR" dirty="0"/>
               <a:t>. </a:t>
             </a:r>
-            <a:endParaRPr lang="en-US" altLang="ko-KR" dirty="0" smtClean="0"/>
-          </a:p>
-          <a:p>
-            <a:r>
-              <a:rPr lang="ko-KR" altLang="en-US" dirty="0" smtClean="0"/>
-              <a:t>기계학습의 핵심은 다른 </a:t>
-            </a:r>
-            <a:r>
-              <a:rPr lang="ko-KR" altLang="en-US" dirty="0"/>
-              <a:t>알고리즘을 만드는 알고리즘이다</a:t>
+          </a:p>
+          <a:p>
+            <a:r>
+              <a:rPr lang="ko-KR" altLang="en-US" dirty="0"/>
+              <a:t>기계학습의 핵심은 다른 알고리즘을 만드는 알고리즘이다</a:t>
             </a:r>
             <a:r>
               <a:rPr lang="en-US" altLang="ko-KR" dirty="0"/>
@@ -16796,14 +16926,10 @@
             </a:r>
             <a:r>
               <a:rPr lang="ko-KR" altLang="en-US" dirty="0"/>
-              <a:t>기계학습을 통해 컴퓨터는 자신의 프로그램을 </a:t>
-            </a:r>
-            <a:r>
-              <a:rPr lang="ko-KR" altLang="en-US" dirty="0" smtClean="0"/>
-              <a:t>작성한다</a:t>
-            </a:r>
-            <a:r>
-              <a:rPr lang="en-US" altLang="ko-KR" dirty="0" smtClean="0"/>
+              <a:t>기계학습을 통해 컴퓨터는 자신의 프로그램을 작성한다</a:t>
+            </a:r>
+            <a:r>
+              <a:rPr lang="en-US" altLang="ko-KR" dirty="0"/>
               <a:t>. </a:t>
             </a:r>
             <a:endParaRPr lang="ko-KR" altLang="en-US" dirty="0"/>
@@ -16829,9 +16955,50 @@
           <a:lstStyle/>
           <a:p>
             <a:r>
-              <a:rPr lang="ko-KR" altLang="en-US" dirty="0" smtClean="0"/>
+              <a:rPr lang="ko-KR" altLang="en-US" dirty="0"/>
               <a:t>기계학습</a:t>
             </a:r>
+          </a:p>
+        </p:txBody>
+      </p:sp>
+      <p:sp>
+        <p:nvSpPr>
+          <p:cNvPr id="4" name="TextBox 3">
+            <a:extLst>
+              <a:ext uri="{FF2B5EF4-FFF2-40B4-BE49-F238E27FC236}">
+                <a16:creationId xmlns:a16="http://schemas.microsoft.com/office/drawing/2014/main" id="{119BFA5A-A886-4413-B6B5-5073CFD828D1}"/>
+              </a:ext>
+            </a:extLst>
+          </p:cNvPr>
+          <p:cNvSpPr txBox="1"/>
+          <p:nvPr/>
+        </p:nvSpPr>
+        <p:spPr>
+          <a:xfrm>
+            <a:off x="1619672" y="1591056"/>
+            <a:ext cx="2232248" cy="923330"/>
+          </a:xfrm>
+          <a:prstGeom prst="rect">
+            <a:avLst/>
+          </a:prstGeom>
+          <a:noFill/>
+        </p:spPr>
+        <p:txBody>
+          <a:bodyPr wrap="square" rtlCol="0">
+            <a:spAutoFit/>
+          </a:bodyPr>
+          <a:lstStyle/>
+          <a:p>
+            <a:r>
+              <a:rPr lang="ko-KR" altLang="en-US" dirty="0"/>
+              <a:t>기계가 자기 개선을 하면서 학습한다</a:t>
+            </a:r>
+            <a:r>
+              <a:rPr lang="en-US" altLang="ko-KR" dirty="0"/>
+              <a:t>.</a:t>
+            </a:r>
+          </a:p>
+          <a:p>
             <a:endParaRPr lang="ko-KR" altLang="en-US" dirty="0"/>
           </a:p>
         </p:txBody>
@@ -16846,13 +17013,6 @@
   <p:clrMapOvr>
     <a:masterClrMapping/>
   </p:clrMapOvr>
-  <p:timing>
-    <p:tnLst>
-      <p:par>
-        <p:cTn id="1" dur="indefinite" restart="never" nodeType="tmRoot"/>
-      </p:par>
-    </p:tnLst>
-  </p:timing>
 </p:sld>
 </file>
 
@@ -16891,67 +17051,67 @@
           <a:lstStyle/>
           <a:p>
             <a:r>
-              <a:rPr lang="ko-KR" altLang="en-US" dirty="0" smtClean="0"/>
+              <a:rPr lang="ko-KR" altLang="en-US" dirty="0"/>
               <a:t>컴퓨터가 지능을 가졌다고 할 때 무슨 일이 일어나는가</a:t>
             </a:r>
             <a:r>
-              <a:rPr lang="en-US" altLang="ko-KR" dirty="0" smtClean="0"/>
+              <a:rPr lang="en-US" altLang="ko-KR" dirty="0"/>
               <a:t>?</a:t>
             </a:r>
           </a:p>
           <a:p>
             <a:r>
-              <a:rPr lang="ko-KR" altLang="en-US" dirty="0" smtClean="0"/>
+              <a:rPr lang="ko-KR" altLang="en-US" dirty="0"/>
               <a:t>컴퓨터가 인간보다 훌륭하게</a:t>
             </a:r>
             <a:r>
-              <a:rPr lang="en-US" altLang="ko-KR" dirty="0" smtClean="0"/>
+              <a:rPr lang="en-US" altLang="ko-KR" dirty="0"/>
               <a:t>,</a:t>
             </a:r>
             <a:r>
-              <a:rPr lang="ko-KR" altLang="en-US" dirty="0" smtClean="0"/>
+              <a:rPr lang="ko-KR" altLang="en-US" dirty="0"/>
               <a:t> 정해진 목표에 알맞게 학습을 하면서</a:t>
             </a:r>
             <a:r>
-              <a:rPr lang="en-US" altLang="ko-KR" dirty="0" smtClean="0"/>
+              <a:rPr lang="en-US" altLang="ko-KR" dirty="0"/>
               <a:t>, </a:t>
             </a:r>
             <a:r>
-              <a:rPr lang="ko-KR" altLang="en-US" dirty="0" smtClean="0"/>
+              <a:rPr lang="ko-KR" altLang="en-US" dirty="0"/>
               <a:t>문제해결을 해낼 수 있다</a:t>
             </a:r>
             <a:r>
-              <a:rPr lang="en-US" altLang="ko-KR" dirty="0" smtClean="0"/>
+              <a:rPr lang="en-US" altLang="ko-KR" dirty="0"/>
               <a:t>. </a:t>
             </a:r>
           </a:p>
           <a:p>
             <a:r>
-              <a:rPr lang="ko-KR" altLang="en-US" dirty="0" smtClean="0"/>
+              <a:rPr lang="ko-KR" altLang="en-US" dirty="0"/>
               <a:t>그러한 컴퓨터는 인간과 사물이 소통하는 네트워크 안에서 작동한다</a:t>
             </a:r>
             <a:r>
-              <a:rPr lang="en-US" altLang="ko-KR" dirty="0" smtClean="0"/>
+              <a:rPr lang="en-US" altLang="ko-KR" dirty="0"/>
               <a:t>. </a:t>
             </a:r>
           </a:p>
           <a:p>
             <a:r>
-              <a:rPr lang="ko-KR" altLang="en-US" dirty="0" smtClean="0"/>
+              <a:rPr lang="ko-KR" altLang="en-US" dirty="0"/>
               <a:t>컴퓨터가 된 기계는 한계비용을 제로로 바꾼다</a:t>
             </a:r>
             <a:r>
-              <a:rPr lang="en-US" altLang="ko-KR" dirty="0" smtClean="0"/>
+              <a:rPr lang="en-US" altLang="ko-KR" dirty="0"/>
               <a:t>.</a:t>
             </a:r>
           </a:p>
           <a:p>
             <a:r>
-              <a:rPr lang="ko-KR" altLang="en-US" dirty="0" smtClean="0"/>
+              <a:rPr lang="ko-KR" altLang="en-US" dirty="0"/>
               <a:t>인간이 화폐로써 사물을 거래하는 시장을 통해 작동하는 자본주의는 어떻게 될 것인가</a:t>
             </a:r>
             <a:r>
-              <a:rPr lang="en-US" altLang="ko-KR" dirty="0" smtClean="0"/>
+              <a:rPr lang="en-US" altLang="ko-KR" dirty="0"/>
               <a:t>?</a:t>
             </a:r>
             <a:endParaRPr lang="ko-KR" altLang="en-US" dirty="0"/>
@@ -16974,11 +17134,11 @@
           <a:lstStyle/>
           <a:p>
             <a:r>
-              <a:rPr lang="ko-KR" altLang="en-US" dirty="0" smtClean="0"/>
+              <a:rPr lang="ko-KR" altLang="en-US" dirty="0"/>
               <a:t>컴퓨터는 지능을 가졌는가</a:t>
             </a:r>
             <a:r>
-              <a:rPr lang="en-US" altLang="ko-KR" dirty="0" smtClean="0"/>
+              <a:rPr lang="en-US" altLang="ko-KR" dirty="0"/>
               <a:t>?</a:t>
             </a:r>
             <a:endParaRPr lang="ko-KR" altLang="en-US" dirty="0"/>
@@ -16995,13 +17155,6 @@
   <p:clrMapOvr>
     <a:masterClrMapping/>
   </p:clrMapOvr>
-  <p:timing>
-    <p:tnLst>
-      <p:par>
-        <p:cTn id="1" dur="indefinite" restart="never" nodeType="tmRoot"/>
-      </p:par>
-    </p:tnLst>
-  </p:timing>
 </p:sld>
 </file>
 
@@ -17060,42 +17213,24 @@
           <a:p>
             <a:pPr fontAlgn="base"/>
             <a:r>
-              <a:rPr lang="ko-KR" altLang="en-US" dirty="0" smtClean="0">
-                <a:latin typeface="HY견명조" pitchFamily="18" charset="-127"/>
-                <a:ea typeface="HY견명조" pitchFamily="18" charset="-127"/>
-              </a:rPr>
-              <a:t>한계비용이 </a:t>
-            </a:r>
-            <a:r>
               <a:rPr lang="ko-KR" altLang="en-US" dirty="0">
                 <a:latin typeface="HY견명조" pitchFamily="18" charset="-127"/>
                 <a:ea typeface="HY견명조" pitchFamily="18" charset="-127"/>
               </a:rPr>
-              <a:t>제로에 가까운 수준으로 생산되는 </a:t>
-            </a:r>
-            <a:r>
-              <a:rPr lang="ko-KR" altLang="en-US" dirty="0" smtClean="0">
-                <a:latin typeface="HY견명조" pitchFamily="18" charset="-127"/>
-                <a:ea typeface="HY견명조" pitchFamily="18" charset="-127"/>
-              </a:rPr>
-              <a:t>상황이 온다</a:t>
-            </a:r>
-            <a:r>
-              <a:rPr lang="en-US" altLang="ko-KR" dirty="0" smtClean="0">
+              <a:t>한계비용이 제로에 가까운 수준으로 생산되는 상황이 온다</a:t>
+            </a:r>
+            <a:r>
+              <a:rPr lang="en-US" altLang="ko-KR" dirty="0">
                 <a:latin typeface="HY견명조" pitchFamily="18" charset="-127"/>
                 <a:ea typeface="HY견명조" pitchFamily="18" charset="-127"/>
               </a:rPr>
               <a:t>. </a:t>
             </a:r>
-            <a:endParaRPr lang="en-US" altLang="ko-KR" dirty="0">
-              <a:latin typeface="HY견명조" pitchFamily="18" charset="-127"/>
-              <a:ea typeface="HY견명조" pitchFamily="18" charset="-127"/>
-            </a:endParaRPr>
           </a:p>
           <a:p>
             <a:pPr fontAlgn="base"/>
             <a:r>
-              <a:rPr lang="ko-KR" altLang="en-US" dirty="0" smtClean="0">
+              <a:rPr lang="ko-KR" altLang="en-US" dirty="0">
                 <a:latin typeface="HY견명조" pitchFamily="18" charset="-127"/>
                 <a:ea typeface="HY견명조" pitchFamily="18" charset="-127"/>
               </a:rPr>
@@ -17130,42 +17265,31 @@
           <a:p>
             <a:pPr fontAlgn="base"/>
             <a:r>
-              <a:rPr lang="ko-KR" altLang="en-US" dirty="0" smtClean="0">
+              <a:rPr lang="ko-KR" altLang="en-US" dirty="0">
                 <a:latin typeface="HY견명조" pitchFamily="18" charset="-127"/>
                 <a:ea typeface="HY견명조" pitchFamily="18" charset="-127"/>
               </a:rPr>
               <a:t>기술발전으로 인간 노동에 대한 수요가 계속 줄어든다면</a:t>
             </a:r>
             <a:r>
-              <a:rPr lang="en-US" altLang="ko-KR" dirty="0" smtClean="0">
+              <a:rPr lang="en-US" altLang="ko-KR" dirty="0">
                 <a:latin typeface="HY견명조" pitchFamily="18" charset="-127"/>
                 <a:ea typeface="HY견명조" pitchFamily="18" charset="-127"/>
               </a:rPr>
               <a:t>, </a:t>
             </a:r>
-            <a:endParaRPr lang="en-US" altLang="ko-KR" dirty="0" smtClean="0">
-              <a:latin typeface="HY견명조" pitchFamily="18" charset="-127"/>
-              <a:ea typeface="HY견명조" pitchFamily="18" charset="-127"/>
-            </a:endParaRPr>
           </a:p>
           <a:p>
             <a:pPr fontAlgn="base"/>
             <a:r>
-              <a:rPr lang="ko-KR" altLang="en-US" dirty="0" smtClean="0">
+              <a:rPr lang="ko-KR" altLang="en-US" dirty="0">
                 <a:latin typeface="HY견명조" pitchFamily="18" charset="-127"/>
                 <a:ea typeface="HY견명조" pitchFamily="18" charset="-127"/>
               </a:rPr>
-              <a:t>생산성과 </a:t>
-            </a:r>
-            <a:r>
-              <a:rPr lang="ko-KR" altLang="en-US" dirty="0" smtClean="0">
-                <a:latin typeface="HY견명조" pitchFamily="18" charset="-127"/>
-                <a:ea typeface="HY견명조" pitchFamily="18" charset="-127"/>
-              </a:rPr>
-              <a:t>고용이 상관없는 일이 된다</a:t>
-            </a:r>
-            <a:r>
-              <a:rPr lang="en-US" altLang="ko-KR" dirty="0" smtClean="0">
+              <a:t>생산성과 고용이 상관없는 일이 된다</a:t>
+            </a:r>
+            <a:r>
+              <a:rPr lang="en-US" altLang="ko-KR" dirty="0">
                 <a:latin typeface="HY견명조" pitchFamily="18" charset="-127"/>
                 <a:ea typeface="HY견명조" pitchFamily="18" charset="-127"/>
               </a:rPr>
@@ -17175,23 +17299,19 @@
           <a:p>
             <a:pPr fontAlgn="base"/>
             <a:r>
-              <a:rPr lang="ko-KR" altLang="en-US" dirty="0" smtClean="0">
+              <a:rPr lang="ko-KR" altLang="en-US" dirty="0">
                 <a:latin typeface="HY견명조" pitchFamily="18" charset="-127"/>
                 <a:ea typeface="HY견명조" pitchFamily="18" charset="-127"/>
               </a:rPr>
               <a:t>그럼 사람들이 더 이상 시장과 화폐를 믿겠는가</a:t>
             </a:r>
             <a:r>
-              <a:rPr lang="en-US" altLang="ko-KR" dirty="0" smtClean="0">
+              <a:rPr lang="en-US" altLang="ko-KR" dirty="0">
                 <a:latin typeface="HY견명조" pitchFamily="18" charset="-127"/>
                 <a:ea typeface="HY견명조" pitchFamily="18" charset="-127"/>
               </a:rPr>
               <a:t>?</a:t>
             </a:r>
-            <a:endParaRPr lang="en-US" altLang="ko-KR" dirty="0" smtClean="0">
-              <a:latin typeface="HY견명조" pitchFamily="18" charset="-127"/>
-              <a:ea typeface="HY견명조" pitchFamily="18" charset="-127"/>
-            </a:endParaRPr>
           </a:p>
           <a:p>
             <a:pPr marL="0" indent="0">
@@ -17211,13 +17331,6 @@
   <p:clrMapOvr>
     <a:masterClrMapping/>
   </p:clrMapOvr>
-  <p:timing>
-    <p:tnLst>
-      <p:par>
-        <p:cTn id="1" dur="indefinite" restart="never" nodeType="tmRoot"/>
-      </p:par>
-    </p:tnLst>
-  </p:timing>
 </p:sld>
 </file>
 
@@ -17256,26 +17369,25 @@
           <a:lstStyle/>
           <a:p>
             <a:r>
-              <a:rPr lang="ko-KR" altLang="en-US" dirty="0" err="1" smtClean="0"/>
+              <a:rPr lang="ko-KR" altLang="en-US" dirty="0" err="1"/>
               <a:t>제레미</a:t>
             </a:r>
             <a:r>
-              <a:rPr lang="ko-KR" altLang="en-US" dirty="0" smtClean="0"/>
+              <a:rPr lang="ko-KR" altLang="en-US" dirty="0"/>
               <a:t> </a:t>
             </a:r>
             <a:r>
-              <a:rPr lang="ko-KR" altLang="en-US" dirty="0" err="1" smtClean="0"/>
+              <a:rPr lang="ko-KR" altLang="en-US" dirty="0" err="1"/>
               <a:t>리프킨</a:t>
             </a:r>
             <a:r>
-              <a:rPr lang="en-US" altLang="ko-KR" dirty="0" smtClean="0"/>
+              <a:rPr lang="en-US" altLang="ko-KR" dirty="0"/>
               <a:t>, </a:t>
             </a:r>
             <a:r>
-              <a:rPr lang="ko-KR" altLang="en-US" dirty="0" smtClean="0"/>
+              <a:rPr lang="ko-KR" altLang="en-US" dirty="0"/>
               <a:t>한계비용제로사회</a:t>
             </a:r>
-            <a:endParaRPr lang="ko-KR" altLang="en-US" dirty="0"/>
           </a:p>
         </p:txBody>
       </p:sp>
@@ -17308,6 +17420,93 @@
           </a:xfrm>
         </p:spPr>
       </p:pic>
+      <p:cxnSp>
+        <p:nvCxnSpPr>
+          <p:cNvPr id="4" name="직선 화살표 연결선 3">
+            <a:extLst>
+              <a:ext uri="{FF2B5EF4-FFF2-40B4-BE49-F238E27FC236}">
+                <a16:creationId xmlns:a16="http://schemas.microsoft.com/office/drawing/2014/main" id="{546424AA-FD0D-4DFE-BB03-2808D35BF852}"/>
+              </a:ext>
+            </a:extLst>
+          </p:cNvPr>
+          <p:cNvCxnSpPr/>
+          <p:nvPr/>
+        </p:nvCxnSpPr>
+        <p:spPr>
+          <a:xfrm flipH="1" flipV="1">
+            <a:off x="5796136" y="5013176"/>
+            <a:ext cx="864096" cy="432048"/>
+          </a:xfrm>
+          <a:prstGeom prst="straightConnector1">
+            <a:avLst/>
+          </a:prstGeom>
+          <a:ln>
+            <a:tailEnd type="triangle"/>
+          </a:ln>
+        </p:spPr>
+        <p:style>
+          <a:lnRef idx="1">
+            <a:schemeClr val="accent1"/>
+          </a:lnRef>
+          <a:fillRef idx="0">
+            <a:schemeClr val="accent1"/>
+          </a:fillRef>
+          <a:effectRef idx="0">
+            <a:schemeClr val="accent1"/>
+          </a:effectRef>
+          <a:fontRef idx="minor">
+            <a:schemeClr val="tx1"/>
+          </a:fontRef>
+        </p:style>
+      </p:cxnSp>
+      <p:sp>
+        <p:nvSpPr>
+          <p:cNvPr id="5" name="TextBox 4">
+            <a:extLst>
+              <a:ext uri="{FF2B5EF4-FFF2-40B4-BE49-F238E27FC236}">
+                <a16:creationId xmlns:a16="http://schemas.microsoft.com/office/drawing/2014/main" id="{230E317F-07BB-490E-B95B-4D2462D1B22A}"/>
+              </a:ext>
+            </a:extLst>
+          </p:cNvPr>
+          <p:cNvSpPr txBox="1"/>
+          <p:nvPr/>
+        </p:nvSpPr>
+        <p:spPr>
+          <a:xfrm>
+            <a:off x="6804248" y="5229200"/>
+            <a:ext cx="1800200" cy="1200329"/>
+          </a:xfrm>
+          <a:prstGeom prst="rect">
+            <a:avLst/>
+          </a:prstGeom>
+          <a:noFill/>
+        </p:spPr>
+        <p:txBody>
+          <a:bodyPr wrap="square" rtlCol="0">
+            <a:spAutoFit/>
+          </a:bodyPr>
+          <a:lstStyle/>
+          <a:p>
+            <a:r>
+              <a:rPr lang="ko-KR" altLang="en-US" dirty="0"/>
+              <a:t>기존의 </a:t>
+            </a:r>
+            <a:r>
+              <a:rPr lang="ko-KR" altLang="en-US" dirty="0" err="1"/>
+              <a:t>모든것이</a:t>
+            </a:r>
+            <a:r>
+              <a:rPr lang="ko-KR" altLang="en-US" dirty="0"/>
+              <a:t> 상품인 사회에 충격을 줄 수 있다</a:t>
+            </a:r>
+            <a:r>
+              <a:rPr lang="en-US" altLang="ko-KR" dirty="0"/>
+              <a:t>.</a:t>
+            </a:r>
+            <a:endParaRPr lang="ko-KR" altLang="en-US" dirty="0"/>
+          </a:p>
+        </p:txBody>
+      </p:sp>
     </p:spTree>
     <p:extLst>
       <p:ext uri="{BB962C8B-B14F-4D97-AF65-F5344CB8AC3E}">
@@ -17318,13 +17517,6 @@
   <p:clrMapOvr>
     <a:masterClrMapping/>
   </p:clrMapOvr>
-  <p:timing>
-    <p:tnLst>
-      <p:par>
-        <p:cTn id="1" dur="indefinite" restart="never" nodeType="tmRoot"/>
-      </p:par>
-    </p:tnLst>
-  </p:timing>
 </p:sld>
 </file>
 
@@ -17361,177 +17553,176 @@
           <a:lstStyle/>
           <a:p>
             <a:r>
-              <a:rPr lang="en-US" altLang="ko-KR" dirty="0" smtClean="0"/>
+              <a:rPr lang="en-US" altLang="ko-KR" dirty="0"/>
               <a:t>8</a:t>
             </a:r>
             <a:r>
-              <a:rPr lang="ko-KR" altLang="en-US" dirty="0" smtClean="0"/>
+              <a:rPr lang="ko-KR" altLang="en-US" dirty="0"/>
               <a:t>강</a:t>
             </a:r>
             <a:r>
-              <a:rPr lang="en-US" altLang="ko-KR" dirty="0" smtClean="0"/>
+              <a:rPr lang="en-US" altLang="ko-KR" dirty="0"/>
               <a:t>: </a:t>
             </a:r>
             <a:r>
-              <a:rPr lang="ko-KR" altLang="en-US" dirty="0" smtClean="0"/>
+              <a:rPr lang="ko-KR" altLang="en-US" dirty="0"/>
               <a:t>이중적으로 자유로운 노동자</a:t>
             </a:r>
             <a:r>
-              <a:rPr lang="en-US" altLang="ko-KR" dirty="0" smtClean="0"/>
+              <a:rPr lang="en-US" altLang="ko-KR" dirty="0"/>
               <a:t>, </a:t>
             </a:r>
             <a:r>
-              <a:rPr lang="ko-KR" altLang="en-US" dirty="0" smtClean="0"/>
+              <a:rPr lang="ko-KR" altLang="en-US" dirty="0"/>
               <a:t>기계와 도구</a:t>
             </a:r>
             <a:r>
-              <a:rPr lang="en-US" altLang="ko-KR" dirty="0" smtClean="0"/>
+              <a:rPr lang="en-US" altLang="ko-KR" dirty="0"/>
               <a:t>, </a:t>
             </a:r>
             <a:r>
-              <a:rPr lang="ko-KR" altLang="en-US" dirty="0" smtClean="0"/>
+              <a:rPr lang="ko-KR" altLang="en-US" dirty="0"/>
               <a:t>한계비용 제로</a:t>
             </a:r>
-            <a:endParaRPr lang="en-US" altLang="ko-KR" dirty="0" smtClean="0"/>
-          </a:p>
-          <a:p>
-            <a:r>
-              <a:rPr lang="en-US" altLang="ko-KR" dirty="0" smtClean="0"/>
+            <a:endParaRPr lang="en-US" altLang="ko-KR" dirty="0"/>
+          </a:p>
+          <a:p>
+            <a:r>
+              <a:rPr lang="en-US" altLang="ko-KR" dirty="0"/>
               <a:t>9</a:t>
             </a:r>
             <a:r>
-              <a:rPr lang="ko-KR" altLang="en-US" dirty="0" smtClean="0"/>
+              <a:rPr lang="ko-KR" altLang="en-US" dirty="0"/>
               <a:t>강</a:t>
             </a:r>
             <a:r>
-              <a:rPr lang="en-US" altLang="ko-KR" dirty="0" smtClean="0"/>
+              <a:rPr lang="en-US" altLang="ko-KR" dirty="0"/>
               <a:t>: </a:t>
             </a:r>
             <a:r>
-              <a:rPr lang="ko-KR" altLang="en-US" dirty="0" smtClean="0"/>
+              <a:rPr lang="ko-KR" altLang="en-US" dirty="0"/>
               <a:t>생각을 </a:t>
             </a:r>
             <a:r>
-              <a:rPr lang="ko-KR" altLang="en-US" dirty="0" err="1" smtClean="0"/>
+              <a:rPr lang="ko-KR" altLang="en-US" dirty="0" err="1"/>
               <a:t>흉내낸다</a:t>
             </a:r>
             <a:r>
-              <a:rPr lang="en-US" altLang="ko-KR" dirty="0" smtClean="0"/>
+              <a:rPr lang="en-US" altLang="ko-KR" dirty="0"/>
               <a:t>., </a:t>
             </a:r>
             <a:r>
-              <a:rPr lang="ko-KR" altLang="en-US" dirty="0" err="1" smtClean="0"/>
+              <a:rPr lang="ko-KR" altLang="en-US" dirty="0" err="1"/>
               <a:t>튜링기계</a:t>
             </a:r>
             <a:r>
-              <a:rPr lang="en-US" altLang="ko-KR" dirty="0" smtClean="0"/>
+              <a:rPr lang="en-US" altLang="ko-KR" dirty="0"/>
               <a:t>, </a:t>
             </a:r>
             <a:r>
-              <a:rPr lang="ko-KR" altLang="en-US" dirty="0" err="1" smtClean="0"/>
+              <a:rPr lang="ko-KR" altLang="en-US" dirty="0" err="1"/>
               <a:t>튜링테스트</a:t>
             </a:r>
             <a:r>
-              <a:rPr lang="en-US" altLang="ko-KR" dirty="0" smtClean="0"/>
+              <a:rPr lang="en-US" altLang="ko-KR" dirty="0"/>
               <a:t>---</a:t>
             </a:r>
             <a:r>
-              <a:rPr lang="ko-KR" altLang="en-US" dirty="0" smtClean="0"/>
+              <a:rPr lang="ko-KR" altLang="en-US" dirty="0"/>
               <a:t>기계는 지능을 갖는가</a:t>
             </a:r>
             <a:r>
-              <a:rPr lang="en-US" altLang="ko-KR" dirty="0" smtClean="0"/>
+              <a:rPr lang="en-US" altLang="ko-KR" dirty="0"/>
               <a:t>?</a:t>
             </a:r>
           </a:p>
           <a:p>
             <a:r>
-              <a:rPr lang="en-US" altLang="ko-KR" dirty="0" smtClean="0"/>
+              <a:rPr lang="en-US" altLang="ko-KR" dirty="0"/>
               <a:t>10</a:t>
             </a:r>
             <a:r>
-              <a:rPr lang="ko-KR" altLang="en-US" dirty="0" smtClean="0"/>
+              <a:rPr lang="ko-KR" altLang="en-US" dirty="0"/>
               <a:t>강</a:t>
             </a:r>
             <a:r>
-              <a:rPr lang="en-US" altLang="ko-KR" dirty="0" smtClean="0"/>
+              <a:rPr lang="en-US" altLang="ko-KR" dirty="0"/>
               <a:t>: PC, </a:t>
             </a:r>
             <a:r>
-              <a:rPr lang="ko-KR" altLang="en-US" dirty="0" smtClean="0"/>
+              <a:rPr lang="ko-KR" altLang="en-US" dirty="0"/>
               <a:t>인터넷</a:t>
             </a:r>
             <a:r>
-              <a:rPr lang="en-US" altLang="ko-KR" dirty="0" smtClean="0"/>
+              <a:rPr lang="en-US" altLang="ko-KR" dirty="0"/>
               <a:t>, </a:t>
             </a:r>
             <a:r>
-              <a:rPr lang="ko-KR" altLang="en-US" dirty="0" smtClean="0"/>
+              <a:rPr lang="ko-KR" altLang="en-US" dirty="0"/>
               <a:t>웹 </a:t>
             </a:r>
             <a:r>
-              <a:rPr lang="en-US" altLang="ko-KR" dirty="0" smtClean="0"/>
+              <a:rPr lang="en-US" altLang="ko-KR" dirty="0"/>
               <a:t>2.0, </a:t>
             </a:r>
             <a:r>
-              <a:rPr lang="ko-KR" altLang="en-US" dirty="0" err="1" smtClean="0"/>
+              <a:rPr lang="ko-KR" altLang="en-US" dirty="0" err="1"/>
               <a:t>빅데이터와</a:t>
             </a:r>
             <a:r>
-              <a:rPr lang="ko-KR" altLang="en-US" dirty="0" smtClean="0"/>
+              <a:rPr lang="ko-KR" altLang="en-US" dirty="0"/>
               <a:t> 기계학습</a:t>
             </a:r>
-            <a:endParaRPr lang="en-US" altLang="ko-KR" dirty="0" smtClean="0"/>
-          </a:p>
-          <a:p>
-            <a:r>
-              <a:rPr lang="en-US" altLang="ko-KR" dirty="0" smtClean="0"/>
+            <a:endParaRPr lang="en-US" altLang="ko-KR" dirty="0"/>
+          </a:p>
+          <a:p>
+            <a:r>
+              <a:rPr lang="en-US" altLang="ko-KR" dirty="0"/>
               <a:t>11</a:t>
             </a:r>
             <a:r>
-              <a:rPr lang="ko-KR" altLang="en-US" dirty="0" smtClean="0"/>
+              <a:rPr lang="ko-KR" altLang="en-US" dirty="0"/>
               <a:t>강</a:t>
             </a:r>
             <a:r>
-              <a:rPr lang="en-US" altLang="ko-KR" dirty="0" smtClean="0"/>
+              <a:rPr lang="en-US" altLang="ko-KR" dirty="0"/>
               <a:t>: </a:t>
             </a:r>
             <a:r>
-              <a:rPr lang="ko-KR" altLang="en-US" dirty="0" err="1" smtClean="0"/>
+              <a:rPr lang="ko-KR" altLang="en-US" dirty="0" err="1"/>
               <a:t>페이스북</a:t>
             </a:r>
-            <a:endParaRPr lang="en-US" altLang="ko-KR" dirty="0" smtClean="0"/>
-          </a:p>
-          <a:p>
-            <a:r>
-              <a:rPr lang="en-US" altLang="ko-KR" dirty="0" smtClean="0"/>
+            <a:endParaRPr lang="en-US" altLang="ko-KR" dirty="0"/>
+          </a:p>
+          <a:p>
+            <a:r>
+              <a:rPr lang="en-US" altLang="ko-KR" dirty="0"/>
               <a:t>12</a:t>
             </a:r>
             <a:r>
-              <a:rPr lang="ko-KR" altLang="en-US" dirty="0" smtClean="0"/>
+              <a:rPr lang="ko-KR" altLang="en-US" dirty="0"/>
               <a:t>강</a:t>
             </a:r>
             <a:r>
-              <a:rPr lang="en-US" altLang="ko-KR" dirty="0" smtClean="0"/>
+              <a:rPr lang="en-US" altLang="ko-KR" dirty="0"/>
               <a:t>: </a:t>
             </a:r>
             <a:r>
-              <a:rPr lang="ko-KR" altLang="en-US" dirty="0" smtClean="0"/>
+              <a:rPr lang="ko-KR" altLang="en-US" dirty="0"/>
               <a:t>한계비용 제로</a:t>
             </a:r>
             <a:r>
-              <a:rPr lang="en-US" altLang="ko-KR" dirty="0" smtClean="0"/>
+              <a:rPr lang="en-US" altLang="ko-KR" dirty="0"/>
               <a:t>, </a:t>
             </a:r>
             <a:r>
-              <a:rPr lang="ko-KR" altLang="en-US" dirty="0" smtClean="0"/>
+              <a:rPr lang="ko-KR" altLang="en-US" dirty="0"/>
               <a:t>시장이 아닌 공유</a:t>
             </a:r>
             <a:r>
-              <a:rPr lang="en-US" altLang="ko-KR" dirty="0" smtClean="0"/>
+              <a:rPr lang="en-US" altLang="ko-KR" dirty="0"/>
               <a:t>(?)</a:t>
             </a:r>
-            <a:endParaRPr lang="en-US" altLang="ko-KR" dirty="0"/>
           </a:p>
           <a:p>
             <a:endParaRPr lang="en-US" altLang="ko-KR" dirty="0"/>
@@ -17557,10 +17748,9 @@
           <a:lstStyle/>
           <a:p>
             <a:r>
-              <a:rPr lang="ko-KR" altLang="en-US" dirty="0" smtClean="0"/>
+              <a:rPr lang="ko-KR" altLang="en-US" dirty="0"/>
               <a:t>지금까지 내용을 생각해보자</a:t>
             </a:r>
-            <a:endParaRPr lang="ko-KR" altLang="en-US" dirty="0"/>
           </a:p>
         </p:txBody>
       </p:sp>
@@ -17574,13 +17764,6 @@
   <p:clrMapOvr>
     <a:masterClrMapping/>
   </p:clrMapOvr>
-  <p:timing>
-    <p:tnLst>
-      <p:par>
-        <p:cTn id="1" dur="indefinite" restart="never" nodeType="tmRoot"/>
-      </p:par>
-    </p:tnLst>
-  </p:timing>
 </p:sld>
 </file>
 
@@ -17779,13 +17962,6 @@
   <p:clrMapOvr>
     <a:masterClrMapping/>
   </p:clrMapOvr>
-  <p:timing>
-    <p:tnLst>
-      <p:par>
-        <p:cTn id="1" dur="indefinite" restart="never" nodeType="tmRoot"/>
-      </p:par>
-    </p:tnLst>
-  </p:timing>
 </p:sld>
 </file>
 
@@ -17822,10 +17998,9 @@
           <a:lstStyle/>
           <a:p>
             <a:r>
-              <a:rPr lang="ko-KR" altLang="en-US" dirty="0" smtClean="0"/>
+              <a:rPr lang="ko-KR" altLang="en-US" dirty="0"/>
               <a:t>한계비용 제로 사회</a:t>
             </a:r>
-            <a:endParaRPr lang="ko-KR" altLang="en-US" dirty="0"/>
           </a:p>
         </p:txBody>
       </p:sp>
@@ -17999,13 +18174,6 @@
   <p:clrMapOvr>
     <a:masterClrMapping/>
   </p:clrMapOvr>
-  <p:timing>
-    <p:tnLst>
-      <p:par>
-        <p:cTn id="1" dur="indefinite" restart="never" nodeType="tmRoot"/>
-      </p:par>
-    </p:tnLst>
-  </p:timing>
 </p:sld>
 </file>
 
@@ -18042,11 +18210,11 @@
           <a:lstStyle/>
           <a:p>
             <a:r>
-              <a:rPr lang="ko-KR" altLang="en-US" dirty="0" err="1" smtClean="0"/>
+              <a:rPr lang="ko-KR" altLang="en-US" dirty="0" err="1"/>
               <a:t>프로슈머</a:t>
             </a:r>
             <a:r>
-              <a:rPr lang="en-US" altLang="ko-KR" dirty="0" err="1" smtClean="0"/>
+              <a:rPr lang="en-US" altLang="ko-KR" dirty="0" err="1"/>
               <a:t>prosumer</a:t>
             </a:r>
             <a:endParaRPr lang="ko-KR" altLang="en-US" dirty="0"/>
@@ -18175,13 +18343,6 @@
   <p:clrMapOvr>
     <a:masterClrMapping/>
   </p:clrMapOvr>
-  <p:timing>
-    <p:tnLst>
-      <p:par>
-        <p:cTn id="1" dur="indefinite" restart="never" nodeType="tmRoot"/>
-      </p:par>
-    </p:tnLst>
-  </p:timing>
 </p:sld>
 </file>
 
@@ -18218,18 +18379,17 @@
           <a:lstStyle/>
           <a:p>
             <a:r>
-              <a:rPr lang="ko-KR" altLang="en-US" dirty="0" smtClean="0"/>
+              <a:rPr lang="ko-KR" altLang="en-US" dirty="0"/>
               <a:t>공유경제</a:t>
             </a:r>
             <a:r>
-              <a:rPr lang="en-US" altLang="ko-KR" dirty="0" smtClean="0"/>
+              <a:rPr lang="en-US" altLang="ko-KR" dirty="0"/>
               <a:t>, </a:t>
             </a:r>
             <a:r>
-              <a:rPr lang="ko-KR" altLang="en-US" dirty="0" smtClean="0"/>
+              <a:rPr lang="ko-KR" altLang="en-US" dirty="0"/>
               <a:t>공유사회</a:t>
             </a:r>
-            <a:endParaRPr lang="ko-KR" altLang="en-US" dirty="0"/>
           </a:p>
         </p:txBody>
       </p:sp>
@@ -18252,18 +18412,11 @@
           <a:p>
             <a:pPr fontAlgn="base"/>
             <a:r>
-              <a:rPr lang="en-US" altLang="ko-KR" sz="4400" dirty="0" smtClean="0">
-                <a:latin typeface="HY견명조" pitchFamily="18" charset="-127"/>
-                <a:ea typeface="HY견명조" pitchFamily="18" charset="-127"/>
-              </a:rPr>
-              <a:t>Social </a:t>
-            </a:r>
-            <a:r>
               <a:rPr lang="en-US" altLang="ko-KR" sz="4400" dirty="0">
                 <a:latin typeface="HY견명조" pitchFamily="18" charset="-127"/>
                 <a:ea typeface="HY견명조" pitchFamily="18" charset="-127"/>
               </a:rPr>
-              <a:t>Commons</a:t>
+              <a:t>Social Commons</a:t>
             </a:r>
             <a:r>
               <a:rPr lang="ko-KR" altLang="en-US" sz="4400" dirty="0">
@@ -18293,26 +18446,15 @@
               </a:rPr>
               <a:t>. </a:t>
             </a:r>
-            <a:endParaRPr lang="en-US" altLang="ko-KR" sz="4400" dirty="0" smtClean="0">
-              <a:latin typeface="HY견명조" pitchFamily="18" charset="-127"/>
-              <a:ea typeface="HY견명조" pitchFamily="18" charset="-127"/>
-            </a:endParaRPr>
           </a:p>
           <a:p>
             <a:pPr fontAlgn="base"/>
-            <a:r>
-              <a:rPr lang="ko-KR" altLang="en-US" sz="4400" dirty="0" smtClean="0">
-                <a:latin typeface="HY견명조" pitchFamily="18" charset="-127"/>
-                <a:ea typeface="HY견명조" pitchFamily="18" charset="-127"/>
-              </a:rPr>
-              <a:t>이들은 </a:t>
-            </a:r>
             <a:r>
               <a:rPr lang="ko-KR" altLang="en-US" sz="4400" dirty="0">
                 <a:latin typeface="HY견명조" pitchFamily="18" charset="-127"/>
                 <a:ea typeface="HY견명조" pitchFamily="18" charset="-127"/>
               </a:rPr>
-              <a:t>금전적 가치보다 사회적 가치를 창출하는 부문이다</a:t>
+              <a:t>이들은 금전적 가치보다 사회적 가치를 창출하는 부문이다</a:t>
             </a:r>
             <a:r>
               <a:rPr lang="en-US" altLang="ko-KR" sz="4400" dirty="0">
@@ -18345,36 +18487,32 @@
               </a:rPr>
               <a:t>. </a:t>
             </a:r>
-            <a:endParaRPr lang="en-US" altLang="ko-KR" sz="4400" dirty="0" smtClean="0">
-              <a:latin typeface="HY견명조" pitchFamily="18" charset="-127"/>
-              <a:ea typeface="HY견명조" pitchFamily="18" charset="-127"/>
-            </a:endParaRPr>
           </a:p>
           <a:p>
             <a:pPr fontAlgn="base"/>
             <a:r>
-              <a:rPr lang="ko-KR" altLang="en-US" sz="4400" dirty="0" smtClean="0">
+              <a:rPr lang="ko-KR" altLang="en-US" sz="4400" dirty="0">
                 <a:latin typeface="HY견명조" pitchFamily="18" charset="-127"/>
                 <a:ea typeface="HY견명조" pitchFamily="18" charset="-127"/>
               </a:rPr>
               <a:t>소유권이 아닌 </a:t>
             </a:r>
             <a:r>
-              <a:rPr lang="ko-KR" altLang="en-US" sz="4400" dirty="0" err="1" smtClean="0">
+              <a:rPr lang="ko-KR" altLang="en-US" sz="4400" dirty="0" err="1">
                 <a:latin typeface="HY견명조" pitchFamily="18" charset="-127"/>
                 <a:ea typeface="HY견명조" pitchFamily="18" charset="-127"/>
               </a:rPr>
               <a:t>접근권을</a:t>
             </a:r>
             <a:r>
-              <a:rPr lang="ko-KR" altLang="en-US" sz="4400" dirty="0" smtClean="0">
+              <a:rPr lang="ko-KR" altLang="en-US" sz="4400" dirty="0">
                 <a:latin typeface="HY견명조" pitchFamily="18" charset="-127"/>
                 <a:ea typeface="HY견명조" pitchFamily="18" charset="-127"/>
               </a:rPr>
               <a:t> 중시한다</a:t>
             </a:r>
             <a:r>
-              <a:rPr lang="en-US" altLang="ko-KR" sz="4400" dirty="0" smtClean="0">
+              <a:rPr lang="en-US" altLang="ko-KR" sz="4400" dirty="0">
                 <a:latin typeface="HY견명조" pitchFamily="18" charset="-127"/>
                 <a:ea typeface="HY견명조" pitchFamily="18" charset="-127"/>
               </a:rPr>
@@ -18507,7 +18645,7 @@
               <a:t>의 </a:t>
             </a:r>
             <a:r>
-              <a:rPr lang="en-US" altLang="ko-KR" sz="4400" dirty="0" smtClean="0">
+              <a:rPr lang="en-US" altLang="ko-KR" sz="4400" dirty="0">
                 <a:latin typeface="HY견명조" pitchFamily="18" charset="-127"/>
                 <a:ea typeface="HY견명조" pitchFamily="18" charset="-127"/>
               </a:rPr>
@@ -18518,21 +18656,7 @@
                 <a:latin typeface="HY견명조" pitchFamily="18" charset="-127"/>
                 <a:ea typeface="HY견명조" pitchFamily="18" charset="-127"/>
               </a:rPr>
-              <a:t>퍼</a:t>
-            </a:r>
-            <a:r>
-              <a:rPr lang="ko-KR" altLang="en-US" sz="4400" dirty="0" smtClean="0">
-                <a:latin typeface="HY견명조" pitchFamily="18" charset="-127"/>
-                <a:ea typeface="HY견명조" pitchFamily="18" charset="-127"/>
-              </a:rPr>
-              <a:t>센트를 </a:t>
-            </a:r>
-            <a:r>
-              <a:rPr lang="ko-KR" altLang="en-US" sz="4400" dirty="0">
-                <a:latin typeface="HY견명조" pitchFamily="18" charset="-127"/>
-                <a:ea typeface="HY견명조" pitchFamily="18" charset="-127"/>
-              </a:rPr>
-              <a:t>차지한다</a:t>
+              <a:t>퍼센트를 차지한다</a:t>
             </a:r>
             <a:r>
               <a:rPr lang="en-US" altLang="ko-KR" sz="4400" dirty="0">
@@ -18549,14 +18673,7 @@
                 <a:latin typeface="HY견명조" pitchFamily="18" charset="-127"/>
                 <a:ea typeface="HY견명조" pitchFamily="18" charset="-127"/>
               </a:rPr>
-              <a:t>시장이 아닌 방식으로 </a:t>
-            </a:r>
-            <a:r>
-              <a:rPr lang="ko-KR" altLang="en-US" sz="4400" dirty="0" smtClean="0">
-                <a:latin typeface="HY견명조" pitchFamily="18" charset="-127"/>
-                <a:ea typeface="HY견명조" pitchFamily="18" charset="-127"/>
-              </a:rPr>
-              <a:t>생산과 분배를 이루는 </a:t>
+              <a:t>시장이 아닌 방식으로 생산과 분배를 이루는 </a:t>
             </a:r>
             <a:r>
               <a:rPr lang="ko-KR" altLang="en-US" sz="4400" dirty="0" err="1">
@@ -18593,6 +18710,45 @@
           </a:p>
           <a:p>
             <a:endParaRPr lang="ko-KR" altLang="en-US" dirty="0"/>
+          </a:p>
+        </p:txBody>
+      </p:sp>
+      <p:sp>
+        <p:nvSpPr>
+          <p:cNvPr id="4" name="TextBox 3">
+            <a:extLst>
+              <a:ext uri="{FF2B5EF4-FFF2-40B4-BE49-F238E27FC236}">
+                <a16:creationId xmlns:a16="http://schemas.microsoft.com/office/drawing/2014/main" id="{4B224E9D-1117-467F-B6C4-18223A7B7CCB}"/>
+              </a:ext>
+            </a:extLst>
+          </p:cNvPr>
+          <p:cNvSpPr txBox="1"/>
+          <p:nvPr/>
+        </p:nvSpPr>
+        <p:spPr>
+          <a:xfrm>
+            <a:off x="2483768" y="5805264"/>
+            <a:ext cx="1872208" cy="369332"/>
+          </a:xfrm>
+          <a:prstGeom prst="rect">
+            <a:avLst/>
+          </a:prstGeom>
+          <a:noFill/>
+        </p:spPr>
+        <p:txBody>
+          <a:bodyPr wrap="square" rtlCol="0">
+            <a:spAutoFit/>
+          </a:bodyPr>
+          <a:lstStyle/>
+          <a:p>
+            <a:r>
+              <a:rPr lang="en-US" altLang="ko-KR" dirty="0"/>
+              <a:t>?? </a:t>
+            </a:r>
+            <a:r>
+              <a:rPr lang="ko-KR" altLang="en-US" dirty="0"/>
+              <a:t>해봐야 안다</a:t>
+            </a:r>
           </a:p>
         </p:txBody>
       </p:sp>
@@ -18606,13 +18762,6 @@
   <p:clrMapOvr>
     <a:masterClrMapping/>
   </p:clrMapOvr>
-  <p:timing>
-    <p:tnLst>
-      <p:par>
-        <p:cTn id="1" dur="indefinite" restart="never" nodeType="tmRoot"/>
-      </p:par>
-    </p:tnLst>
-  </p:timing>
 </p:sld>
 </file>
 
@@ -18651,19 +18800,11 @@
           <a:lstStyle/>
           <a:p>
             <a:r>
-              <a:rPr lang="ko-KR" altLang="en-US" dirty="0" smtClean="0"/>
-              <a:t>인터넷은 </a:t>
-            </a:r>
-            <a:r>
-              <a:rPr lang="ko-KR" altLang="en-US" dirty="0" smtClean="0"/>
-              <a:t>공유에 </a:t>
-            </a:r>
-            <a:r>
-              <a:rPr lang="ko-KR" altLang="en-US" dirty="0" smtClean="0"/>
-              <a:t>친숙하게 한다</a:t>
-            </a:r>
-            <a:r>
-              <a:rPr lang="en-US" altLang="ko-KR" dirty="0" smtClean="0"/>
+              <a:rPr lang="ko-KR" altLang="en-US" dirty="0"/>
+              <a:t>인터넷은 공유에 친숙하게 한다</a:t>
+            </a:r>
+            <a:r>
+              <a:rPr lang="en-US" altLang="ko-KR" dirty="0"/>
               <a:t>.</a:t>
             </a:r>
             <a:endParaRPr lang="ko-KR" altLang="en-US" dirty="0"/>
@@ -18789,21 +18930,7 @@
                 <a:latin typeface="HY견명조" pitchFamily="18" charset="-127"/>
                 <a:ea typeface="HY견명조" pitchFamily="18" charset="-127"/>
               </a:rPr>
-              <a:t>자신이 데이터를 기여하는 수백만의 개인은 그것이 지적 재산권 형태로 </a:t>
-            </a:r>
-            <a:r>
-              <a:rPr lang="ko-KR" altLang="en-US" dirty="0" smtClean="0">
-                <a:latin typeface="HY견명조" pitchFamily="18" charset="-127"/>
-                <a:ea typeface="HY견명조" pitchFamily="18" charset="-127"/>
-              </a:rPr>
-              <a:t>격리되어 </a:t>
-            </a:r>
-            <a:r>
-              <a:rPr lang="ko-KR" altLang="en-US" dirty="0">
-                <a:latin typeface="HY견명조" pitchFamily="18" charset="-127"/>
-                <a:ea typeface="HY견명조" pitchFamily="18" charset="-127"/>
-              </a:rPr>
-              <a:t>소수에 의해 소유되고 지배되기보다는 </a:t>
+              <a:t>자신이 데이터를 기여하는 수백만의 개인은 그것이 지적 재산권 형태로 격리되어 소수에 의해 소유되고 지배되기보다는 </a:t>
             </a:r>
             <a:endParaRPr lang="en-US" altLang="ko-KR" dirty="0">
               <a:latin typeface="HY견명조" pitchFamily="18" charset="-127"/>
@@ -18846,13 +18973,6 @@
   <p:clrMapOvr>
     <a:masterClrMapping/>
   </p:clrMapOvr>
-  <p:timing>
-    <p:tnLst>
-      <p:par>
-        <p:cTn id="1" dur="indefinite" restart="never" nodeType="tmRoot"/>
-      </p:par>
-    </p:tnLst>
-  </p:timing>
 </p:sld>
 </file>
 
@@ -18902,14 +19022,10 @@
               </a:rPr>
               <a:t>. </a:t>
             </a:r>
-            <a:endParaRPr lang="en-US" altLang="ko-KR" dirty="0" smtClean="0">
-              <a:latin typeface="HY견명조" pitchFamily="18" charset="-127"/>
-              <a:ea typeface="HY견명조" pitchFamily="18" charset="-127"/>
-            </a:endParaRPr>
-          </a:p>
-          <a:p>
-            <a:r>
-              <a:rPr lang="en-US" altLang="ko-KR" dirty="0" smtClean="0">
+          </a:p>
+          <a:p>
+            <a:r>
+              <a:rPr lang="en-US" altLang="ko-KR" dirty="0">
                 <a:latin typeface="HY견명조" pitchFamily="18" charset="-127"/>
                 <a:ea typeface="HY견명조" pitchFamily="18" charset="-127"/>
               </a:rPr>
@@ -18924,42 +19040,42 @@
           </a:p>
           <a:p>
             <a:r>
-              <a:rPr lang="ko-KR" altLang="en-US" dirty="0" smtClean="0">
+              <a:rPr lang="ko-KR" altLang="en-US" dirty="0">
                 <a:latin typeface="HY견명조" pitchFamily="18" charset="-127"/>
                 <a:ea typeface="HY견명조" pitchFamily="18" charset="-127"/>
               </a:rPr>
               <a:t>그래서 자본주의에 적응한 </a:t>
             </a:r>
             <a:r>
-              <a:rPr lang="en-US" altLang="ko-KR" dirty="0" smtClean="0">
+              <a:rPr lang="en-US" altLang="ko-KR" dirty="0">
                 <a:latin typeface="HY견명조" pitchFamily="18" charset="-127"/>
                 <a:ea typeface="HY견명조" pitchFamily="18" charset="-127"/>
               </a:rPr>
               <a:t>‘</a:t>
             </a:r>
             <a:r>
-              <a:rPr lang="ko-KR" altLang="en-US" dirty="0" smtClean="0">
+              <a:rPr lang="ko-KR" altLang="en-US" dirty="0">
                 <a:latin typeface="HY견명조" pitchFamily="18" charset="-127"/>
                 <a:ea typeface="HY견명조" pitchFamily="18" charset="-127"/>
               </a:rPr>
               <a:t>공유경제</a:t>
             </a:r>
             <a:r>
-              <a:rPr lang="en-US" altLang="ko-KR" dirty="0" smtClean="0">
+              <a:rPr lang="en-US" altLang="ko-KR" dirty="0">
                 <a:latin typeface="HY견명조" pitchFamily="18" charset="-127"/>
                 <a:ea typeface="HY견명조" pitchFamily="18" charset="-127"/>
               </a:rPr>
               <a:t>’ </a:t>
             </a:r>
             <a:r>
-              <a:rPr lang="ko-KR" altLang="en-US" dirty="0" smtClean="0">
+              <a:rPr lang="ko-KR" altLang="en-US" dirty="0">
                 <a:latin typeface="HY견명조" pitchFamily="18" charset="-127"/>
                 <a:ea typeface="HY견명조" pitchFamily="18" charset="-127"/>
               </a:rPr>
               <a:t>형태들이 유력한 비즈니스 모델로 등장하고 있다</a:t>
             </a:r>
             <a:r>
-              <a:rPr lang="en-US" altLang="ko-KR" dirty="0" smtClean="0">
+              <a:rPr lang="en-US" altLang="ko-KR" dirty="0">
                 <a:latin typeface="HY견명조" pitchFamily="18" charset="-127"/>
                 <a:ea typeface="HY견명조" pitchFamily="18" charset="-127"/>
               </a:rPr>
@@ -18968,50 +19084,46 @@
           </a:p>
           <a:p>
             <a:r>
-              <a:rPr lang="ko-KR" altLang="en-US" dirty="0" smtClean="0">
+              <a:rPr lang="ko-KR" altLang="en-US" dirty="0">
                 <a:latin typeface="HY견명조" pitchFamily="18" charset="-127"/>
                 <a:ea typeface="HY견명조" pitchFamily="18" charset="-127"/>
               </a:rPr>
               <a:t>이른바 </a:t>
             </a:r>
             <a:r>
-              <a:rPr lang="en-US" altLang="ko-KR" dirty="0" smtClean="0">
+              <a:rPr lang="en-US" altLang="ko-KR" dirty="0">
                 <a:latin typeface="HY견명조" pitchFamily="18" charset="-127"/>
                 <a:ea typeface="HY견명조" pitchFamily="18" charset="-127"/>
               </a:rPr>
               <a:t>‘</a:t>
             </a:r>
             <a:r>
-              <a:rPr lang="ko-KR" altLang="en-US" dirty="0" smtClean="0">
+              <a:rPr lang="ko-KR" altLang="en-US" dirty="0">
                 <a:latin typeface="HY견명조" pitchFamily="18" charset="-127"/>
                 <a:ea typeface="HY견명조" pitchFamily="18" charset="-127"/>
               </a:rPr>
               <a:t>플랫폼 자본주의</a:t>
             </a:r>
             <a:r>
-              <a:rPr lang="en-US" altLang="ko-KR" dirty="0" smtClean="0">
+              <a:rPr lang="en-US" altLang="ko-KR" dirty="0">
                 <a:latin typeface="HY견명조" pitchFamily="18" charset="-127"/>
                 <a:ea typeface="HY견명조" pitchFamily="18" charset="-127"/>
               </a:rPr>
               <a:t>’</a:t>
             </a:r>
             <a:r>
-              <a:rPr lang="ko-KR" altLang="en-US" dirty="0" smtClean="0">
+              <a:rPr lang="ko-KR" altLang="en-US" dirty="0">
                 <a:latin typeface="HY견명조" pitchFamily="18" charset="-127"/>
                 <a:ea typeface="HY견명조" pitchFamily="18" charset="-127"/>
               </a:rPr>
               <a:t>  </a:t>
             </a:r>
-            <a:endParaRPr lang="ko-KR" altLang="en-US" dirty="0">
-              <a:latin typeface="HY견명조" pitchFamily="18" charset="-127"/>
-              <a:ea typeface="HY견명조" pitchFamily="18" charset="-127"/>
-            </a:endParaRPr>
           </a:p>
           <a:p>
             <a:pPr marL="0" indent="0">
               <a:buNone/>
             </a:pPr>
-            <a:endParaRPr lang="en-US" altLang="ko-KR" dirty="0" smtClean="0"/>
+            <a:endParaRPr lang="en-US" altLang="ko-KR" dirty="0"/>
           </a:p>
           <a:p>
             <a:pPr marL="0" indent="0">
@@ -19050,13 +19162,6 @@
   <p:clrMapOvr>
     <a:masterClrMapping/>
   </p:clrMapOvr>
-  <p:timing>
-    <p:tnLst>
-      <p:par>
-        <p:cTn id="1" dur="indefinite" restart="never" nodeType="tmRoot"/>
-      </p:par>
-    </p:tnLst>
-  </p:timing>
 </p:sld>
 </file>
 
@@ -19096,48 +19201,30 @@
           <a:p>
             <a:pPr fontAlgn="base"/>
             <a:r>
-              <a:rPr lang="ko-KR" altLang="en-US" dirty="0" smtClean="0"/>
-              <a:t>플랫폼은 </a:t>
-            </a:r>
-            <a:r>
-              <a:rPr lang="ko-KR" altLang="en-US" dirty="0"/>
-              <a:t>외부 생산자와 소비자가 상호작용을 하면서 가치를 창출할 수 있게 해주는 것에 기반을 둔 비즈니스 형태이다</a:t>
+              <a:rPr lang="ko-KR" altLang="en-US" dirty="0"/>
+              <a:t>플랫폼은 외부 생산자와 소비자가 상호작용을 하면서 가치를 창출할 수 있게 해주는 것에 기반을 둔 비즈니스 형태이다</a:t>
             </a:r>
             <a:r>
               <a:rPr lang="en-US" altLang="ko-KR" dirty="0"/>
               <a:t>. </a:t>
             </a:r>
-            <a:endParaRPr lang="en-US" altLang="ko-KR" dirty="0" smtClean="0"/>
           </a:p>
           <a:p>
             <a:pPr fontAlgn="base"/>
             <a:r>
-              <a:rPr lang="ko-KR" altLang="en-US" dirty="0" smtClean="0"/>
-              <a:t>플랫폼은 </a:t>
-            </a:r>
-            <a:r>
-              <a:rPr lang="ko-KR" altLang="en-US" dirty="0"/>
-              <a:t>이러한 상호작용이 일어날 수 있도록 참여를 독려하는 개방적인 인프라를 </a:t>
-            </a:r>
-            <a:r>
-              <a:rPr lang="ko-KR" altLang="en-US" dirty="0" smtClean="0"/>
-              <a:t>제공한다</a:t>
+              <a:rPr lang="ko-KR" altLang="en-US" dirty="0"/>
+              <a:t>플랫폼은 이러한 상호작용이 일어날 수 있도록 참여를 독려하는 개방적인 인프라를 제공한다</a:t>
             </a:r>
             <a:r>
               <a:rPr lang="en-US" altLang="ko-KR" dirty="0"/>
               <a:t>. </a:t>
             </a:r>
-            <a:endParaRPr lang="en-US" altLang="ko-KR" dirty="0" smtClean="0"/>
           </a:p>
           <a:p>
             <a:pPr fontAlgn="base"/>
             <a:r>
-              <a:rPr lang="ko-KR" altLang="en-US" dirty="0" smtClean="0"/>
-              <a:t>플랫폼의 </a:t>
-            </a:r>
-            <a:r>
-              <a:rPr lang="ko-KR" altLang="en-US" dirty="0"/>
-              <a:t>가장 중요한 목적은 사용자들끼리 꼭 맞는 상대를 만나서 상품이나 서비스</a:t>
+              <a:rPr lang="ko-KR" altLang="en-US" dirty="0"/>
+              <a:t>플랫폼의 가장 중요한 목적은 사용자들끼리 꼭 맞는 상대를 만나서 상품이나 서비스</a:t>
             </a:r>
             <a:r>
               <a:rPr lang="en-US" altLang="ko-KR" dirty="0"/>
@@ -19191,18 +19278,59 @@
           <a:lstStyle/>
           <a:p>
             <a:r>
-              <a:rPr lang="ko-KR" altLang="en-US" dirty="0" smtClean="0"/>
+              <a:rPr lang="ko-KR" altLang="en-US" dirty="0"/>
               <a:t>플랫폼</a:t>
             </a:r>
             <a:r>
-              <a:rPr lang="en-US" altLang="ko-KR" dirty="0" smtClean="0"/>
+              <a:rPr lang="en-US" altLang="ko-KR" dirty="0"/>
               <a:t>(platform)</a:t>
             </a:r>
             <a:r>
-              <a:rPr lang="ko-KR" altLang="en-US" dirty="0" smtClean="0"/>
+              <a:rPr lang="ko-KR" altLang="en-US" dirty="0"/>
               <a:t>이란</a:t>
             </a:r>
-            <a:endParaRPr lang="ko-KR" altLang="en-US" dirty="0"/>
+          </a:p>
+        </p:txBody>
+      </p:sp>
+      <p:sp>
+        <p:nvSpPr>
+          <p:cNvPr id="4" name="TextBox 3">
+            <a:extLst>
+              <a:ext uri="{FF2B5EF4-FFF2-40B4-BE49-F238E27FC236}">
+                <a16:creationId xmlns:a16="http://schemas.microsoft.com/office/drawing/2014/main" id="{ABC5E0E9-2847-4391-A656-2FE38EB4F946}"/>
+              </a:ext>
+            </a:extLst>
+          </p:cNvPr>
+          <p:cNvSpPr txBox="1"/>
+          <p:nvPr/>
+        </p:nvSpPr>
+        <p:spPr>
+          <a:xfrm>
+            <a:off x="1403648" y="1988840"/>
+            <a:ext cx="1800200" cy="646331"/>
+          </a:xfrm>
+          <a:prstGeom prst="rect">
+            <a:avLst/>
+          </a:prstGeom>
+          <a:noFill/>
+        </p:spPr>
+        <p:txBody>
+          <a:bodyPr wrap="square" rtlCol="0">
+            <a:spAutoFit/>
+          </a:bodyPr>
+          <a:lstStyle/>
+          <a:p>
+            <a:r>
+              <a:rPr lang="ko-KR" altLang="en-US" dirty="0"/>
+              <a:t>사람들에게 </a:t>
+            </a:r>
+            <a:endParaRPr lang="en-US" altLang="ko-KR" dirty="0"/>
+          </a:p>
+          <a:p>
+            <a:r>
+              <a:rPr lang="ko-KR" altLang="en-US" dirty="0"/>
+              <a:t>네트워크 제공</a:t>
+            </a:r>
           </a:p>
         </p:txBody>
       </p:sp>
@@ -19216,13 +19344,6 @@
   <p:clrMapOvr>
     <a:masterClrMapping/>
   </p:clrMapOvr>
-  <p:timing>
-    <p:tnLst>
-      <p:par>
-        <p:cTn id="1" dur="indefinite" restart="never" nodeType="tmRoot"/>
-      </p:par>
-    </p:tnLst>
-  </p:timing>
 </p:sld>
 </file>
 
@@ -19269,17 +19390,12 @@
               <a:rPr lang="en-US" altLang="ko-KR" dirty="0"/>
               <a:t>, </a:t>
             </a:r>
-            <a:endParaRPr lang="en-US" altLang="ko-KR" dirty="0" smtClean="0"/>
           </a:p>
           <a:p>
             <a:pPr fontAlgn="base"/>
             <a:r>
-              <a:rPr lang="ko-KR" altLang="en-US" dirty="0" smtClean="0"/>
-              <a:t>따라서 </a:t>
-            </a:r>
-            <a:r>
-              <a:rPr lang="ko-KR" altLang="en-US" dirty="0"/>
-              <a:t>플랫폼 자체의 가치가 커지게 된다</a:t>
+              <a:rPr lang="ko-KR" altLang="en-US" dirty="0"/>
+              <a:t>따라서 플랫폼 자체의 가치가 커지게 된다</a:t>
             </a:r>
             <a:r>
               <a:rPr lang="en-US" altLang="ko-KR" dirty="0"/>
@@ -19297,7 +19413,6 @@
               <a:rPr lang="en-US" altLang="ko-KR" dirty="0"/>
               <a:t>. </a:t>
             </a:r>
-            <a:endParaRPr lang="en-US" altLang="ko-KR" dirty="0" smtClean="0"/>
           </a:p>
           <a:p>
             <a:pPr fontAlgn="base"/>
@@ -19306,47 +19421,47 @@
           <a:p>
             <a:pPr fontAlgn="base"/>
             <a:r>
-              <a:rPr lang="ko-KR" altLang="en-US" dirty="0" err="1" smtClean="0"/>
+              <a:rPr lang="ko-KR" altLang="en-US" dirty="0" err="1"/>
               <a:t>구글</a:t>
             </a:r>
             <a:r>
-              <a:rPr lang="en-US" altLang="ko-KR" dirty="0" smtClean="0"/>
+              <a:rPr lang="en-US" altLang="ko-KR" dirty="0"/>
               <a:t>, </a:t>
             </a:r>
             <a:r>
-              <a:rPr lang="ko-KR" altLang="en-US" dirty="0" err="1" smtClean="0"/>
+              <a:rPr lang="ko-KR" altLang="en-US" dirty="0" err="1"/>
               <a:t>페이스북</a:t>
             </a:r>
             <a:r>
-              <a:rPr lang="en-US" altLang="ko-KR" dirty="0" smtClean="0"/>
+              <a:rPr lang="en-US" altLang="ko-KR" dirty="0"/>
               <a:t>, </a:t>
             </a:r>
             <a:r>
-              <a:rPr lang="ko-KR" altLang="en-US" dirty="0" err="1" smtClean="0"/>
+              <a:rPr lang="ko-KR" altLang="en-US" dirty="0" err="1"/>
               <a:t>카카오톡</a:t>
             </a:r>
             <a:r>
-              <a:rPr lang="en-US" altLang="ko-KR" dirty="0" smtClean="0"/>
+              <a:rPr lang="en-US" altLang="ko-KR" dirty="0"/>
               <a:t>, </a:t>
             </a:r>
             <a:r>
-              <a:rPr lang="ko-KR" altLang="en-US" dirty="0" smtClean="0"/>
+              <a:rPr lang="ko-KR" altLang="en-US" dirty="0"/>
               <a:t>카카오드라이버</a:t>
             </a:r>
             <a:r>
-              <a:rPr lang="en-US" altLang="ko-KR" dirty="0" smtClean="0"/>
+              <a:rPr lang="en-US" altLang="ko-KR" dirty="0"/>
               <a:t>, </a:t>
             </a:r>
             <a:r>
-              <a:rPr lang="ko-KR" altLang="en-US" dirty="0" err="1" smtClean="0"/>
+              <a:rPr lang="ko-KR" altLang="en-US" dirty="0" err="1"/>
               <a:t>에어비앤비</a:t>
             </a:r>
             <a:r>
-              <a:rPr lang="ko-KR" altLang="en-US" dirty="0" smtClean="0"/>
+              <a:rPr lang="ko-KR" altLang="en-US" dirty="0"/>
               <a:t> 등을 생각할 것</a:t>
             </a:r>
             <a:r>
-              <a:rPr lang="en-US" altLang="ko-KR" dirty="0" smtClean="0"/>
+              <a:rPr lang="en-US" altLang="ko-KR" dirty="0"/>
               <a:t>.</a:t>
             </a:r>
           </a:p>
@@ -19382,6 +19497,76 @@
           </a:p>
         </p:txBody>
       </p:sp>
+      <p:sp>
+        <p:nvSpPr>
+          <p:cNvPr id="4" name="TextBox 3">
+            <a:extLst>
+              <a:ext uri="{FF2B5EF4-FFF2-40B4-BE49-F238E27FC236}">
+                <a16:creationId xmlns:a16="http://schemas.microsoft.com/office/drawing/2014/main" id="{3D06E5D8-4820-4C60-84A6-F33844B82FC0}"/>
+              </a:ext>
+            </a:extLst>
+          </p:cNvPr>
+          <p:cNvSpPr txBox="1"/>
+          <p:nvPr/>
+        </p:nvSpPr>
+        <p:spPr>
+          <a:xfrm>
+            <a:off x="5508104" y="5733256"/>
+            <a:ext cx="3178696" cy="369332"/>
+          </a:xfrm>
+          <a:prstGeom prst="rect">
+            <a:avLst/>
+          </a:prstGeom>
+          <a:noFill/>
+        </p:spPr>
+        <p:txBody>
+          <a:bodyPr wrap="square" rtlCol="0">
+            <a:spAutoFit/>
+          </a:bodyPr>
+          <a:lstStyle/>
+          <a:p>
+            <a:r>
+              <a:rPr lang="ko-KR" altLang="en-US" dirty="0"/>
+              <a:t>사람이 많을수록 파워를 가짐</a:t>
+            </a:r>
+          </a:p>
+        </p:txBody>
+      </p:sp>
+      <p:sp>
+        <p:nvSpPr>
+          <p:cNvPr id="5" name="TextBox 4">
+            <a:extLst>
+              <a:ext uri="{FF2B5EF4-FFF2-40B4-BE49-F238E27FC236}">
+                <a16:creationId xmlns:a16="http://schemas.microsoft.com/office/drawing/2014/main" id="{AEBF854A-C98A-44D5-B6D3-D0CDB45C10E2}"/>
+              </a:ext>
+            </a:extLst>
+          </p:cNvPr>
+          <p:cNvSpPr txBox="1"/>
+          <p:nvPr/>
+        </p:nvSpPr>
+        <p:spPr>
+          <a:xfrm>
+            <a:off x="5652120" y="6211669"/>
+            <a:ext cx="2160240" cy="646331"/>
+          </a:xfrm>
+          <a:prstGeom prst="rect">
+            <a:avLst/>
+          </a:prstGeom>
+          <a:noFill/>
+        </p:spPr>
+        <p:txBody>
+          <a:bodyPr wrap="square" rtlCol="0">
+            <a:spAutoFit/>
+          </a:bodyPr>
+          <a:lstStyle/>
+          <a:p>
+            <a:r>
+              <a:rPr lang="ko-KR" altLang="en-US"/>
+              <a:t>네트워크가 커지면 거기서 광고를 따서</a:t>
+            </a:r>
+          </a:p>
+        </p:txBody>
+      </p:sp>
     </p:spTree>
     <p:extLst>
       <p:ext uri="{BB962C8B-B14F-4D97-AF65-F5344CB8AC3E}">
@@ -19392,13 +19577,6 @@
   <p:clrMapOvr>
     <a:masterClrMapping/>
   </p:clrMapOvr>
-  <p:timing>
-    <p:tnLst>
-      <p:par>
-        <p:cTn id="1" dur="indefinite" restart="never" nodeType="tmRoot"/>
-      </p:par>
-    </p:tnLst>
-  </p:timing>
 </p:sld>
 </file>
 
@@ -19438,12 +19616,8 @@
           <a:p>
             <a:pPr fontAlgn="base"/>
             <a:r>
-              <a:rPr lang="ko-KR" altLang="en-US" dirty="0" smtClean="0"/>
-              <a:t>플랫폼 </a:t>
-            </a:r>
-            <a:r>
-              <a:rPr lang="ko-KR" altLang="en-US" dirty="0"/>
-              <a:t>기업은 플랫폼을 관리하고</a:t>
+              <a:rPr lang="ko-KR" altLang="en-US" dirty="0"/>
+              <a:t>플랫폼 기업은 플랫폼을 관리하고</a:t>
             </a:r>
             <a:r>
               <a:rPr lang="en-US" altLang="ko-KR" dirty="0"/>
@@ -19451,11 +19625,7 @@
             </a:r>
             <a:r>
               <a:rPr lang="ko-KR" altLang="en-US" dirty="0"/>
-              <a:t>플랫폼에서 발생하는 여러 종류의 사용자들과 다양한 행위자들 사이의 상호작용을 가능케 하는 중개자로 </a:t>
-            </a:r>
-            <a:r>
-              <a:rPr lang="ko-KR" altLang="en-US" dirty="0" smtClean="0"/>
-              <a:t>나타난다</a:t>
+              <a:t>플랫폼에서 발생하는 여러 종류의 사용자들과 다양한 행위자들 사이의 상호작용을 가능케 하는 중개자로 나타난다</a:t>
             </a:r>
             <a:r>
               <a:rPr lang="en-US" altLang="ko-KR" dirty="0"/>
@@ -19473,44 +19643,34 @@
               <a:rPr lang="en-US" altLang="ko-KR" dirty="0"/>
               <a:t>, </a:t>
             </a:r>
-            <a:endParaRPr lang="en-US" altLang="ko-KR" dirty="0" smtClean="0"/>
           </a:p>
           <a:p>
             <a:pPr fontAlgn="base"/>
             <a:r>
-              <a:rPr lang="ko-KR" altLang="en-US" dirty="0" smtClean="0"/>
-              <a:t>이는 </a:t>
-            </a:r>
-            <a:r>
-              <a:rPr lang="ko-KR" altLang="en-US" dirty="0"/>
-              <a:t>사용자들의 상호작용이 어떤 유휴상품이나 재화 혹은 서비스를 공유함으로써 이뤄진다는 점에 착안하여 붙여졌다</a:t>
+              <a:rPr lang="ko-KR" altLang="en-US" dirty="0"/>
+              <a:t>이는 사용자들의 상호작용이 어떤 유휴상품이나 재화 혹은 서비스를 공유함으로써 이뤄진다는 점에 착안하여 붙여졌다</a:t>
             </a:r>
             <a:r>
               <a:rPr lang="en-US" altLang="ko-KR" dirty="0"/>
               <a:t>. </a:t>
             </a:r>
-            <a:endParaRPr lang="en-US" altLang="ko-KR" dirty="0" smtClean="0"/>
           </a:p>
           <a:p>
             <a:pPr fontAlgn="base"/>
             <a:r>
-              <a:rPr lang="ko-KR" altLang="en-US" dirty="0" smtClean="0"/>
-              <a:t>공동체적 </a:t>
-            </a:r>
-            <a:r>
-              <a:rPr lang="ko-KR" altLang="en-US" dirty="0"/>
-              <a:t>가치가 있긴 하나</a:t>
-            </a:r>
-            <a:r>
-              <a:rPr lang="en-US" altLang="ko-KR" dirty="0" smtClean="0"/>
+              <a:rPr lang="ko-KR" altLang="en-US" dirty="0"/>
+              <a:t>공동체적 가치가 있긴 하나</a:t>
+            </a:r>
+            <a:r>
+              <a:rPr lang="en-US" altLang="ko-KR" dirty="0"/>
               <a:t>~ </a:t>
             </a:r>
             <a:r>
-              <a:rPr lang="ko-KR" altLang="en-US" dirty="0" smtClean="0"/>
+              <a:rPr lang="ko-KR" altLang="en-US" dirty="0"/>
               <a:t>영리 목적이다</a:t>
             </a:r>
             <a:r>
-              <a:rPr lang="en-US" altLang="ko-KR" dirty="0" smtClean="0"/>
+              <a:rPr lang="en-US" altLang="ko-KR" dirty="0"/>
               <a:t>. </a:t>
             </a:r>
             <a:endParaRPr lang="ko-KR" altLang="en-US" dirty="0"/>
@@ -19536,10 +19696,9 @@
           <a:lstStyle/>
           <a:p>
             <a:r>
-              <a:rPr lang="ko-KR" altLang="en-US" dirty="0" smtClean="0"/>
+              <a:rPr lang="ko-KR" altLang="en-US" dirty="0"/>
               <a:t>플랫폼 자본주의</a:t>
             </a:r>
-            <a:endParaRPr lang="ko-KR" altLang="en-US" dirty="0"/>
           </a:p>
         </p:txBody>
       </p:sp>
@@ -19553,13 +19712,6 @@
   <p:clrMapOvr>
     <a:masterClrMapping/>
   </p:clrMapOvr>
-  <p:timing>
-    <p:tnLst>
-      <p:par>
-        <p:cTn id="1" dur="indefinite" restart="never" nodeType="tmRoot"/>
-      </p:par>
-    </p:tnLst>
-  </p:timing>
 </p:sld>
 </file>
 
@@ -19599,12 +19751,8 @@
           <a:p>
             <a:pPr fontAlgn="base"/>
             <a:r>
-              <a:rPr lang="ko-KR" altLang="en-US" dirty="0" smtClean="0"/>
-              <a:t>공유경제의 </a:t>
-            </a:r>
-            <a:r>
-              <a:rPr lang="ko-KR" altLang="en-US" dirty="0"/>
-              <a:t>‘공유’</a:t>
+              <a:rPr lang="ko-KR" altLang="en-US" dirty="0"/>
+              <a:t>공유경제의 ‘공유’</a:t>
             </a:r>
             <a:r>
               <a:rPr lang="ko-KR" altLang="en-US" dirty="0" err="1"/>
@@ -19612,11 +19760,7 @@
             </a:r>
             <a:r>
               <a:rPr lang="ko-KR" altLang="en-US" dirty="0"/>
-              <a:t> 가려져 있는 노동과정이나 자본축적 방식을 </a:t>
-            </a:r>
-            <a:r>
-              <a:rPr lang="ko-KR" altLang="en-US" dirty="0" smtClean="0"/>
-              <a:t>적시해보려 한다</a:t>
+              <a:t> 가려져 있는 노동과정이나 자본축적 방식을 적시해보려 한다</a:t>
             </a:r>
             <a:r>
               <a:rPr lang="en-US" altLang="ko-KR" dirty="0"/>
@@ -19702,17 +19846,12 @@
               <a:rPr lang="en-US" altLang="ko-KR" dirty="0"/>
               <a:t>, </a:t>
             </a:r>
-            <a:endParaRPr lang="en-US" altLang="ko-KR" dirty="0" smtClean="0"/>
           </a:p>
           <a:p>
             <a:pPr fontAlgn="base"/>
             <a:r>
-              <a:rPr lang="ko-KR" altLang="en-US" dirty="0" smtClean="0"/>
-              <a:t>플랫폼 </a:t>
-            </a:r>
-            <a:r>
-              <a:rPr lang="ko-KR" altLang="en-US" dirty="0"/>
-              <a:t>자체에 다양한 대중의 생활이 예속되어 있다</a:t>
+              <a:rPr lang="ko-KR" altLang="en-US" dirty="0"/>
+              <a:t>플랫폼 자체에 다양한 대중의 생활이 예속되어 있다</a:t>
             </a:r>
             <a:r>
               <a:rPr lang="en-US" altLang="ko-KR" dirty="0"/>
@@ -19770,14 +19909,10 @@
           <a:p>
             <a:r>
               <a:rPr lang="ko-KR" altLang="en-US" dirty="0"/>
-              <a:t>플랫폼 자본주의라는 </a:t>
-            </a:r>
-            <a:r>
-              <a:rPr lang="ko-KR" altLang="en-US" dirty="0" smtClean="0"/>
-              <a:t>개념은</a:t>
-            </a:r>
-            <a:r>
-              <a:rPr lang="en-US" altLang="ko-KR" dirty="0" smtClean="0"/>
+              <a:t>플랫폼 자본주의라는 개념은</a:t>
+            </a:r>
+            <a:r>
+              <a:rPr lang="en-US" altLang="ko-KR" dirty="0"/>
               <a:t>~</a:t>
             </a:r>
             <a:endParaRPr lang="ko-KR" altLang="en-US" dirty="0"/>
@@ -19794,13 +19929,6 @@
   <p:clrMapOvr>
     <a:masterClrMapping/>
   </p:clrMapOvr>
-  <p:timing>
-    <p:tnLst>
-      <p:par>
-        <p:cTn id="1" dur="indefinite" restart="never" nodeType="tmRoot"/>
-      </p:par>
-    </p:tnLst>
-  </p:timing>
 </p:sld>
 </file>
 
@@ -19837,14 +19965,14 @@
           <a:lstStyle/>
           <a:p>
             <a:r>
-              <a:rPr lang="ko-KR" altLang="en-US" smtClean="0"/>
+              <a:rPr lang="ko-KR" altLang="en-US"/>
               <a:t>노동자는 이중적으로 자유롭다</a:t>
             </a:r>
             <a:r>
-              <a:rPr lang="en-US" altLang="ko-KR" smtClean="0"/>
+              <a:rPr lang="en-US" altLang="ko-KR"/>
               <a:t>. </a:t>
             </a:r>
-            <a:endParaRPr lang="ko-KR" altLang="en-US" smtClean="0"/>
+            <a:endParaRPr lang="ko-KR" altLang="en-US"/>
           </a:p>
         </p:txBody>
       </p:sp>
@@ -19884,69 +20012,239 @@
           </a:p>
           <a:p>
             <a:r>
-              <a:rPr lang="ko-KR" altLang="en-US" sz="2400" dirty="0" smtClean="0"/>
-              <a:t>우선 </a:t>
-            </a:r>
-            <a:r>
-              <a:rPr lang="ko-KR" altLang="en-US" sz="2400" dirty="0" smtClean="0"/>
-              <a:t>과거의 농부에 비견할 만한 생산수단이 없다</a:t>
-            </a:r>
-            <a:r>
-              <a:rPr lang="en-US" altLang="ko-KR" sz="2400" dirty="0" smtClean="0"/>
+              <a:rPr lang="ko-KR" altLang="en-US" sz="2400" dirty="0"/>
+              <a:t>우선 과거의 농부에 비견할 만한 생산수단이 없다</a:t>
+            </a:r>
+            <a:r>
+              <a:rPr lang="en-US" altLang="ko-KR" sz="2400" dirty="0"/>
               <a:t>. (free)</a:t>
             </a:r>
           </a:p>
           <a:p>
             <a:r>
-              <a:rPr lang="ko-KR" altLang="en-US" sz="2400" dirty="0" smtClean="0"/>
+              <a:rPr lang="ko-KR" altLang="en-US" sz="2400" dirty="0"/>
               <a:t>자신의 노동력이 거의 유일한 생계수단이다</a:t>
             </a:r>
             <a:r>
-              <a:rPr lang="en-US" altLang="ko-KR" sz="2400" dirty="0" smtClean="0"/>
+              <a:rPr lang="en-US" altLang="ko-KR" sz="2400" dirty="0"/>
               <a:t>.</a:t>
             </a:r>
-            <a:endParaRPr lang="ko-KR" altLang="en-US" sz="2400" dirty="0" smtClean="0"/>
-          </a:p>
-          <a:p>
-            <a:r>
-              <a:rPr lang="ko-KR" altLang="en-US" sz="2400" dirty="0" smtClean="0"/>
+            <a:endParaRPr lang="ko-KR" altLang="en-US" sz="2400" dirty="0"/>
+          </a:p>
+          <a:p>
+            <a:r>
+              <a:rPr lang="ko-KR" altLang="en-US" sz="2400" dirty="0"/>
               <a:t>또 하나 자신의 노동력을 맘대로 처분할 수 있는 신체의 자유와 계약의 자유</a:t>
             </a:r>
             <a:r>
-              <a:rPr lang="en-US" altLang="ko-KR" sz="2400" dirty="0" smtClean="0"/>
+              <a:rPr lang="en-US" altLang="ko-KR" sz="2400" dirty="0"/>
               <a:t>(free)</a:t>
             </a:r>
             <a:r>
-              <a:rPr lang="ko-KR" altLang="en-US" sz="2400" dirty="0" smtClean="0"/>
+              <a:rPr lang="ko-KR" altLang="en-US" sz="2400" dirty="0"/>
               <a:t>를 가져야 한다</a:t>
             </a:r>
-            <a:endParaRPr lang="en-US" altLang="ko-KR" sz="2400" dirty="0" smtClean="0"/>
-          </a:p>
-          <a:p>
-            <a:r>
-              <a:rPr lang="ko-KR" altLang="en-US" sz="2400" dirty="0" smtClean="0"/>
+            <a:endParaRPr lang="en-US" altLang="ko-KR" sz="2400" dirty="0"/>
+          </a:p>
+          <a:p>
+            <a:r>
+              <a:rPr lang="ko-KR" altLang="en-US" sz="2400" dirty="0"/>
               <a:t>자신의 의지대로 자신의 신체와 정신을 움직이는 자유로운 시민이어야 한다</a:t>
             </a:r>
             <a:r>
-              <a:rPr lang="en-US" altLang="ko-KR" sz="2400" dirty="0" smtClean="0"/>
+              <a:rPr lang="en-US" altLang="ko-KR" sz="2400" dirty="0"/>
               <a:t>. </a:t>
             </a:r>
           </a:p>
           <a:p>
             <a:r>
-              <a:rPr lang="ko-KR" altLang="en-US" sz="2400" dirty="0" smtClean="0"/>
+              <a:rPr lang="ko-KR" altLang="en-US" sz="2400" dirty="0"/>
               <a:t>그래야지 자본에게 자발적으로 자신의 노동력을 상품으로 팔 수 있다</a:t>
             </a:r>
             <a:r>
-              <a:rPr lang="en-US" altLang="ko-KR" sz="2400" dirty="0" smtClean="0"/>
+              <a:rPr lang="en-US" altLang="ko-KR" sz="2400" dirty="0"/>
               <a:t>. </a:t>
             </a:r>
           </a:p>
           <a:p>
-            <a:endParaRPr lang="ko-KR" altLang="en-US" sz="2400" dirty="0" smtClean="0"/>
-          </a:p>
-          <a:p>
-            <a:endParaRPr lang="ko-KR" altLang="en-US" sz="2400" dirty="0" smtClean="0"/>
+            <a:endParaRPr lang="ko-KR" altLang="en-US" sz="2400" dirty="0"/>
+          </a:p>
+          <a:p>
+            <a:endParaRPr lang="ko-KR" altLang="en-US" sz="2400" dirty="0"/>
+          </a:p>
+        </p:txBody>
+      </p:sp>
+      <p:cxnSp>
+        <p:nvCxnSpPr>
+          <p:cNvPr id="3" name="직선 화살표 연결선 2">
+            <a:extLst>
+              <a:ext uri="{FF2B5EF4-FFF2-40B4-BE49-F238E27FC236}">
+                <a16:creationId xmlns:a16="http://schemas.microsoft.com/office/drawing/2014/main" id="{8603619D-078A-4DA6-B557-E0036783F3C3}"/>
+              </a:ext>
+            </a:extLst>
+          </p:cNvPr>
+          <p:cNvCxnSpPr/>
+          <p:nvPr/>
+        </p:nvCxnSpPr>
+        <p:spPr>
+          <a:xfrm>
+            <a:off x="1115616" y="2276872"/>
+            <a:ext cx="864096" cy="0"/>
+          </a:xfrm>
+          <a:prstGeom prst="straightConnector1">
+            <a:avLst/>
+          </a:prstGeom>
+          <a:ln>
+            <a:tailEnd type="triangle"/>
+          </a:ln>
+        </p:spPr>
+        <p:style>
+          <a:lnRef idx="1">
+            <a:schemeClr val="accent1"/>
+          </a:lnRef>
+          <a:fillRef idx="0">
+            <a:schemeClr val="accent1"/>
+          </a:fillRef>
+          <a:effectRef idx="0">
+            <a:schemeClr val="accent1"/>
+          </a:effectRef>
+          <a:fontRef idx="minor">
+            <a:schemeClr val="tx1"/>
+          </a:fontRef>
+        </p:style>
+      </p:cxnSp>
+      <p:sp>
+        <p:nvSpPr>
+          <p:cNvPr id="4" name="TextBox 3">
+            <a:extLst>
+              <a:ext uri="{FF2B5EF4-FFF2-40B4-BE49-F238E27FC236}">
+                <a16:creationId xmlns:a16="http://schemas.microsoft.com/office/drawing/2014/main" id="{53F646E1-DF29-4876-9C7A-B3E0E55698AA}"/>
+              </a:ext>
+            </a:extLst>
+          </p:cNvPr>
+          <p:cNvSpPr txBox="1"/>
+          <p:nvPr/>
+        </p:nvSpPr>
+        <p:spPr>
+          <a:xfrm>
+            <a:off x="2339752" y="1844824"/>
+            <a:ext cx="2880320" cy="646331"/>
+          </a:xfrm>
+          <a:prstGeom prst="rect">
+            <a:avLst/>
+          </a:prstGeom>
+          <a:noFill/>
+        </p:spPr>
+        <p:txBody>
+          <a:bodyPr wrap="square" rtlCol="0">
+            <a:spAutoFit/>
+          </a:bodyPr>
+          <a:lstStyle/>
+          <a:p>
+            <a:r>
+              <a:rPr lang="ko-KR" altLang="en-US" dirty="0"/>
+              <a:t>과거에는 땅이 최고였다</a:t>
+            </a:r>
+            <a:r>
+              <a:rPr lang="en-US" altLang="ko-KR" dirty="0"/>
+              <a:t>.</a:t>
+            </a:r>
+            <a:r>
+              <a:rPr lang="ko-KR" altLang="en-US" dirty="0"/>
+              <a:t> 자급자족을 할 수 있으니까</a:t>
+            </a:r>
+            <a:endParaRPr lang="en-US" altLang="ko-KR" dirty="0"/>
+          </a:p>
+        </p:txBody>
+      </p:sp>
+      <p:cxnSp>
+        <p:nvCxnSpPr>
+          <p:cNvPr id="6" name="직선 화살표 연결선 5">
+            <a:extLst>
+              <a:ext uri="{FF2B5EF4-FFF2-40B4-BE49-F238E27FC236}">
+                <a16:creationId xmlns:a16="http://schemas.microsoft.com/office/drawing/2014/main" id="{247A0F72-A791-4B46-8777-BE2063E047C5}"/>
+              </a:ext>
+            </a:extLst>
+          </p:cNvPr>
+          <p:cNvCxnSpPr/>
+          <p:nvPr/>
+        </p:nvCxnSpPr>
+        <p:spPr>
+          <a:xfrm>
+            <a:off x="1043608" y="6309320"/>
+            <a:ext cx="1008112" cy="0"/>
+          </a:xfrm>
+          <a:prstGeom prst="straightConnector1">
+            <a:avLst/>
+          </a:prstGeom>
+          <a:ln>
+            <a:tailEnd type="triangle"/>
+          </a:ln>
+        </p:spPr>
+        <p:style>
+          <a:lnRef idx="1">
+            <a:schemeClr val="accent1"/>
+          </a:lnRef>
+          <a:fillRef idx="0">
+            <a:schemeClr val="accent1"/>
+          </a:fillRef>
+          <a:effectRef idx="0">
+            <a:schemeClr val="accent1"/>
+          </a:effectRef>
+          <a:fontRef idx="minor">
+            <a:schemeClr val="tx1"/>
+          </a:fontRef>
+        </p:style>
+      </p:cxnSp>
+      <p:sp>
+        <p:nvSpPr>
+          <p:cNvPr id="7" name="TextBox 6">
+            <a:extLst>
+              <a:ext uri="{FF2B5EF4-FFF2-40B4-BE49-F238E27FC236}">
+                <a16:creationId xmlns:a16="http://schemas.microsoft.com/office/drawing/2014/main" id="{EC021120-076B-4536-BDFD-AF80B6EA1664}"/>
+              </a:ext>
+            </a:extLst>
+          </p:cNvPr>
+          <p:cNvSpPr txBox="1"/>
+          <p:nvPr/>
+        </p:nvSpPr>
+        <p:spPr>
+          <a:xfrm>
+            <a:off x="2051720" y="5986154"/>
+            <a:ext cx="4896544" cy="646331"/>
+          </a:xfrm>
+          <a:prstGeom prst="rect">
+            <a:avLst/>
+          </a:prstGeom>
+          <a:noFill/>
+        </p:spPr>
+        <p:txBody>
+          <a:bodyPr wrap="square" rtlCol="0">
+            <a:spAutoFit/>
+          </a:bodyPr>
+          <a:lstStyle/>
+          <a:p>
+            <a:r>
+              <a:rPr lang="ko-KR" altLang="en-US" dirty="0"/>
+              <a:t>근데 현대에는 자급자족 안되니 내 능력을 팔아 교환하자 </a:t>
+            </a:r>
+            <a:r>
+              <a:rPr lang="en-US" altLang="ko-KR" dirty="0"/>
+              <a:t>(</a:t>
+            </a:r>
+            <a:r>
+              <a:rPr lang="ko-KR" altLang="en-US" dirty="0"/>
+              <a:t>돈이 중간 </a:t>
+            </a:r>
+            <a:r>
+              <a:rPr lang="ko-KR" altLang="en-US" dirty="0" err="1"/>
+              <a:t>교환물</a:t>
+            </a:r>
+            <a:r>
+              <a:rPr lang="en-US" altLang="ko-KR" dirty="0"/>
+              <a:t>)</a:t>
+            </a:r>
+            <a:endParaRPr lang="ko-KR" altLang="en-US" dirty="0"/>
           </a:p>
         </p:txBody>
       </p:sp>
@@ -19960,13 +20258,6 @@
   <p:clrMapOvr>
     <a:masterClrMapping/>
   </p:clrMapOvr>
-  <p:timing>
-    <p:tnLst>
-      <p:par>
-        <p:cTn id="1" dur="indefinite" restart="never" nodeType="tmRoot"/>
-      </p:par>
-    </p:tnLst>
-  </p:timing>
 </p:sld>
 </file>
 
@@ -20006,31 +20297,19 @@
           <a:p>
             <a:pPr fontAlgn="base"/>
             <a:r>
-              <a:rPr lang="ko-KR" altLang="en-US" dirty="0" smtClean="0"/>
-              <a:t>①이전에는 </a:t>
-            </a:r>
-            <a:r>
-              <a:rPr lang="ko-KR" altLang="en-US" dirty="0"/>
-              <a:t>시장 바깥에 있던 유휴 자원과 조각난 노동을 데이터화 및 금융화를 통해 시장 내부로 끌어들이는 플랫폼 </a:t>
-            </a:r>
-            <a:r>
-              <a:rPr lang="ko-KR" altLang="en-US" dirty="0" smtClean="0"/>
-              <a:t>기술</a:t>
-            </a:r>
-            <a:r>
-              <a:rPr lang="en-US" altLang="ko-KR" dirty="0" smtClean="0"/>
+              <a:rPr lang="ko-KR" altLang="en-US" dirty="0"/>
+              <a:t>①이전에는 시장 바깥에 있던 유휴 자원과 조각난 노동을 데이터화 및 금융화를 통해 시장 내부로 끌어들이는 플랫폼 기술</a:t>
+            </a:r>
+            <a:r>
+              <a:rPr lang="en-US" altLang="ko-KR" dirty="0"/>
               <a:t>. </a:t>
             </a:r>
           </a:p>
           <a:p>
             <a:pPr fontAlgn="base"/>
             <a:r>
-              <a:rPr lang="ko-KR" altLang="en-US" dirty="0" smtClean="0"/>
-              <a:t>자원과 </a:t>
-            </a:r>
-            <a:r>
-              <a:rPr lang="ko-KR" altLang="en-US" dirty="0"/>
-              <a:t>노동을 플랫폼 내로 끌어들인 뒤 그들 사이의 상호작용으로부터 새로운 가치를 창출해내는 것이 절대적인 과제이다</a:t>
+              <a:rPr lang="ko-KR" altLang="en-US" dirty="0"/>
+              <a:t>자원과 노동을 플랫폼 내로 끌어들인 뒤 그들 사이의 상호작용으로부터 새로운 가치를 창출해내는 것이 절대적인 과제이다</a:t>
             </a:r>
             <a:r>
               <a:rPr lang="en-US" altLang="ko-KR" dirty="0"/>
@@ -20063,33 +20342,23 @@
               <a:rPr lang="en-US" altLang="ko-KR" dirty="0"/>
               <a:t>. </a:t>
             </a:r>
-            <a:endParaRPr lang="en-US" altLang="ko-KR" dirty="0" smtClean="0"/>
           </a:p>
           <a:p>
             <a:pPr fontAlgn="base"/>
             <a:r>
-              <a:rPr lang="ko-KR" altLang="en-US" dirty="0" smtClean="0"/>
-              <a:t>각각 </a:t>
-            </a:r>
-            <a:r>
-              <a:rPr lang="ko-KR" altLang="en-US" dirty="0"/>
-              <a:t>참여자들을 양적으로 확대하고 그들의 상호작용을 더욱 용이하게 하며</a:t>
+              <a:rPr lang="ko-KR" altLang="en-US" dirty="0"/>
+              <a:t>각각 참여자들을 양적으로 확대하고 그들의 상호작용을 더욱 용이하게 하며</a:t>
             </a:r>
             <a:r>
               <a:rPr lang="en-US" altLang="ko-KR" dirty="0"/>
               <a:t>, </a:t>
             </a:r>
-            <a:endParaRPr lang="en-US" altLang="ko-KR" dirty="0" smtClean="0"/>
           </a:p>
           <a:p>
             <a:pPr fontAlgn="base"/>
             <a:r>
-              <a:rPr lang="ko-KR" altLang="en-US" dirty="0" smtClean="0"/>
-              <a:t>참여자들의 </a:t>
-            </a:r>
-            <a:r>
-              <a:rPr lang="ko-KR" altLang="en-US" dirty="0"/>
-              <a:t>데이터를 수집</a:t>
+              <a:rPr lang="ko-KR" altLang="en-US" dirty="0"/>
+              <a:t>참여자들의 데이터를 수집</a:t>
             </a:r>
             <a:r>
               <a:rPr lang="en-US" altLang="ko-KR" dirty="0"/>
@@ -20131,11 +20400,11 @@
           <a:lstStyle/>
           <a:p>
             <a:r>
-              <a:rPr lang="ko-KR" altLang="en-US" dirty="0" smtClean="0"/>
+              <a:rPr lang="ko-KR" altLang="en-US" dirty="0"/>
               <a:t>비즈니스 모델로서</a:t>
             </a:r>
             <a:r>
-              <a:rPr lang="en-US" altLang="ko-KR" dirty="0" smtClean="0"/>
+              <a:rPr lang="en-US" altLang="ko-KR" dirty="0"/>
               <a:t>~</a:t>
             </a:r>
             <a:endParaRPr lang="ko-KR" altLang="en-US" dirty="0"/>
@@ -20152,13 +20421,6 @@
   <p:clrMapOvr>
     <a:masterClrMapping/>
   </p:clrMapOvr>
-  <p:timing>
-    <p:tnLst>
-      <p:par>
-        <p:cTn id="1" dur="indefinite" restart="never" nodeType="tmRoot"/>
-      </p:par>
-    </p:tnLst>
-  </p:timing>
 </p:sld>
 </file>
 
@@ -20197,18 +20459,13 @@
           <a:lstStyle/>
           <a:p>
             <a:r>
-              <a:rPr lang="ko-KR" altLang="en-US" dirty="0" smtClean="0"/>
-              <a:t>다양한 </a:t>
-            </a:r>
-            <a:r>
-              <a:rPr lang="ko-KR" altLang="en-US" dirty="0"/>
-              <a:t>사용자의 자발적 참여에 기반을 두고 공유경제가 작동하는 것과 같은 효과를 낸다</a:t>
+              <a:rPr lang="ko-KR" altLang="en-US" dirty="0"/>
+              <a:t>다양한 사용자의 자발적 참여에 기반을 두고 공유경제가 작동하는 것과 같은 효과를 낸다</a:t>
             </a:r>
             <a:r>
               <a:rPr lang="en-US" altLang="ko-KR" dirty="0"/>
               <a:t>. </a:t>
             </a:r>
-            <a:endParaRPr lang="en-US" altLang="ko-KR" dirty="0" smtClean="0"/>
           </a:p>
           <a:p>
             <a:pPr fontAlgn="base"/>
@@ -20236,32 +20493,23 @@
               <a:rPr lang="en-US" altLang="ko-KR" dirty="0"/>
               <a:t>. </a:t>
             </a:r>
-            <a:endParaRPr lang="en-US" altLang="ko-KR" dirty="0" smtClean="0"/>
           </a:p>
           <a:p>
             <a:pPr fontAlgn="base"/>
             <a:r>
-              <a:rPr lang="ko-KR" altLang="en-US" dirty="0" smtClean="0"/>
-              <a:t>사용자 </a:t>
-            </a:r>
-            <a:r>
-              <a:rPr lang="ko-KR" altLang="en-US" dirty="0"/>
-              <a:t>사이의 상호작용에서 발생하는 데이터에 대한 자유로운 </a:t>
-            </a:r>
-            <a:r>
-              <a:rPr lang="ko-KR" altLang="en-US" dirty="0" smtClean="0"/>
-              <a:t>접근</a:t>
-            </a:r>
-            <a:r>
-              <a:rPr lang="en-US" altLang="ko-KR" dirty="0" smtClean="0"/>
+              <a:rPr lang="ko-KR" altLang="en-US" dirty="0"/>
+              <a:t>사용자 사이의 상호작용에서 발생하는 데이터에 대한 자유로운 접근</a:t>
+            </a:r>
+            <a:r>
+              <a:rPr lang="en-US" altLang="ko-KR" dirty="0"/>
               <a:t>. </a:t>
             </a:r>
             <a:r>
-              <a:rPr lang="ko-KR" altLang="en-US" dirty="0" smtClean="0"/>
+              <a:rPr lang="ko-KR" altLang="en-US" dirty="0"/>
               <a:t>전통적인 비즈니스와 다른 점</a:t>
             </a:r>
             <a:r>
-              <a:rPr lang="en-US" altLang="ko-KR" dirty="0" smtClean="0"/>
+              <a:rPr lang="en-US" altLang="ko-KR" dirty="0"/>
               <a:t>.</a:t>
             </a:r>
             <a:endParaRPr lang="ko-KR" altLang="en-US" dirty="0"/>
@@ -20343,13 +20591,6 @@
   <p:clrMapOvr>
     <a:masterClrMapping/>
   </p:clrMapOvr>
-  <p:timing>
-    <p:tnLst>
-      <p:par>
-        <p:cTn id="1" dur="indefinite" restart="never" nodeType="tmRoot"/>
-      </p:par>
-    </p:tnLst>
-  </p:timing>
 </p:sld>
 </file>
 
@@ -20389,74 +20630,41 @@
           <a:p>
             <a:pPr fontAlgn="base"/>
             <a:r>
-              <a:rPr lang="ko-KR" altLang="en-US" dirty="0" smtClean="0"/>
-              <a:t>사람들은 </a:t>
-            </a:r>
-            <a:r>
-              <a:rPr lang="ko-KR" altLang="en-US" dirty="0"/>
-              <a:t>네트워크에 자발적으로 </a:t>
-            </a:r>
-            <a:r>
-              <a:rPr lang="ko-KR" altLang="en-US" dirty="0" smtClean="0"/>
-              <a:t>들어와 참여한다</a:t>
-            </a:r>
-            <a:r>
-              <a:rPr lang="en-US" altLang="ko-KR" dirty="0" smtClean="0"/>
+              <a:rPr lang="ko-KR" altLang="en-US" dirty="0"/>
+              <a:t>사람들은 네트워크에 자발적으로 들어와 참여한다</a:t>
+            </a:r>
+            <a:r>
+              <a:rPr lang="en-US" altLang="ko-KR" dirty="0"/>
               <a:t>.</a:t>
             </a:r>
           </a:p>
           <a:p>
             <a:pPr fontAlgn="base"/>
             <a:r>
-              <a:rPr lang="ko-KR" altLang="en-US" dirty="0" smtClean="0"/>
-              <a:t>그러나 플랫폼은 </a:t>
-            </a:r>
-            <a:r>
-              <a:rPr lang="ko-KR" altLang="en-US" dirty="0"/>
-              <a:t>인간 삶의 여러 양태와 결합하여 하나의 독자적의 생태계를 </a:t>
-            </a:r>
-            <a:r>
-              <a:rPr lang="ko-KR" altLang="en-US" dirty="0" smtClean="0"/>
-              <a:t>구축한다</a:t>
-            </a:r>
-            <a:r>
-              <a:rPr lang="en-US" altLang="ko-KR" dirty="0" smtClean="0"/>
+              <a:rPr lang="ko-KR" altLang="en-US" dirty="0"/>
+              <a:t>그러나 플랫폼은 인간 삶의 여러 양태와 결합하여 하나의 독자적의 생태계를 구축한다</a:t>
+            </a:r>
+            <a:r>
+              <a:rPr lang="en-US" altLang="ko-KR" dirty="0"/>
               <a:t>.</a:t>
             </a:r>
           </a:p>
           <a:p>
             <a:pPr fontAlgn="base"/>
             <a:r>
-              <a:rPr lang="ko-KR" altLang="en-US" dirty="0" smtClean="0"/>
-              <a:t>플랫폼들은 </a:t>
-            </a:r>
-            <a:r>
-              <a:rPr lang="ko-KR" altLang="en-US" dirty="0"/>
-              <a:t>인간 삶의 영역을 뒤덮는 </a:t>
-            </a:r>
-            <a:r>
-              <a:rPr lang="ko-KR" altLang="en-US" dirty="0" smtClean="0"/>
-              <a:t>큰 생태계가 </a:t>
-            </a:r>
-            <a:r>
-              <a:rPr lang="ko-KR" altLang="en-US" dirty="0"/>
-              <a:t>된다</a:t>
+              <a:rPr lang="ko-KR" altLang="en-US" dirty="0"/>
+              <a:t>플랫폼들은 인간 삶의 영역을 뒤덮는 큰 생태계가 된다</a:t>
             </a:r>
             <a:r>
               <a:rPr lang="en-US" altLang="ko-KR" dirty="0"/>
               <a:t>. </a:t>
             </a:r>
-            <a:endParaRPr lang="en-US" altLang="ko-KR" dirty="0" smtClean="0"/>
           </a:p>
           <a:p>
             <a:pPr fontAlgn="base"/>
             <a:r>
-              <a:rPr lang="ko-KR" altLang="en-US" dirty="0" smtClean="0"/>
-              <a:t>정치와 </a:t>
-            </a:r>
-            <a:r>
-              <a:rPr lang="ko-KR" altLang="en-US" dirty="0"/>
-              <a:t>노동</a:t>
+              <a:rPr lang="ko-KR" altLang="en-US" dirty="0"/>
+              <a:t>정치와 노동</a:t>
             </a:r>
             <a:r>
               <a:rPr lang="en-US" altLang="ko-KR" dirty="0"/>
@@ -20491,12 +20699,8 @@
           <a:p>
             <a:pPr fontAlgn="base"/>
             <a:r>
-              <a:rPr lang="ko-KR" altLang="en-US" dirty="0" smtClean="0"/>
-              <a:t>왜 </a:t>
-            </a:r>
-            <a:r>
-              <a:rPr lang="ko-KR" altLang="en-US" dirty="0"/>
-              <a:t>사람들은 스스로 플랫폼으로 들어가고 또 그 플랫폼에 모든 것을 기꺼이 내놓으면서</a:t>
+              <a:rPr lang="ko-KR" altLang="en-US" dirty="0"/>
+              <a:t>왜 사람들은 스스로 플랫폼으로 들어가고 또 그 플랫폼에 모든 것을 기꺼이 내놓으면서</a:t>
             </a:r>
             <a:r>
               <a:rPr lang="en-US" altLang="ko-KR" dirty="0"/>
@@ -20523,18 +20727,18 @@
               <a:t>공유하면서</a:t>
             </a:r>
             <a:r>
-              <a:rPr lang="en-US" altLang="ko-KR" dirty="0" smtClean="0"/>
+              <a:rPr lang="en-US" altLang="ko-KR" dirty="0"/>
               <a:t>)</a:t>
             </a:r>
           </a:p>
           <a:p>
             <a:pPr fontAlgn="base"/>
             <a:r>
-              <a:rPr lang="ko-KR" altLang="en-US" dirty="0" smtClean="0"/>
+              <a:rPr lang="ko-KR" altLang="en-US" dirty="0"/>
               <a:t>그들 자신이 이용되고 지배되도록 만든다</a:t>
             </a:r>
             <a:r>
-              <a:rPr lang="en-US" altLang="ko-KR" dirty="0" smtClean="0"/>
+              <a:rPr lang="en-US" altLang="ko-KR" dirty="0"/>
               <a:t>.  </a:t>
             </a:r>
             <a:endParaRPr lang="ko-KR" altLang="en-US" dirty="0"/>
@@ -20562,10 +20766,9 @@
           <a:lstStyle/>
           <a:p>
             <a:r>
-              <a:rPr lang="ko-KR" altLang="en-US" dirty="0" smtClean="0"/>
+              <a:rPr lang="ko-KR" altLang="en-US" dirty="0"/>
               <a:t>플랫폼은 대중의 일상을 조직한다</a:t>
             </a:r>
-            <a:endParaRPr lang="ko-KR" altLang="en-US" dirty="0"/>
           </a:p>
         </p:txBody>
       </p:sp>
@@ -20579,13 +20782,6 @@
   <p:clrMapOvr>
     <a:masterClrMapping/>
   </p:clrMapOvr>
-  <p:timing>
-    <p:tnLst>
-      <p:par>
-        <p:cTn id="1" dur="indefinite" restart="never" nodeType="tmRoot"/>
-      </p:par>
-    </p:tnLst>
-  </p:timing>
 </p:sld>
 </file>
 
@@ -20625,12 +20821,8 @@
           <a:p>
             <a:pPr fontAlgn="base"/>
             <a:r>
-              <a:rPr lang="ko-KR" altLang="en-US" dirty="0" smtClean="0"/>
-              <a:t>정규직 노동에서 탈락된 </a:t>
-            </a:r>
-            <a:r>
-              <a:rPr lang="ko-KR" altLang="en-US" dirty="0"/>
-              <a:t>인간</a:t>
+              <a:rPr lang="ko-KR" altLang="en-US" dirty="0"/>
+              <a:t>정규직 노동에서 탈락된 인간</a:t>
             </a:r>
             <a:r>
               <a:rPr lang="en-US" altLang="ko-KR" dirty="0"/>
@@ -20642,41 +20834,29 @@
             </a:r>
             <a:r>
               <a:rPr lang="ko-KR" altLang="en-US" dirty="0"/>
-              <a:t> 임시적으로 고용된 </a:t>
-            </a:r>
-            <a:r>
-              <a:rPr lang="ko-KR" altLang="en-US" dirty="0" smtClean="0"/>
-              <a:t>이들이 우선 플랫폼에서 일자리를 구한다</a:t>
+              <a:t> 임시적으로 고용된 이들이 우선 플랫폼에서 일자리를 구한다</a:t>
             </a:r>
             <a:r>
               <a:rPr lang="en-US" altLang="ko-KR" dirty="0"/>
               <a:t>. </a:t>
             </a:r>
             <a:r>
-              <a:rPr lang="ko-KR" altLang="en-US" dirty="0" smtClean="0"/>
-              <a:t>불안정한 </a:t>
-            </a:r>
-            <a:r>
-              <a:rPr lang="ko-KR" altLang="en-US" dirty="0"/>
-              <a:t>삶을 </a:t>
-            </a:r>
-            <a:r>
-              <a:rPr lang="ko-KR" altLang="en-US" dirty="0" smtClean="0"/>
-              <a:t>사는 사람들</a:t>
-            </a:r>
-            <a:r>
-              <a:rPr lang="en-US" altLang="ko-KR" dirty="0" smtClean="0"/>
+              <a:rPr lang="ko-KR" altLang="en-US" dirty="0"/>
+              <a:t>불안정한 삶을 사는 사람들</a:t>
+            </a:r>
+            <a:r>
+              <a:rPr lang="en-US" altLang="ko-KR" dirty="0"/>
               <a:t>. </a:t>
             </a:r>
           </a:p>
           <a:p>
             <a:pPr fontAlgn="base"/>
             <a:r>
-              <a:rPr lang="ko-KR" altLang="en-US" dirty="0" err="1" smtClean="0"/>
+              <a:rPr lang="ko-KR" altLang="en-US" dirty="0" err="1"/>
               <a:t>프레카리아트</a:t>
             </a:r>
             <a:r>
-              <a:rPr lang="en-US" altLang="ko-KR" dirty="0" smtClean="0"/>
+              <a:rPr lang="en-US" altLang="ko-KR" dirty="0"/>
               <a:t>(</a:t>
             </a:r>
             <a:r>
@@ -20687,23 +20867,17 @@
               <a:rPr lang="en-US" altLang="ko-KR" dirty="0"/>
               <a:t>)</a:t>
             </a:r>
-            <a:endParaRPr lang="en-US" altLang="ko-KR" dirty="0" smtClean="0"/>
           </a:p>
           <a:p>
             <a:pPr fontAlgn="base"/>
             <a:r>
-              <a:rPr lang="ko-KR" altLang="en-US" dirty="0" smtClean="0"/>
-              <a:t>다양한 </a:t>
-            </a:r>
-            <a:r>
-              <a:rPr lang="ko-KR" altLang="en-US" dirty="0"/>
-              <a:t>플랫폼 참여와 상호작용은 노동인지 소통인지 유희인지 불분명하다</a:t>
+              <a:rPr lang="ko-KR" altLang="en-US" dirty="0"/>
+              <a:t>다양한 플랫폼 참여와 상호작용은 노동인지 소통인지 유희인지 불분명하다</a:t>
             </a:r>
             <a:r>
               <a:rPr lang="en-US" altLang="ko-KR" dirty="0"/>
               <a:t>. </a:t>
             </a:r>
-            <a:endParaRPr lang="en-US" altLang="ko-KR" dirty="0" smtClean="0"/>
           </a:p>
           <a:p>
             <a:pPr fontAlgn="base"/>
@@ -20762,10 +20936,9 @@
           <a:lstStyle/>
           <a:p>
             <a:r>
-              <a:rPr lang="ko-KR" altLang="en-US" dirty="0" smtClean="0"/>
+              <a:rPr lang="ko-KR" altLang="en-US" dirty="0"/>
               <a:t>플랫폼 노동</a:t>
             </a:r>
-            <a:endParaRPr lang="ko-KR" altLang="en-US" dirty="0"/>
           </a:p>
         </p:txBody>
       </p:sp>
@@ -20779,13 +20952,6 @@
   <p:clrMapOvr>
     <a:masterClrMapping/>
   </p:clrMapOvr>
-  <p:timing>
-    <p:tnLst>
-      <p:par>
-        <p:cTn id="1" dur="indefinite" restart="never" nodeType="tmRoot"/>
-      </p:par>
-    </p:tnLst>
-  </p:timing>
 </p:sld>
 </file>
 
@@ -20825,12 +20991,8 @@
           <a:p>
             <a:pPr fontAlgn="base"/>
             <a:r>
-              <a:rPr lang="ko-KR" altLang="en-US" dirty="0" smtClean="0"/>
-              <a:t>자동차 </a:t>
-            </a:r>
-            <a:r>
-              <a:rPr lang="ko-KR" altLang="en-US" dirty="0"/>
-              <a:t>소유자와 대리운전 기사가 플랫폼에 참여한다</a:t>
+              <a:rPr lang="ko-KR" altLang="en-US" dirty="0"/>
+              <a:t>자동차 소유자와 대리운전 기사가 플랫폼에 참여한다</a:t>
             </a:r>
             <a:r>
               <a:rPr lang="en-US" altLang="ko-KR" dirty="0"/>
@@ -20852,17 +21014,12 @@
               <a:rPr lang="en-US" altLang="ko-KR" dirty="0"/>
               <a:t>. </a:t>
             </a:r>
-            <a:endParaRPr lang="en-US" altLang="ko-KR" dirty="0" smtClean="0"/>
           </a:p>
           <a:p>
             <a:pPr fontAlgn="base"/>
             <a:r>
-              <a:rPr lang="ko-KR" altLang="en-US" dirty="0" smtClean="0"/>
-              <a:t>대리운전기사는 </a:t>
-            </a:r>
-            <a:r>
-              <a:rPr lang="ko-KR" altLang="en-US" dirty="0"/>
-              <a:t>고용된 것은 아닌 상태로 플랫폼에서 임시로 일을 받아 그 역할을 수행한다</a:t>
+              <a:rPr lang="ko-KR" altLang="en-US" dirty="0"/>
+              <a:t>대리운전기사는 고용된 것은 아닌 상태로 플랫폼에서 임시로 일을 받아 그 역할을 수행한다</a:t>
             </a:r>
             <a:r>
               <a:rPr lang="en-US" altLang="ko-KR" dirty="0"/>
@@ -20873,15 +21030,11 @@
           <a:p>
             <a:pPr fontAlgn="base"/>
             <a:r>
-              <a:rPr lang="ko-KR" altLang="en-US" dirty="0" smtClean="0"/>
-              <a:t>자영업자로서 </a:t>
-            </a:r>
-            <a:r>
-              <a:rPr lang="ko-KR" altLang="en-US" dirty="0"/>
-              <a:t>플랫폼을 통해 원하는 시간과 장소에서 원하는 만큼 일할 수 있다</a:t>
-            </a:r>
-            <a:r>
-              <a:rPr lang="en-US" altLang="ko-KR" dirty="0" smtClean="0"/>
+              <a:rPr lang="ko-KR" altLang="en-US" dirty="0"/>
+              <a:t>자영업자로서 플랫폼을 통해 원하는 시간과 장소에서 원하는 만큼 일할 수 있다</a:t>
+            </a:r>
+            <a:r>
+              <a:rPr lang="en-US" altLang="ko-KR" dirty="0"/>
               <a:t>.</a:t>
             </a:r>
           </a:p>
@@ -20897,14 +21050,10 @@
             </a:r>
             <a:r>
               <a:rPr lang="ko-KR" altLang="en-US" dirty="0"/>
-              <a:t> 계약에 매이지 않고 자유롭게 일하며 자기 삶을 꾸려가게 할 고마운 존재일 수도 </a:t>
-            </a:r>
-            <a:r>
-              <a:rPr lang="ko-KR" altLang="en-US" dirty="0" smtClean="0"/>
-              <a:t>있으나</a:t>
-            </a:r>
-            <a:r>
-              <a:rPr lang="en-US" altLang="ko-KR" dirty="0" smtClean="0"/>
+              <a:t> 계약에 매이지 않고 자유롭게 일하며 자기 삶을 꾸려가게 할 고마운 존재일 수도 있으나</a:t>
+            </a:r>
+            <a:r>
+              <a:rPr lang="en-US" altLang="ko-KR" dirty="0"/>
               <a:t>~~</a:t>
             </a:r>
           </a:p>
@@ -20912,30 +21061,18 @@
             <a:pPr fontAlgn="base"/>
             <a:r>
               <a:rPr lang="ko-KR" altLang="en-US" dirty="0"/>
-              <a:t>임금은 </a:t>
-            </a:r>
-            <a:r>
-              <a:rPr lang="ko-KR" altLang="en-US" dirty="0" smtClean="0"/>
-              <a:t>낮고</a:t>
+              <a:t>임금은 낮고</a:t>
             </a:r>
             <a:r>
               <a:rPr lang="en-US" altLang="ko-KR" dirty="0"/>
               <a:t>, </a:t>
             </a:r>
             <a:r>
-              <a:rPr lang="ko-KR" altLang="en-US" dirty="0" smtClean="0"/>
-              <a:t>책임지지 </a:t>
-            </a:r>
-            <a:r>
-              <a:rPr lang="ko-KR" altLang="en-US" dirty="0"/>
-              <a:t>않는 고용과 </a:t>
-            </a:r>
-            <a:r>
-              <a:rPr lang="ko-KR" altLang="en-US" dirty="0" smtClean="0"/>
-              <a:t>노동 등</a:t>
-            </a:r>
-            <a:r>
-              <a:rPr lang="en-US" altLang="ko-KR" dirty="0" smtClean="0"/>
+              <a:rPr lang="ko-KR" altLang="en-US" dirty="0"/>
+              <a:t>책임지지 않는 고용과 노동 등</a:t>
+            </a:r>
+            <a:r>
+              <a:rPr lang="en-US" altLang="ko-KR" dirty="0"/>
               <a:t>.</a:t>
             </a:r>
             <a:endParaRPr lang="ko-KR" altLang="en-US" dirty="0"/>
@@ -20965,12 +21102,8 @@
           <a:lstStyle/>
           <a:p>
             <a:r>
-              <a:rPr lang="ko-KR" altLang="en-US" dirty="0" smtClean="0"/>
-              <a:t>카카오 드라이버의 경</a:t>
-            </a:r>
-            <a:r>
-              <a:rPr lang="ko-KR" altLang="en-US" dirty="0"/>
-              <a:t>우</a:t>
+              <a:rPr lang="ko-KR" altLang="en-US" dirty="0"/>
+              <a:t>카카오 드라이버의 경우</a:t>
             </a:r>
           </a:p>
         </p:txBody>
@@ -20985,13 +21118,6 @@
   <p:clrMapOvr>
     <a:masterClrMapping/>
   </p:clrMapOvr>
-  <p:timing>
-    <p:tnLst>
-      <p:par>
-        <p:cTn id="1" dur="indefinite" restart="never" nodeType="tmRoot"/>
-      </p:par>
-    </p:tnLst>
-  </p:timing>
 </p:sld>
 </file>
 
@@ -21082,95 +21208,78 @@
               <a:rPr lang="en-US" altLang="ko-KR" sz="2000" dirty="0"/>
               <a:t>. </a:t>
             </a:r>
-            <a:endParaRPr lang="en-US" altLang="ko-KR" sz="2000" dirty="0" smtClean="0"/>
           </a:p>
           <a:p>
             <a:pPr fontAlgn="base"/>
             <a:r>
-              <a:rPr lang="ko-KR" altLang="en-US" sz="2000" dirty="0" smtClean="0"/>
-              <a:t>콜이나 </a:t>
-            </a:r>
-            <a:r>
               <a:rPr lang="ko-KR" altLang="en-US" sz="2000" dirty="0"/>
-              <a:t>오더를 적절히 파악하고 응대하며 </a:t>
-            </a:r>
-            <a:r>
-              <a:rPr lang="ko-KR" altLang="en-US" sz="2000" dirty="0" err="1" smtClean="0"/>
+              <a:t>콜이나 오더를 적절히 파악하고 응대하며 </a:t>
+            </a:r>
+            <a:r>
+              <a:rPr lang="ko-KR" altLang="en-US" sz="2000" dirty="0" err="1"/>
               <a:t>앱상에</a:t>
             </a:r>
             <a:r>
-              <a:rPr lang="ko-KR" altLang="en-US" sz="2000" dirty="0" smtClean="0"/>
-              <a:t> </a:t>
-            </a:r>
-            <a:r>
               <a:rPr lang="ko-KR" altLang="en-US" sz="2000" dirty="0"/>
-              <a:t>표시된 지점들을 어떻게 찾아갈 수 있는가 하는 일종의 플랫폼 </a:t>
-            </a:r>
-            <a:r>
-              <a:rPr lang="ko-KR" altLang="en-US" sz="2000" dirty="0" err="1" smtClean="0"/>
+              <a:t> 표시된 지점들을 어떻게 찾아갈 수 있는가 하는 일종의 플랫폼 </a:t>
+            </a:r>
+            <a:r>
+              <a:rPr lang="ko-KR" altLang="en-US" sz="2000" dirty="0" err="1"/>
               <a:t>리터러시</a:t>
-            </a:r>
-            <a:r>
-              <a:rPr lang="en-US" altLang="ko-KR" sz="2000" dirty="0" smtClean="0"/>
-              <a:t>. </a:t>
-            </a:r>
-            <a:endParaRPr lang="ko-KR" altLang="en-US" sz="2000" dirty="0"/>
-          </a:p>
-          <a:p>
-            <a:pPr fontAlgn="base"/>
-            <a:r>
-              <a:rPr lang="ko-KR" altLang="en-US" sz="2000" dirty="0" smtClean="0"/>
-              <a:t>어디든 찾아갈</a:t>
-            </a:r>
-            <a:r>
-              <a:rPr lang="en-US" altLang="ko-KR" sz="2000" dirty="0" smtClean="0"/>
-              <a:t> </a:t>
-            </a:r>
-            <a:r>
-              <a:rPr lang="ko-KR" altLang="en-US" sz="2000" dirty="0" smtClean="0"/>
-              <a:t>수 있는 </a:t>
-            </a:r>
-            <a:r>
-              <a:rPr lang="ko-KR" altLang="en-US" sz="2000" dirty="0"/>
-              <a:t>떠돌이 군중으로 존재한다</a:t>
             </a:r>
             <a:r>
               <a:rPr lang="en-US" altLang="ko-KR" sz="2000" dirty="0"/>
               <a:t>. </a:t>
             </a:r>
-            <a:r>
-              <a:rPr lang="ko-KR" altLang="en-US" sz="2000" dirty="0" smtClean="0"/>
+            <a:endParaRPr lang="ko-KR" altLang="en-US" sz="2000" dirty="0"/>
+          </a:p>
+          <a:p>
+            <a:pPr fontAlgn="base"/>
+            <a:r>
+              <a:rPr lang="ko-KR" altLang="en-US" sz="2000" dirty="0"/>
+              <a:t>어디든 찾아갈</a:t>
+            </a:r>
+            <a:r>
+              <a:rPr lang="en-US" altLang="ko-KR" sz="2000" dirty="0"/>
+              <a:t> </a:t>
+            </a:r>
+            <a:r>
+              <a:rPr lang="ko-KR" altLang="en-US" sz="2000" dirty="0"/>
+              <a:t>수 있는 떠돌이 군중으로 존재한다</a:t>
+            </a:r>
+            <a:r>
+              <a:rPr lang="en-US" altLang="ko-KR" sz="2000" dirty="0"/>
+              <a:t>. </a:t>
+            </a:r>
+            <a:r>
+              <a:rPr lang="ko-KR" altLang="en-US" sz="2000" dirty="0"/>
               <a:t>파편화된다</a:t>
             </a:r>
             <a:r>
-              <a:rPr lang="en-US" altLang="ko-KR" sz="2000" dirty="0" smtClean="0"/>
+              <a:rPr lang="en-US" altLang="ko-KR" sz="2000" dirty="0"/>
               <a:t>.</a:t>
             </a:r>
           </a:p>
           <a:p>
             <a:pPr fontAlgn="base"/>
             <a:r>
-              <a:rPr lang="ko-KR" altLang="en-US" sz="2000" dirty="0" smtClean="0"/>
+              <a:rPr lang="ko-KR" altLang="en-US" sz="2000" dirty="0"/>
               <a:t>경매에 부쳐져</a:t>
             </a:r>
             <a:r>
-              <a:rPr lang="en-US" altLang="ko-KR" sz="2000" dirty="0" smtClean="0"/>
+              <a:rPr lang="en-US" altLang="ko-KR" sz="2000" dirty="0"/>
               <a:t>, </a:t>
             </a:r>
             <a:r>
               <a:rPr lang="ko-KR" altLang="en-US" sz="2000" dirty="0"/>
-              <a:t>가장 낮은 가격을 제시한 </a:t>
-            </a:r>
-            <a:r>
-              <a:rPr lang="ko-KR" altLang="en-US" sz="2000" dirty="0" smtClean="0"/>
-              <a:t>노동자가 </a:t>
-            </a:r>
-            <a:r>
-              <a:rPr lang="ko-KR" altLang="en-US" sz="2000" dirty="0" err="1" smtClean="0"/>
+              <a:t>가장 낮은 가격을 제시한 노동자가 </a:t>
+            </a:r>
+            <a:r>
+              <a:rPr lang="ko-KR" altLang="en-US" sz="2000" dirty="0" err="1"/>
               <a:t>낙찰받곤</a:t>
             </a:r>
             <a:r>
-              <a:rPr lang="en-US" altLang="ko-KR" sz="2000" dirty="0" smtClean="0"/>
+              <a:rPr lang="en-US" altLang="ko-KR" sz="2000" dirty="0"/>
               <a:t>~ </a:t>
             </a:r>
             <a:endParaRPr lang="ko-KR" altLang="en-US" sz="2000" dirty="0"/>
@@ -21193,7 +21302,7 @@
           <a:lstStyle/>
           <a:p>
             <a:r>
-              <a:rPr lang="en-US" altLang="ko-KR" dirty="0" smtClean="0"/>
+              <a:rPr lang="en-US" altLang="ko-KR" dirty="0"/>
               <a:t>Crowd worker</a:t>
             </a:r>
             <a:endParaRPr lang="ko-KR" altLang="en-US" dirty="0"/>
@@ -21210,13 +21319,6 @@
   <p:clrMapOvr>
     <a:masterClrMapping/>
   </p:clrMapOvr>
-  <p:timing>
-    <p:tnLst>
-      <p:par>
-        <p:cTn id="1" dur="indefinite" restart="never" nodeType="tmRoot"/>
-      </p:par>
-    </p:tnLst>
-  </p:timing>
 </p:sld>
 </file>
 
@@ -21253,12 +21355,8 @@
           <a:lstStyle/>
           <a:p>
             <a:r>
-              <a:rPr lang="ko-KR" altLang="en-US" dirty="0" smtClean="0"/>
-              <a:t>소비자는 </a:t>
-            </a:r>
-            <a:r>
-              <a:rPr lang="ko-KR" altLang="en-US" dirty="0"/>
-              <a:t>능동적으로 자신의 데이터를 전달하면서 </a:t>
+              <a:rPr lang="ko-KR" altLang="en-US" dirty="0"/>
+              <a:t>소비자는 능동적으로 자신의 데이터를 전달하면서 </a:t>
             </a:r>
             <a:r>
               <a:rPr lang="ko-KR" altLang="en-US" dirty="0" err="1"/>
@@ -21288,11 +21386,10 @@
               <a:rPr lang="en-US" altLang="ko-KR" dirty="0"/>
               <a:t>. </a:t>
             </a:r>
-            <a:endParaRPr lang="en-US" altLang="ko-KR" dirty="0" smtClean="0"/>
-          </a:p>
-          <a:p>
-            <a:r>
-              <a:rPr lang="ko-KR" altLang="en-US" dirty="0" smtClean="0"/>
+          </a:p>
+          <a:p>
+            <a:r>
+              <a:rPr lang="ko-KR" altLang="en-US" dirty="0"/>
               <a:t>그러나 그 </a:t>
             </a:r>
             <a:r>
@@ -21307,14 +21404,13 @@
               <a:rPr lang="en-US" altLang="ko-KR" dirty="0"/>
               <a:t>. </a:t>
             </a:r>
-            <a:endParaRPr lang="en-US" altLang="ko-KR" dirty="0" smtClean="0"/>
           </a:p>
           <a:p>
             <a:endParaRPr lang="en-US" altLang="ko-KR" dirty="0"/>
           </a:p>
           <a:p>
             <a:r>
-              <a:rPr lang="en-US" altLang="ko-KR" dirty="0" smtClean="0"/>
+              <a:rPr lang="en-US" altLang="ko-KR" dirty="0"/>
               <a:t>………….?</a:t>
             </a:r>
             <a:endParaRPr lang="ko-KR" altLang="en-US" dirty="0"/>
@@ -21340,10 +21436,9 @@
           <a:lstStyle/>
           <a:p>
             <a:r>
-              <a:rPr lang="ko-KR" altLang="en-US" dirty="0" smtClean="0"/>
+              <a:rPr lang="ko-KR" altLang="en-US" dirty="0"/>
               <a:t>플랫폼 소비자</a:t>
             </a:r>
-            <a:endParaRPr lang="ko-KR" altLang="en-US" dirty="0"/>
           </a:p>
         </p:txBody>
       </p:sp>
@@ -21357,13 +21452,6 @@
   <p:clrMapOvr>
     <a:masterClrMapping/>
   </p:clrMapOvr>
-  <p:timing>
-    <p:tnLst>
-      <p:par>
-        <p:cTn id="1" dur="indefinite" restart="never" nodeType="tmRoot"/>
-      </p:par>
-    </p:tnLst>
-  </p:timing>
 </p:sld>
 </file>
 
@@ -21403,12 +21491,8 @@
           <a:p>
             <a:pPr fontAlgn="base"/>
             <a:r>
-              <a:rPr lang="ko-KR" altLang="en-US" dirty="0" smtClean="0"/>
-              <a:t>플랫폼 위에서는 </a:t>
-            </a:r>
-            <a:r>
-              <a:rPr lang="ko-KR" altLang="en-US" dirty="0"/>
-              <a:t>오로지 고객과 노동자 사이의 거래나 교환만 상연될 뿐</a:t>
+              <a:rPr lang="ko-KR" altLang="en-US" dirty="0"/>
+              <a:t>플랫폼 위에서는 오로지 고객과 노동자 사이의 거래나 교환만 상연될 뿐</a:t>
             </a:r>
             <a:r>
               <a:rPr lang="en-US" altLang="ko-KR" dirty="0"/>
@@ -21422,12 +21506,11 @@
               <a:rPr lang="en-US" altLang="ko-KR" dirty="0"/>
               <a:t>. </a:t>
             </a:r>
-            <a:endParaRPr lang="en-US" altLang="ko-KR" dirty="0" smtClean="0"/>
           </a:p>
           <a:p>
             <a:pPr fontAlgn="base"/>
             <a:r>
-              <a:rPr lang="ko-KR" altLang="en-US" dirty="0" smtClean="0"/>
+              <a:rPr lang="ko-KR" altLang="en-US" dirty="0"/>
               <a:t>고객과 노동자 사이의 </a:t>
             </a:r>
             <a:r>
@@ -21458,16 +21541,15 @@
               <a:rPr lang="en-US" altLang="ko-KR" dirty="0"/>
               <a:t>. </a:t>
             </a:r>
-            <a:endParaRPr lang="en-US" altLang="ko-KR" dirty="0" smtClean="0"/>
           </a:p>
           <a:p>
             <a:pPr fontAlgn="base"/>
             <a:r>
-              <a:rPr lang="ko-KR" altLang="en-US" dirty="0" err="1" smtClean="0"/>
+              <a:rPr lang="ko-KR" altLang="en-US" dirty="0" err="1"/>
               <a:t>페이스북이나</a:t>
             </a:r>
             <a:r>
-              <a:rPr lang="ko-KR" altLang="en-US" dirty="0" smtClean="0"/>
+              <a:rPr lang="ko-KR" altLang="en-US" dirty="0"/>
               <a:t> </a:t>
             </a:r>
             <a:r>
@@ -21498,17 +21580,12 @@
               <a:rPr lang="en-US" altLang="ko-KR" dirty="0"/>
               <a:t>. </a:t>
             </a:r>
-            <a:endParaRPr lang="en-US" altLang="ko-KR" dirty="0" smtClean="0"/>
           </a:p>
           <a:p>
             <a:pPr fontAlgn="base"/>
             <a:r>
-              <a:rPr lang="ko-KR" altLang="en-US" dirty="0" smtClean="0"/>
-              <a:t>플랫폼 </a:t>
-            </a:r>
-            <a:r>
-              <a:rPr lang="ko-KR" altLang="en-US" dirty="0"/>
-              <a:t>사업자는 매개자의 역할 속에 책임을 회피하는 경향이 있다</a:t>
+              <a:rPr lang="ko-KR" altLang="en-US" dirty="0"/>
+              <a:t>플랫폼 사업자는 매개자의 역할 속에 책임을 회피하는 경향이 있다</a:t>
             </a:r>
             <a:r>
               <a:rPr lang="en-US" altLang="ko-KR" dirty="0"/>
@@ -21545,10 +21622,9 @@
           <a:lstStyle/>
           <a:p>
             <a:r>
-              <a:rPr lang="ko-KR" altLang="en-US" dirty="0" smtClean="0"/>
+              <a:rPr lang="ko-KR" altLang="en-US" dirty="0"/>
               <a:t>플랫폼 중개자</a:t>
             </a:r>
-            <a:endParaRPr lang="ko-KR" altLang="en-US" dirty="0"/>
           </a:p>
         </p:txBody>
       </p:sp>
@@ -21562,13 +21638,6 @@
   <p:clrMapOvr>
     <a:masterClrMapping/>
   </p:clrMapOvr>
-  <p:timing>
-    <p:tnLst>
-      <p:par>
-        <p:cTn id="1" dur="indefinite" restart="never" nodeType="tmRoot"/>
-      </p:par>
-    </p:tnLst>
-  </p:timing>
 </p:sld>
 </file>
 
@@ -21608,35 +21677,27 @@
           <a:p>
             <a:pPr fontAlgn="base"/>
             <a:r>
-              <a:rPr lang="ko-KR" altLang="en-US" dirty="0" smtClean="0"/>
+              <a:rPr lang="ko-KR" altLang="en-US" dirty="0"/>
               <a:t>사람들의 자발적인 참여가 중요하다</a:t>
             </a:r>
             <a:r>
-              <a:rPr lang="en-US" altLang="ko-KR" dirty="0" smtClean="0"/>
+              <a:rPr lang="en-US" altLang="ko-KR" dirty="0"/>
               <a:t>. </a:t>
             </a:r>
             <a:r>
-              <a:rPr lang="ko-KR" altLang="en-US" dirty="0" smtClean="0"/>
+              <a:rPr lang="ko-KR" altLang="en-US" dirty="0"/>
               <a:t>그러나 더 중요한 것은 데이터로 전환된 자발적인 참여이다</a:t>
             </a:r>
             <a:r>
-              <a:rPr lang="en-US" altLang="ko-KR" dirty="0" smtClean="0"/>
+              <a:rPr lang="en-US" altLang="ko-KR" dirty="0"/>
               <a:t>. </a:t>
             </a:r>
           </a:p>
           <a:p>
             <a:pPr fontAlgn="base"/>
             <a:r>
-              <a:rPr lang="ko-KR" altLang="en-US" dirty="0" smtClean="0"/>
-              <a:t>플랫폼은 </a:t>
-            </a:r>
-            <a:r>
-              <a:rPr lang="ko-KR" altLang="en-US" dirty="0"/>
-              <a:t>인간의 살아 있는 노동과 활동을 데이터로 치환하고 그 데이터를 되살려 가치를 </a:t>
-            </a:r>
-            <a:r>
-              <a:rPr lang="ko-KR" altLang="en-US" dirty="0" smtClean="0"/>
-              <a:t>추출한다</a:t>
+              <a:rPr lang="ko-KR" altLang="en-US" dirty="0"/>
+              <a:t>플랫폼은 인간의 살아 있는 노동과 활동을 데이터로 치환하고 그 데이터를 되살려 가치를 추출한다</a:t>
             </a:r>
             <a:r>
               <a:rPr lang="en-US" altLang="ko-KR" dirty="0"/>
@@ -21647,20 +21708,8 @@
           <a:p>
             <a:pPr fontAlgn="base"/>
             <a:r>
-              <a:rPr lang="ko-KR" altLang="en-US" dirty="0" smtClean="0"/>
-              <a:t>다양한 </a:t>
-            </a:r>
-            <a:r>
-              <a:rPr lang="ko-KR" altLang="en-US" dirty="0"/>
-              <a:t>종류의 사용자 데이터를 수확하여 </a:t>
-            </a:r>
-            <a:r>
-              <a:rPr lang="ko-KR" altLang="en-US" dirty="0" smtClean="0"/>
-              <a:t>연관 </a:t>
-            </a:r>
-            <a:r>
-              <a:rPr lang="ko-KR" altLang="en-US" dirty="0"/>
-              <a:t>패턴을 추출함으로써 추상적 혹은 인구학적 지식에 접근하거나</a:t>
+              <a:rPr lang="ko-KR" altLang="en-US" dirty="0"/>
+              <a:t>다양한 종류의 사용자 데이터를 수확하여 연관 패턴을 추출함으로써 추상적 혹은 인구학적 지식에 접근하거나</a:t>
             </a:r>
             <a:r>
               <a:rPr lang="en-US" altLang="ko-KR" dirty="0"/>
@@ -21668,41 +21717,28 @@
             </a:r>
             <a:r>
               <a:rPr lang="ko-KR" altLang="en-US" dirty="0"/>
-              <a:t>개체화된 데이터를 </a:t>
-            </a:r>
-            <a:r>
-              <a:rPr lang="ko-KR" altLang="en-US" dirty="0" smtClean="0"/>
-              <a:t>축적한다</a:t>
-            </a:r>
-            <a:r>
-              <a:rPr lang="en-US" altLang="ko-KR" dirty="0" smtClean="0"/>
+              <a:t>개체화된 데이터를 축적한다</a:t>
+            </a:r>
+            <a:r>
+              <a:rPr lang="en-US" altLang="ko-KR" dirty="0"/>
               <a:t>.</a:t>
             </a:r>
           </a:p>
           <a:p>
             <a:pPr fontAlgn="base"/>
             <a:r>
-              <a:rPr lang="ko-KR" altLang="en-US" dirty="0" smtClean="0"/>
-              <a:t>매스마케팅의 도구로 혹은 </a:t>
-            </a:r>
-            <a:r>
-              <a:rPr lang="ko-KR" altLang="en-US" dirty="0"/>
-              <a:t>맞춤형 </a:t>
-            </a:r>
-            <a:r>
-              <a:rPr lang="ko-KR" altLang="en-US" dirty="0" smtClean="0"/>
-              <a:t>서비스의 도구로 이용된다</a:t>
+              <a:rPr lang="ko-KR" altLang="en-US" dirty="0"/>
+              <a:t>매스마케팅의 도구로 혹은 맞춤형 서비스의 도구로 이용된다</a:t>
             </a:r>
             <a:r>
               <a:rPr lang="en-US" altLang="ko-KR" dirty="0"/>
               <a:t>. </a:t>
             </a:r>
-            <a:endParaRPr lang="en-US" altLang="ko-KR" dirty="0" smtClean="0"/>
           </a:p>
           <a:p>
             <a:pPr fontAlgn="base"/>
             <a:r>
-              <a:rPr lang="ko-KR" altLang="en-US" dirty="0" smtClean="0"/>
+              <a:rPr lang="ko-KR" altLang="en-US" dirty="0"/>
               <a:t>데이터는 </a:t>
             </a:r>
             <a:r>
@@ -21725,51 +21761,45 @@
               <a:rPr lang="en-US" altLang="ko-KR" dirty="0"/>
               <a:t>, </a:t>
             </a:r>
-            <a:endParaRPr lang="en-US" altLang="ko-KR" dirty="0" smtClean="0"/>
           </a:p>
           <a:p>
             <a:pPr fontAlgn="base"/>
             <a:r>
-              <a:rPr lang="ko-KR" altLang="en-US" dirty="0" smtClean="0"/>
+              <a:rPr lang="ko-KR" altLang="en-US" dirty="0"/>
               <a:t>그 해당 사용자로 되돌아가서</a:t>
             </a:r>
             <a:r>
-              <a:rPr lang="en-US" altLang="ko-KR" dirty="0" smtClean="0"/>
+              <a:rPr lang="en-US" altLang="ko-KR" dirty="0"/>
               <a:t>, </a:t>
             </a:r>
             <a:r>
-              <a:rPr lang="ko-KR" altLang="en-US" dirty="0" smtClean="0"/>
-              <a:t>맞춤형 </a:t>
-            </a:r>
-            <a:r>
-              <a:rPr lang="ko-KR" altLang="en-US" dirty="0"/>
-              <a:t>상품을 광고하는 데 쓰인다</a:t>
+              <a:rPr lang="ko-KR" altLang="en-US" dirty="0"/>
+              <a:t>맞춤형 상품을 광고하는 데 쓰인다</a:t>
             </a:r>
             <a:r>
               <a:rPr lang="en-US" altLang="ko-KR" dirty="0"/>
               <a:t>. </a:t>
             </a:r>
-            <a:endParaRPr lang="en-US" altLang="ko-KR" dirty="0" smtClean="0"/>
           </a:p>
           <a:p>
             <a:pPr fontAlgn="base"/>
             <a:r>
-              <a:rPr lang="ko-KR" altLang="en-US" dirty="0" smtClean="0"/>
+              <a:rPr lang="ko-KR" altLang="en-US" dirty="0"/>
               <a:t>인간의 활동이 데이터가 되고</a:t>
             </a:r>
             <a:r>
-              <a:rPr lang="en-US" altLang="ko-KR" dirty="0" smtClean="0"/>
+              <a:rPr lang="en-US" altLang="ko-KR" dirty="0"/>
               <a:t>, </a:t>
             </a:r>
             <a:r>
-              <a:rPr lang="ko-KR" altLang="en-US" dirty="0" smtClean="0"/>
+              <a:rPr lang="ko-KR" altLang="en-US" dirty="0"/>
               <a:t>다시 데이터로 돌아온다</a:t>
             </a:r>
             <a:r>
-              <a:rPr lang="en-US" altLang="ko-KR" dirty="0" smtClean="0"/>
+              <a:rPr lang="en-US" altLang="ko-KR" dirty="0"/>
               <a:t>.</a:t>
             </a:r>
-            <a:endParaRPr lang="ko-KR" altLang="en-US" dirty="0" smtClean="0"/>
+            <a:endParaRPr lang="ko-KR" altLang="en-US" dirty="0"/>
           </a:p>
           <a:p>
             <a:endParaRPr lang="ko-KR" altLang="en-US" dirty="0"/>
@@ -21792,10 +21822,9 @@
           <a:lstStyle/>
           <a:p>
             <a:r>
-              <a:rPr lang="ko-KR" altLang="en-US" dirty="0" smtClean="0"/>
+              <a:rPr lang="ko-KR" altLang="en-US" dirty="0"/>
               <a:t>인간의 데이터화</a:t>
             </a:r>
-            <a:endParaRPr lang="ko-KR" altLang="en-US" dirty="0"/>
           </a:p>
         </p:txBody>
       </p:sp>
@@ -21809,13 +21838,6 @@
   <p:clrMapOvr>
     <a:masterClrMapping/>
   </p:clrMapOvr>
-  <p:timing>
-    <p:tnLst>
-      <p:par>
-        <p:cTn id="1" dur="indefinite" restart="never" nodeType="tmRoot"/>
-      </p:par>
-    </p:tnLst>
-  </p:timing>
 </p:sld>
 </file>
 
@@ -21886,44 +21908,27 @@
               <a:rPr lang="en-US" altLang="ko-KR" dirty="0"/>
               <a:t>. </a:t>
             </a:r>
-            <a:endParaRPr lang="en-US" altLang="ko-KR" dirty="0" smtClean="0"/>
           </a:p>
           <a:p>
             <a:pPr fontAlgn="base"/>
             <a:r>
-              <a:rPr lang="ko-KR" altLang="en-US" dirty="0" smtClean="0"/>
-              <a:t>흔히 </a:t>
-            </a:r>
-            <a:r>
-              <a:rPr lang="ko-KR" altLang="en-US" dirty="0"/>
-              <a:t>무의식적으로 경험되며 일정한 형태를 지니거나 뚜렷하게 표현되지 않는다</a:t>
-            </a:r>
-            <a:r>
-              <a:rPr lang="en-US" altLang="ko-KR" dirty="0" smtClean="0"/>
+              <a:rPr lang="ko-KR" altLang="en-US" dirty="0"/>
+              <a:t>흔히 무의식적으로 경험되며 일정한 형태를 지니거나 뚜렷하게 표현되지 않는다</a:t>
+            </a:r>
+            <a:r>
+              <a:rPr lang="en-US" altLang="ko-KR" dirty="0"/>
               <a:t>.</a:t>
             </a:r>
           </a:p>
           <a:p>
             <a:pPr fontAlgn="base"/>
             <a:r>
-              <a:rPr lang="en-US" altLang="ko-KR" dirty="0" smtClean="0"/>
+              <a:rPr lang="en-US" altLang="ko-KR" dirty="0"/>
               <a:t> </a:t>
             </a:r>
             <a:r>
-              <a:rPr lang="ko-KR" altLang="en-US" dirty="0" smtClean="0"/>
-              <a:t>현대 </a:t>
-            </a:r>
-            <a:r>
-              <a:rPr lang="ko-KR" altLang="en-US" dirty="0"/>
-              <a:t>자본주의는 정동을 </a:t>
-            </a:r>
-            <a:r>
-              <a:rPr lang="ko-KR" altLang="en-US" dirty="0" smtClean="0"/>
-              <a:t>조정하고 </a:t>
-            </a:r>
-            <a:r>
-              <a:rPr lang="ko-KR" altLang="en-US" dirty="0"/>
-              <a:t>조종하여 상품이나 브랜드에 대한 소비자의 관심</a:t>
+              <a:rPr lang="ko-KR" altLang="en-US" dirty="0"/>
+              <a:t>현대 자본주의는 정동을 조정하고 조종하여 상품이나 브랜드에 대한 소비자의 관심</a:t>
             </a:r>
             <a:r>
               <a:rPr lang="en-US" altLang="ko-KR" dirty="0"/>
@@ -21946,75 +21951,49 @@
               <a:t>, </a:t>
             </a:r>
             <a:r>
-              <a:rPr lang="ko-KR" altLang="en-US" dirty="0" smtClean="0"/>
+              <a:rPr lang="ko-KR" altLang="en-US" dirty="0"/>
               <a:t>평판을 형성하고자 한다</a:t>
             </a:r>
             <a:r>
-              <a:rPr lang="en-US" altLang="ko-KR" dirty="0" smtClean="0"/>
+              <a:rPr lang="en-US" altLang="ko-KR" dirty="0"/>
               <a:t>. </a:t>
             </a:r>
           </a:p>
           <a:p>
             <a:pPr fontAlgn="base"/>
             <a:r>
-              <a:rPr lang="ko-KR" altLang="en-US" dirty="0" smtClean="0"/>
-              <a:t>그들의 </a:t>
-            </a:r>
-            <a:r>
-              <a:rPr lang="ko-KR" altLang="en-US" dirty="0"/>
-              <a:t>지배적 정서나 감정의 파동을 실시간으로 탐색하고</a:t>
+              <a:rPr lang="ko-KR" altLang="en-US" dirty="0"/>
+              <a:t>그들의 지배적 정서나 감정의 파동을 실시간으로 탐색하고</a:t>
             </a:r>
             <a:r>
               <a:rPr lang="en-US" altLang="ko-KR" dirty="0"/>
               <a:t>, </a:t>
             </a:r>
             <a:r>
-              <a:rPr lang="ko-KR" altLang="en-US" dirty="0" smtClean="0"/>
-              <a:t>활용하는 </a:t>
-            </a:r>
-            <a:r>
-              <a:rPr lang="ko-KR" altLang="en-US" dirty="0"/>
-              <a:t>것에 집중한다</a:t>
+              <a:rPr lang="ko-KR" altLang="en-US" dirty="0"/>
+              <a:t>활용하는 것에 집중한다</a:t>
             </a:r>
             <a:r>
               <a:rPr lang="en-US" altLang="ko-KR" dirty="0"/>
               <a:t>. </a:t>
             </a:r>
-            <a:endParaRPr lang="en-US" altLang="ko-KR" dirty="0" smtClean="0"/>
           </a:p>
           <a:p>
             <a:pPr fontAlgn="base"/>
             <a:r>
-              <a:rPr lang="ko-KR" altLang="en-US" dirty="0" smtClean="0"/>
-              <a:t>소비자들의 </a:t>
-            </a:r>
-            <a:r>
-              <a:rPr lang="ko-KR" altLang="en-US" dirty="0"/>
-              <a:t>정동 데이터를 수집하고 분석하기 위한 중요한 플랫폼이 되고 있는 온라인 네트워크들</a:t>
+              <a:rPr lang="ko-KR" altLang="en-US" dirty="0"/>
+              <a:t>소비자들의 정동 데이터를 수집하고 분석하기 위한 중요한 플랫폼이 되고 있는 온라인 네트워크들</a:t>
             </a:r>
             <a:r>
               <a:rPr lang="en-US" altLang="ko-KR" dirty="0"/>
               <a:t>. </a:t>
             </a:r>
-            <a:endParaRPr lang="en-US" altLang="ko-KR" dirty="0" smtClean="0"/>
           </a:p>
           <a:p>
             <a:pPr fontAlgn="base"/>
             <a:r>
-              <a:rPr lang="ko-KR" altLang="en-US" dirty="0" smtClean="0"/>
-              <a:t>사람들의 </a:t>
-            </a:r>
-            <a:r>
-              <a:rPr lang="ko-KR" altLang="en-US" dirty="0"/>
-              <a:t>감정이 더 많이 </a:t>
-            </a:r>
-            <a:r>
-              <a:rPr lang="ko-KR" altLang="en-US" dirty="0" smtClean="0"/>
-              <a:t>표출되고 </a:t>
-            </a:r>
-            <a:r>
-              <a:rPr lang="ko-KR" altLang="en-US" dirty="0"/>
-              <a:t>순환될수록</a:t>
+              <a:rPr lang="ko-KR" altLang="en-US" dirty="0"/>
+              <a:t>사람들의 감정이 더 많이 표출되고 순환될수록</a:t>
             </a:r>
             <a:r>
               <a:rPr lang="en-US" altLang="ko-KR" dirty="0"/>
@@ -22022,14 +22001,10 @@
             </a:r>
             <a:r>
               <a:rPr lang="ko-KR" altLang="en-US" dirty="0"/>
-              <a:t>행동이 더 많이 추적되고 </a:t>
-            </a:r>
-            <a:r>
-              <a:rPr lang="ko-KR" altLang="en-US" dirty="0" smtClean="0"/>
-              <a:t>모아질수록</a:t>
-            </a:r>
-            <a:r>
-              <a:rPr lang="en-US" altLang="ko-KR" dirty="0" smtClean="0"/>
+              <a:t>행동이 더 많이 추적되고 모아질수록</a:t>
+            </a:r>
+            <a:r>
+              <a:rPr lang="en-US" altLang="ko-KR" dirty="0"/>
               <a:t>~~</a:t>
             </a:r>
             <a:endParaRPr lang="ko-KR" altLang="en-US" dirty="0"/>
@@ -22052,10 +22027,9 @@
           <a:lstStyle/>
           <a:p>
             <a:r>
-              <a:rPr lang="ko-KR" altLang="en-US" dirty="0" smtClean="0"/>
+              <a:rPr lang="ko-KR" altLang="en-US" dirty="0"/>
               <a:t>정동경제</a:t>
             </a:r>
-            <a:endParaRPr lang="ko-KR" altLang="en-US" dirty="0"/>
           </a:p>
         </p:txBody>
       </p:sp>
@@ -22069,13 +22043,6 @@
   <p:clrMapOvr>
     <a:masterClrMapping/>
   </p:clrMapOvr>
-  <p:timing>
-    <p:tnLst>
-      <p:par>
-        <p:cTn id="1" dur="indefinite" restart="never" nodeType="tmRoot"/>
-      </p:par>
-    </p:tnLst>
-  </p:timing>
 </p:sld>
 </file>
 
@@ -22112,14 +22079,14 @@
           <a:lstStyle/>
           <a:p>
             <a:r>
-              <a:rPr lang="ko-KR" altLang="en-US" dirty="0" smtClean="0"/>
+              <a:rPr lang="ko-KR" altLang="en-US" dirty="0"/>
               <a:t>삶</a:t>
             </a:r>
             <a:r>
-              <a:rPr lang="en-US" altLang="ko-KR" dirty="0" smtClean="0"/>
+              <a:rPr lang="en-US" altLang="ko-KR" dirty="0"/>
               <a:t>……!?</a:t>
             </a:r>
-            <a:endParaRPr lang="ko-KR" altLang="en-US" dirty="0" smtClean="0"/>
+            <a:endParaRPr lang="ko-KR" altLang="en-US" dirty="0"/>
           </a:p>
         </p:txBody>
       </p:sp>
@@ -22144,66 +22111,66 @@
           <a:lstStyle/>
           <a:p>
             <a:r>
-              <a:rPr lang="en-US" altLang="ko-KR" dirty="0" smtClean="0"/>
+              <a:rPr lang="en-US" altLang="ko-KR" dirty="0"/>
               <a:t>                       </a:t>
             </a:r>
           </a:p>
           <a:p>
             <a:r>
-              <a:rPr lang="en-US" altLang="ko-KR" dirty="0" smtClean="0"/>
+              <a:rPr lang="en-US" altLang="ko-KR" dirty="0"/>
               <a:t>    </a:t>
             </a:r>
             <a:r>
-              <a:rPr lang="ko-KR" altLang="en-US" dirty="0" smtClean="0"/>
+              <a:rPr lang="ko-KR" altLang="en-US" dirty="0"/>
               <a:t>가정                                                       일터</a:t>
             </a:r>
-            <a:endParaRPr lang="en-US" altLang="ko-KR" dirty="0" smtClean="0"/>
-          </a:p>
-          <a:p>
-            <a:r>
-              <a:rPr lang="ko-KR" altLang="en-US" dirty="0" smtClean="0"/>
+            <a:endParaRPr lang="en-US" altLang="ko-KR" dirty="0"/>
+          </a:p>
+          <a:p>
+            <a:r>
+              <a:rPr lang="ko-KR" altLang="en-US" dirty="0"/>
               <a:t>    여가                  출근                            노동시간</a:t>
             </a:r>
-            <a:endParaRPr lang="en-US" altLang="ko-KR" dirty="0" smtClean="0"/>
-          </a:p>
-          <a:p>
-            <a:r>
-              <a:rPr lang="ko-KR" altLang="en-US" dirty="0" smtClean="0"/>
+            <a:endParaRPr lang="en-US" altLang="ko-KR" dirty="0"/>
+          </a:p>
+          <a:p>
+            <a:r>
+              <a:rPr lang="ko-KR" altLang="en-US" dirty="0"/>
               <a:t>    상품소비                                              상품생산</a:t>
             </a:r>
-            <a:endParaRPr lang="en-US" altLang="ko-KR" dirty="0" smtClean="0"/>
-          </a:p>
-          <a:p>
-            <a:r>
-              <a:rPr lang="ko-KR" altLang="en-US" dirty="0" smtClean="0"/>
+            <a:endParaRPr lang="en-US" altLang="ko-KR" dirty="0"/>
+          </a:p>
+          <a:p>
+            <a:r>
+              <a:rPr lang="ko-KR" altLang="en-US" dirty="0"/>
               <a:t>    문화활동                       퇴근              생산활동</a:t>
             </a:r>
-            <a:endParaRPr lang="en-US" altLang="ko-KR" dirty="0" smtClean="0"/>
-          </a:p>
-          <a:p>
-            <a:r>
-              <a:rPr lang="en-US" altLang="ko-KR" dirty="0" smtClean="0"/>
+            <a:endParaRPr lang="en-US" altLang="ko-KR" dirty="0"/>
+          </a:p>
+          <a:p>
+            <a:r>
+              <a:rPr lang="en-US" altLang="ko-KR" dirty="0"/>
               <a:t>    </a:t>
             </a:r>
             <a:r>
-              <a:rPr lang="ko-KR" altLang="en-US" dirty="0" smtClean="0"/>
+              <a:rPr lang="ko-KR" altLang="en-US" dirty="0"/>
               <a:t>자유                                                        부자유</a:t>
             </a:r>
-            <a:endParaRPr lang="en-US" altLang="ko-KR" dirty="0" smtClean="0"/>
-          </a:p>
-          <a:p>
-            <a:r>
-              <a:rPr lang="ko-KR" altLang="en-US" dirty="0" smtClean="0"/>
+            <a:endParaRPr lang="en-US" altLang="ko-KR" dirty="0"/>
+          </a:p>
+          <a:p>
+            <a:r>
+              <a:rPr lang="ko-KR" altLang="en-US" dirty="0"/>
               <a:t>                      </a:t>
             </a:r>
-            <a:endParaRPr lang="en-US" altLang="ko-KR" dirty="0" smtClean="0"/>
-          </a:p>
-          <a:p>
-            <a:r>
-              <a:rPr lang="en-US" altLang="ko-KR" dirty="0" smtClean="0"/>
+            <a:endParaRPr lang="en-US" altLang="ko-KR" dirty="0"/>
+          </a:p>
+          <a:p>
+            <a:r>
+              <a:rPr lang="en-US" altLang="ko-KR" dirty="0"/>
               <a:t>                       </a:t>
             </a:r>
-            <a:endParaRPr lang="ko-KR" altLang="en-US" dirty="0" smtClean="0"/>
+            <a:endParaRPr lang="ko-KR" altLang="en-US" dirty="0"/>
           </a:p>
         </p:txBody>
       </p:sp>
@@ -22413,6 +22380,93 @@
           </a:fontRef>
         </p:style>
       </p:cxnSp>
+      <p:cxnSp>
+        <p:nvCxnSpPr>
+          <p:cNvPr id="3" name="직선 화살표 연결선 2">
+            <a:extLst>
+              <a:ext uri="{FF2B5EF4-FFF2-40B4-BE49-F238E27FC236}">
+                <a16:creationId xmlns:a16="http://schemas.microsoft.com/office/drawing/2014/main" id="{49749BB6-B354-49AD-891D-5765971B0A1F}"/>
+              </a:ext>
+            </a:extLst>
+          </p:cNvPr>
+          <p:cNvCxnSpPr/>
+          <p:nvPr/>
+        </p:nvCxnSpPr>
+        <p:spPr>
+          <a:xfrm flipH="1">
+            <a:off x="4139952" y="1988840"/>
+            <a:ext cx="288032" cy="504055"/>
+          </a:xfrm>
+          <a:prstGeom prst="straightConnector1">
+            <a:avLst/>
+          </a:prstGeom>
+          <a:ln>
+            <a:tailEnd type="triangle"/>
+          </a:ln>
+        </p:spPr>
+        <p:style>
+          <a:lnRef idx="1">
+            <a:schemeClr val="accent1"/>
+          </a:lnRef>
+          <a:fillRef idx="0">
+            <a:schemeClr val="accent1"/>
+          </a:fillRef>
+          <a:effectRef idx="0">
+            <a:schemeClr val="accent1"/>
+          </a:effectRef>
+          <a:fontRef idx="minor">
+            <a:schemeClr val="tx1"/>
+          </a:fontRef>
+        </p:style>
+      </p:cxnSp>
+      <p:sp>
+        <p:nvSpPr>
+          <p:cNvPr id="5" name="TextBox 4">
+            <a:extLst>
+              <a:ext uri="{FF2B5EF4-FFF2-40B4-BE49-F238E27FC236}">
+                <a16:creationId xmlns:a16="http://schemas.microsoft.com/office/drawing/2014/main" id="{EA9C85F7-DBC1-4F61-897B-03B21BE0AF16}"/>
+              </a:ext>
+            </a:extLst>
+          </p:cNvPr>
+          <p:cNvSpPr txBox="1"/>
+          <p:nvPr/>
+        </p:nvSpPr>
+        <p:spPr>
+          <a:xfrm>
+            <a:off x="4572000" y="1700808"/>
+            <a:ext cx="1296144" cy="923330"/>
+          </a:xfrm>
+          <a:prstGeom prst="rect">
+            <a:avLst/>
+          </a:prstGeom>
+          <a:noFill/>
+        </p:spPr>
+        <p:txBody>
+          <a:bodyPr wrap="square" rtlCol="0">
+            <a:spAutoFit/>
+          </a:bodyPr>
+          <a:lstStyle/>
+          <a:p>
+            <a:r>
+              <a:rPr lang="ko-KR" altLang="en-US" dirty="0"/>
+              <a:t>너와 나의 상품 고리</a:t>
+            </a:r>
+            <a:r>
+              <a:rPr lang="en-US" altLang="ko-KR" dirty="0"/>
+              <a:t>(</a:t>
+            </a:r>
+            <a:r>
+              <a:rPr lang="ko-KR" altLang="en-US" dirty="0" err="1"/>
+              <a:t>화페</a:t>
+            </a:r>
+            <a:r>
+              <a:rPr lang="en-US" altLang="ko-KR" dirty="0"/>
+              <a:t>)</a:t>
+            </a:r>
+            <a:endParaRPr lang="ko-KR" altLang="en-US" dirty="0"/>
+          </a:p>
+        </p:txBody>
+      </p:sp>
     </p:spTree>
     <p:extLst>
       <p:ext uri="{BB962C8B-B14F-4D97-AF65-F5344CB8AC3E}">
@@ -22423,13 +22477,6 @@
   <p:clrMapOvr>
     <a:masterClrMapping/>
   </p:clrMapOvr>
-  <p:timing>
-    <p:tnLst>
-      <p:par>
-        <p:cTn id="1" dur="indefinite" restart="never" nodeType="tmRoot"/>
-      </p:par>
-    </p:tnLst>
-  </p:timing>
 </p:sld>
 </file>
 
@@ -22469,16 +22516,12 @@
           <a:p>
             <a:pPr fontAlgn="base"/>
             <a:r>
-              <a:rPr lang="ko-KR" altLang="en-US" dirty="0" err="1" smtClean="0"/>
+              <a:rPr lang="ko-KR" altLang="en-US" dirty="0" err="1"/>
               <a:t>페이스북의</a:t>
             </a:r>
             <a:r>
-              <a:rPr lang="ko-KR" altLang="en-US" dirty="0" smtClean="0"/>
-              <a:t> </a:t>
-            </a:r>
-            <a:r>
-              <a:rPr lang="ko-KR" altLang="en-US" dirty="0"/>
-              <a:t>좋아요</a:t>
+              <a:rPr lang="ko-KR" altLang="en-US" dirty="0"/>
+              <a:t> 좋아요</a:t>
             </a:r>
             <a:r>
               <a:rPr lang="en-US" altLang="ko-KR" dirty="0"/>
@@ -22506,31 +22549,18 @@
             </a:r>
             <a:r>
               <a:rPr lang="ko-KR" altLang="en-US" dirty="0"/>
-              <a:t> 페이지랭크 </a:t>
-            </a:r>
-            <a:r>
-              <a:rPr lang="ko-KR" altLang="en-US" dirty="0" smtClean="0"/>
-              <a:t>등은 </a:t>
-            </a:r>
-            <a:r>
-              <a:rPr lang="ko-KR" altLang="en-US" dirty="0"/>
-              <a:t>정동의 가시화 기법이다</a:t>
+              <a:t> 페이지랭크 등은 정동의 가시화 기법이다</a:t>
             </a:r>
             <a:r>
               <a:rPr lang="en-US" altLang="ko-KR" dirty="0"/>
               <a:t>. </a:t>
             </a:r>
-            <a:endParaRPr lang="en-US" altLang="ko-KR" dirty="0" smtClean="0"/>
           </a:p>
           <a:p>
             <a:pPr fontAlgn="base"/>
             <a:r>
-              <a:rPr lang="ko-KR" altLang="en-US" dirty="0" smtClean="0"/>
-              <a:t>페이지랭크에서 </a:t>
-            </a:r>
-            <a:r>
-              <a:rPr lang="ko-KR" altLang="en-US" dirty="0"/>
-              <a:t>개별 </a:t>
+              <a:rPr lang="ko-KR" altLang="en-US" dirty="0"/>
+              <a:t>페이지랭크에서 개별 </a:t>
             </a:r>
             <a:r>
               <a:rPr lang="ko-KR" altLang="en-US" dirty="0" err="1"/>
@@ -22553,18 +22583,13 @@
               <a:t>. </a:t>
             </a:r>
             <a:r>
-              <a:rPr lang="ko-KR" altLang="en-US" dirty="0" smtClean="0"/>
-              <a:t> </a:t>
-            </a:r>
-            <a:r>
-              <a:rPr lang="ko-KR" altLang="en-US" dirty="0"/>
-              <a:t>랭킹에 따라 검색결과를 위계적 순서로 제시한다</a:t>
+              <a:rPr lang="ko-KR" altLang="en-US" dirty="0"/>
+              <a:t> 랭킹에 따라 검색결과를 위계적 순서로 제시한다</a:t>
             </a:r>
             <a:r>
               <a:rPr lang="en-US" altLang="ko-KR" dirty="0"/>
               <a:t>. </a:t>
             </a:r>
-            <a:endParaRPr lang="en-US" altLang="ko-KR" dirty="0" smtClean="0"/>
           </a:p>
           <a:p>
             <a:pPr fontAlgn="base"/>
@@ -22604,62 +22629,54 @@
               <a:rPr lang="ko-KR" altLang="en-US" dirty="0"/>
               <a:t>어떤 광고를 클릭했는지 등과 같은 </a:t>
             </a:r>
-            <a:endParaRPr lang="en-US" altLang="ko-KR" dirty="0" smtClean="0"/>
+            <a:endParaRPr lang="en-US" altLang="ko-KR" dirty="0"/>
           </a:p>
           <a:p>
             <a:pPr fontAlgn="base"/>
             <a:r>
-              <a:rPr lang="ko-KR" altLang="en-US" dirty="0" smtClean="0"/>
-              <a:t>정동노동의 </a:t>
-            </a:r>
-            <a:r>
-              <a:rPr lang="ko-KR" altLang="en-US" dirty="0"/>
-              <a:t>산물을 </a:t>
-            </a:r>
-            <a:endParaRPr lang="en-US" altLang="ko-KR" dirty="0" smtClean="0"/>
+              <a:rPr lang="ko-KR" altLang="en-US" dirty="0"/>
+              <a:t>정동노동의 산물을 </a:t>
+            </a:r>
+            <a:endParaRPr lang="en-US" altLang="ko-KR" dirty="0"/>
           </a:p>
           <a:p>
             <a:pPr fontAlgn="base"/>
             <a:r>
-              <a:rPr lang="ko-KR" altLang="en-US" dirty="0" smtClean="0"/>
-              <a:t>수집하고 </a:t>
-            </a:r>
-            <a:r>
-              <a:rPr lang="ko-KR" altLang="en-US" dirty="0"/>
-              <a:t>저장하는 것이 정동경제의 핵심요소가 된다</a:t>
-            </a:r>
-            <a:r>
-              <a:rPr lang="en-US" altLang="ko-KR" dirty="0" smtClean="0"/>
+              <a:rPr lang="ko-KR" altLang="en-US" dirty="0"/>
+              <a:t>수집하고 저장하는 것이 정동경제의 핵심요소가 된다</a:t>
+            </a:r>
+            <a:r>
+              <a:rPr lang="en-US" altLang="ko-KR" dirty="0"/>
               <a:t>.</a:t>
             </a:r>
           </a:p>
           <a:p>
             <a:pPr fontAlgn="base"/>
             <a:r>
-              <a:rPr lang="ko-KR" altLang="en-US" dirty="0" smtClean="0"/>
+              <a:rPr lang="ko-KR" altLang="en-US" dirty="0"/>
               <a:t>그리고</a:t>
             </a:r>
             <a:r>
-              <a:rPr lang="en-US" altLang="ko-KR" dirty="0" smtClean="0"/>
+              <a:rPr lang="en-US" altLang="ko-KR" dirty="0"/>
               <a:t>~~</a:t>
             </a:r>
           </a:p>
           <a:p>
             <a:pPr fontAlgn="base"/>
             <a:r>
-              <a:rPr lang="ko-KR" altLang="en-US" dirty="0" smtClean="0"/>
+              <a:rPr lang="ko-KR" altLang="en-US" dirty="0"/>
               <a:t>정동경제에서는 어떤 말과 생각이 네트워크에서 널리 </a:t>
             </a:r>
             <a:r>
-              <a:rPr lang="ko-KR" altLang="en-US" dirty="0" err="1" smtClean="0"/>
+              <a:rPr lang="ko-KR" altLang="en-US" dirty="0" err="1"/>
               <a:t>흘러다니게</a:t>
             </a:r>
             <a:r>
-              <a:rPr lang="ko-KR" altLang="en-US" dirty="0" smtClean="0"/>
+              <a:rPr lang="ko-KR" altLang="en-US" dirty="0"/>
               <a:t> 하거나 혹은 반대로 회자되지 않도록 관리하는 것이 중요하다</a:t>
             </a:r>
             <a:r>
-              <a:rPr lang="en-US" altLang="ko-KR" dirty="0" smtClean="0"/>
+              <a:rPr lang="en-US" altLang="ko-KR" dirty="0"/>
               <a:t>.</a:t>
             </a:r>
           </a:p>
@@ -22691,10 +22708,9 @@
           <a:lstStyle/>
           <a:p>
             <a:r>
-              <a:rPr lang="ko-KR" altLang="en-US" dirty="0" smtClean="0"/>
+              <a:rPr lang="ko-KR" altLang="en-US" dirty="0"/>
               <a:t>정동노동</a:t>
             </a:r>
-            <a:endParaRPr lang="ko-KR" altLang="en-US" dirty="0"/>
           </a:p>
         </p:txBody>
       </p:sp>
@@ -22708,13 +22724,6 @@
   <p:clrMapOvr>
     <a:masterClrMapping/>
   </p:clrMapOvr>
-  <p:timing>
-    <p:tnLst>
-      <p:par>
-        <p:cTn id="1" dur="indefinite" restart="never" nodeType="tmRoot"/>
-      </p:par>
-    </p:tnLst>
-  </p:timing>
 </p:sld>
 </file>
 
@@ -22754,11 +22763,11 @@
           <a:p>
             <a:pPr fontAlgn="base"/>
             <a:r>
-              <a:rPr lang="ko-KR" altLang="en-US" dirty="0" smtClean="0"/>
+              <a:rPr lang="ko-KR" altLang="en-US" dirty="0"/>
               <a:t>사용자제공 데이터</a:t>
             </a:r>
             <a:r>
-              <a:rPr lang="en-US" altLang="ko-KR" dirty="0" smtClean="0"/>
+              <a:rPr lang="en-US" altLang="ko-KR" dirty="0"/>
               <a:t>: </a:t>
             </a:r>
             <a:r>
@@ -22804,16 +22813,16 @@
           </a:p>
           <a:p>
             <a:pPr fontAlgn="base"/>
-            <a:endParaRPr lang="en-US" altLang="ko-KR" dirty="0" smtClean="0"/>
+            <a:endParaRPr lang="en-US" altLang="ko-KR" dirty="0"/>
           </a:p>
           <a:p>
             <a:pPr fontAlgn="base"/>
             <a:r>
-              <a:rPr lang="ko-KR" altLang="en-US" dirty="0" smtClean="0"/>
+              <a:rPr lang="ko-KR" altLang="en-US" dirty="0"/>
               <a:t>사용자이용 데이터</a:t>
             </a:r>
             <a:r>
-              <a:rPr lang="en-US" altLang="ko-KR" dirty="0" smtClean="0"/>
+              <a:rPr lang="en-US" altLang="ko-KR" dirty="0"/>
               <a:t>:</a:t>
             </a:r>
             <a:endParaRPr lang="ko-KR" altLang="en-US" dirty="0"/>
@@ -23084,7 +23093,7 @@
               <a:t>쿠키와 </a:t>
             </a:r>
             <a:r>
-              <a:rPr lang="ko-KR" altLang="en-US" dirty="0" err="1" smtClean="0"/>
+              <a:rPr lang="ko-KR" altLang="en-US" dirty="0" err="1"/>
               <a:t>익명식별자</a:t>
             </a:r>
             <a:r>
@@ -23092,10 +23101,9 @@
               <a:t> </a:t>
             </a:r>
             <a:r>
-              <a:rPr lang="ko-KR" altLang="en-US" dirty="0" smtClean="0"/>
+              <a:rPr lang="ko-KR" altLang="en-US" dirty="0"/>
               <a:t>등</a:t>
             </a:r>
-            <a:endParaRPr lang="ko-KR" altLang="en-US" dirty="0"/>
           </a:p>
           <a:p>
             <a:endParaRPr lang="ko-KR" altLang="en-US" dirty="0"/>
@@ -23125,13 +23133,8 @@
             </a:r>
             <a:r>
               <a:rPr lang="ko-KR" altLang="en-US" dirty="0"/>
-              <a:t> 수집하는 사용자 </a:t>
-            </a:r>
-            <a:r>
-              <a:rPr lang="ko-KR" altLang="en-US" dirty="0" smtClean="0"/>
-              <a:t>데이터</a:t>
-            </a:r>
-            <a:endParaRPr lang="ko-KR" altLang="en-US" dirty="0"/>
+              <a:t> 수집하는 사용자 데이터</a:t>
+            </a:r>
           </a:p>
         </p:txBody>
       </p:sp>
@@ -23145,13 +23148,6 @@
   <p:clrMapOvr>
     <a:masterClrMapping/>
   </p:clrMapOvr>
-  <p:timing>
-    <p:tnLst>
-      <p:par>
-        <p:cTn id="1" dur="indefinite" restart="never" nodeType="tmRoot"/>
-      </p:par>
-    </p:tnLst>
-  </p:timing>
 </p:sld>
 </file>
 
@@ -23205,16 +23201,11 @@
               <a:rPr lang="en-US" altLang="ko-KR" dirty="0"/>
               <a:t>. </a:t>
             </a:r>
-            <a:endParaRPr lang="en-US" altLang="ko-KR" dirty="0" smtClean="0"/>
-          </a:p>
-          <a:p>
-            <a:r>
-              <a:rPr lang="ko-KR" altLang="en-US" dirty="0" smtClean="0"/>
-              <a:t>사용자들의 </a:t>
-            </a:r>
-            <a:r>
-              <a:rPr lang="ko-KR" altLang="en-US" dirty="0"/>
-              <a:t>행동패턴을 파악할 수 있고</a:t>
+          </a:p>
+          <a:p>
+            <a:r>
+              <a:rPr lang="ko-KR" altLang="en-US" dirty="0"/>
+              <a:t>사용자들의 행동패턴을 파악할 수 있고</a:t>
             </a:r>
             <a:r>
               <a:rPr lang="en-US" altLang="ko-KR" dirty="0"/>
@@ -23228,7 +23219,6 @@
               <a:rPr lang="en-US" altLang="ko-KR" dirty="0"/>
               <a:t>. </a:t>
             </a:r>
-            <a:endParaRPr lang="en-US" altLang="ko-KR" dirty="0" smtClean="0"/>
           </a:p>
           <a:p>
             <a:r>
@@ -23239,16 +23229,11 @@
               <a:rPr lang="en-US" altLang="ko-KR" dirty="0"/>
               <a:t>. </a:t>
             </a:r>
-            <a:endParaRPr lang="en-US" altLang="ko-KR" dirty="0" smtClean="0"/>
-          </a:p>
-          <a:p>
-            <a:r>
-              <a:rPr lang="ko-KR" altLang="en-US" dirty="0" smtClean="0"/>
-              <a:t>이용자의 </a:t>
-            </a:r>
-            <a:r>
-              <a:rPr lang="ko-KR" altLang="en-US" dirty="0"/>
-              <a:t>관심과 정동은 광고주에게 판매하기로 되어 있는 </a:t>
+          </a:p>
+          <a:p>
+            <a:r>
+              <a:rPr lang="ko-KR" altLang="en-US" dirty="0"/>
+              <a:t>이용자의 관심과 정동은 광고주에게 판매하기로 되어 있는 </a:t>
             </a:r>
             <a:r>
               <a:rPr lang="ko-KR" altLang="en-US" dirty="0" err="1"/>
@@ -23302,13 +23287,6 @@
   <p:clrMapOvr>
     <a:masterClrMapping/>
   </p:clrMapOvr>
-  <p:timing>
-    <p:tnLst>
-      <p:par>
-        <p:cTn id="1" dur="indefinite" restart="never" nodeType="tmRoot"/>
-      </p:par>
-    </p:tnLst>
-  </p:timing>
 </p:sld>
 </file>
 
@@ -23348,7 +23326,7 @@
           <a:p>
             <a:pPr fontAlgn="base"/>
             <a:r>
-              <a:rPr lang="ko-KR" altLang="en-US" dirty="0" smtClean="0"/>
+              <a:rPr lang="ko-KR" altLang="en-US" dirty="0"/>
               <a:t>네트워크와 </a:t>
             </a:r>
             <a:r>
@@ -23357,15 +23335,7 @@
             </a:r>
             <a:r>
               <a:rPr lang="ko-KR" altLang="en-US" dirty="0"/>
-              <a:t> 정동 가치를 표현하는 각종 랭킹 알고리즘은 </a:t>
-            </a:r>
-            <a:r>
-              <a:rPr lang="ko-KR" altLang="en-US" dirty="0" smtClean="0"/>
-              <a:t>궁극적으로 </a:t>
-            </a:r>
-            <a:r>
-              <a:rPr lang="ko-KR" altLang="en-US" dirty="0"/>
-              <a:t>전세계 수십억 네트워크 이용자들의 활동 결과물</a:t>
+              <a:t> 정동 가치를 표현하는 각종 랭킹 알고리즘은 궁극적으로 전세계 수십억 네트워크 이용자들의 활동 결과물</a:t>
             </a:r>
             <a:r>
               <a:rPr lang="en-US" altLang="ko-KR" dirty="0"/>
@@ -23379,36 +23349,23 @@
               <a:rPr lang="en-US" altLang="ko-KR" dirty="0"/>
               <a:t>. </a:t>
             </a:r>
-            <a:endParaRPr lang="en-US" altLang="ko-KR" dirty="0" smtClean="0"/>
           </a:p>
           <a:p>
             <a:pPr fontAlgn="base"/>
             <a:r>
-              <a:rPr lang="ko-KR" altLang="en-US" dirty="0" smtClean="0"/>
-              <a:t>단지 </a:t>
-            </a:r>
-            <a:r>
-              <a:rPr lang="ko-KR" altLang="en-US" dirty="0"/>
-              <a:t>플랫폼을 소유하고 있다는 이유로 막대한 지대를 </a:t>
-            </a:r>
-            <a:r>
-              <a:rPr lang="ko-KR" altLang="en-US" dirty="0" smtClean="0"/>
-              <a:t>축적한다</a:t>
-            </a:r>
-            <a:r>
-              <a:rPr lang="en-US" altLang="ko-KR" dirty="0" smtClean="0"/>
+              <a:rPr lang="ko-KR" altLang="en-US" dirty="0"/>
+              <a:t>단지 플랫폼을 소유하고 있다는 이유로 막대한 지대를 축적한다</a:t>
+            </a:r>
+            <a:r>
+              <a:rPr lang="en-US" altLang="ko-KR" dirty="0"/>
               <a:t>.</a:t>
             </a:r>
           </a:p>
           <a:p>
             <a:pPr fontAlgn="base"/>
             <a:r>
-              <a:rPr lang="ko-KR" altLang="en-US" dirty="0" smtClean="0"/>
-              <a:t>이들은 </a:t>
-            </a:r>
-            <a:r>
-              <a:rPr lang="ko-KR" altLang="en-US" dirty="0"/>
-              <a:t>영화</a:t>
+              <a:rPr lang="ko-KR" altLang="en-US" dirty="0"/>
+              <a:t>이들은 영화</a:t>
             </a:r>
             <a:r>
               <a:rPr lang="en-US" altLang="ko-KR" dirty="0"/>
@@ -23432,11 +23389,7 @@
             </a:r>
             <a:r>
               <a:rPr lang="ko-KR" altLang="en-US" dirty="0"/>
-              <a:t> 소유한 </a:t>
-            </a:r>
-            <a:r>
-              <a:rPr lang="ko-KR" altLang="en-US" dirty="0" smtClean="0"/>
-              <a:t>이전의 소유자들과는 다르다</a:t>
+              <a:t> 소유한 이전의 소유자들과는 다르다</a:t>
             </a:r>
             <a:r>
               <a:rPr lang="en-US" altLang="ko-KR" dirty="0"/>
@@ -23447,12 +23400,8 @@
           <a:p>
             <a:pPr fontAlgn="base"/>
             <a:r>
-              <a:rPr lang="ko-KR" altLang="en-US" dirty="0" smtClean="0"/>
-              <a:t>수많은 </a:t>
-            </a:r>
-            <a:r>
-              <a:rPr lang="ko-KR" altLang="en-US" dirty="0"/>
-              <a:t>검색기록</a:t>
+              <a:rPr lang="ko-KR" altLang="en-US" dirty="0"/>
+              <a:t>수많은 검색기록</a:t>
             </a:r>
             <a:r>
               <a:rPr lang="en-US" altLang="ko-KR" dirty="0"/>
@@ -23474,33 +23423,23 @@
               <a:rPr lang="en-US" altLang="ko-KR" dirty="0"/>
               <a:t>. </a:t>
             </a:r>
-            <a:endParaRPr lang="en-US" altLang="ko-KR" dirty="0" smtClean="0"/>
           </a:p>
           <a:p>
             <a:pPr fontAlgn="base"/>
             <a:r>
-              <a:rPr lang="ko-KR" altLang="en-US" dirty="0" smtClean="0"/>
-              <a:t>플랫폼은 </a:t>
-            </a:r>
-            <a:r>
-              <a:rPr lang="ko-KR" altLang="en-US" dirty="0"/>
-              <a:t>자신이 생산한 것이 아닌 것을 판매한다</a:t>
+              <a:rPr lang="ko-KR" altLang="en-US" dirty="0"/>
+              <a:t>플랫폼은 자신이 생산한 것이 아닌 것을 판매한다</a:t>
             </a:r>
             <a:r>
               <a:rPr lang="en-US" altLang="ko-KR" dirty="0"/>
               <a:t>. </a:t>
             </a:r>
-            <a:endParaRPr lang="en-US" altLang="ko-KR" dirty="0" smtClean="0"/>
           </a:p>
           <a:p>
             <a:pPr fontAlgn="base"/>
             <a:r>
-              <a:rPr lang="ko-KR" altLang="en-US" dirty="0" smtClean="0"/>
-              <a:t>그것을 </a:t>
-            </a:r>
-            <a:r>
-              <a:rPr lang="ko-KR" altLang="en-US" dirty="0"/>
-              <a:t>무료로 사용하고</a:t>
+              <a:rPr lang="ko-KR" altLang="en-US" dirty="0"/>
+              <a:t>그것을 무료로 사용하고</a:t>
             </a:r>
             <a:r>
               <a:rPr lang="en-US" altLang="ko-KR" dirty="0"/>
@@ -23537,10 +23476,172 @@
           <a:lstStyle/>
           <a:p>
             <a:r>
-              <a:rPr lang="ko-KR" altLang="en-US" dirty="0" smtClean="0"/>
+              <a:rPr lang="ko-KR" altLang="en-US" dirty="0"/>
               <a:t>정동경제와 지대</a:t>
             </a:r>
+          </a:p>
+        </p:txBody>
+      </p:sp>
+      <p:cxnSp>
+        <p:nvCxnSpPr>
+          <p:cNvPr id="5" name="직선 화살표 연결선 4">
+            <a:extLst>
+              <a:ext uri="{FF2B5EF4-FFF2-40B4-BE49-F238E27FC236}">
+                <a16:creationId xmlns:a16="http://schemas.microsoft.com/office/drawing/2014/main" id="{FA5E4D89-B04F-4B3D-915E-43F6D82D5B8A}"/>
+              </a:ext>
+            </a:extLst>
+          </p:cNvPr>
+          <p:cNvCxnSpPr/>
+          <p:nvPr/>
+        </p:nvCxnSpPr>
+        <p:spPr>
+          <a:xfrm flipV="1">
+            <a:off x="1187624" y="2060848"/>
+            <a:ext cx="864096" cy="216024"/>
+          </a:xfrm>
+          <a:prstGeom prst="straightConnector1">
+            <a:avLst/>
+          </a:prstGeom>
+          <a:ln>
+            <a:tailEnd type="triangle"/>
+          </a:ln>
+        </p:spPr>
+        <p:style>
+          <a:lnRef idx="1">
+            <a:schemeClr val="accent1"/>
+          </a:lnRef>
+          <a:fillRef idx="0">
+            <a:schemeClr val="accent1"/>
+          </a:fillRef>
+          <a:effectRef idx="0">
+            <a:schemeClr val="accent1"/>
+          </a:effectRef>
+          <a:fontRef idx="minor">
+            <a:schemeClr val="tx1"/>
+          </a:fontRef>
+        </p:style>
+      </p:cxnSp>
+      <p:sp>
+        <p:nvSpPr>
+          <p:cNvPr id="6" name="TextBox 5">
+            <a:extLst>
+              <a:ext uri="{FF2B5EF4-FFF2-40B4-BE49-F238E27FC236}">
+                <a16:creationId xmlns:a16="http://schemas.microsoft.com/office/drawing/2014/main" id="{95EA3666-0370-4166-B59C-C7B3A83374AD}"/>
+              </a:ext>
+            </a:extLst>
+          </p:cNvPr>
+          <p:cNvSpPr txBox="1"/>
+          <p:nvPr/>
+        </p:nvSpPr>
+        <p:spPr>
+          <a:xfrm>
+            <a:off x="2267744" y="1772816"/>
+            <a:ext cx="1656184" cy="369332"/>
+          </a:xfrm>
+          <a:prstGeom prst="rect">
+            <a:avLst/>
+          </a:prstGeom>
+          <a:noFill/>
+        </p:spPr>
+        <p:txBody>
+          <a:bodyPr wrap="square" rtlCol="0">
+            <a:spAutoFit/>
+          </a:bodyPr>
+          <a:lstStyle/>
+          <a:p>
+            <a:r>
+              <a:rPr lang="ko-KR" altLang="en-US" dirty="0"/>
+              <a:t>빅데이터화</a:t>
+            </a:r>
+          </a:p>
+        </p:txBody>
+      </p:sp>
+      <p:sp>
+        <p:nvSpPr>
+          <p:cNvPr id="7" name="TextBox 6">
+            <a:extLst>
+              <a:ext uri="{FF2B5EF4-FFF2-40B4-BE49-F238E27FC236}">
+                <a16:creationId xmlns:a16="http://schemas.microsoft.com/office/drawing/2014/main" id="{2E22BEB6-7D17-465A-8274-FA555535A35D}"/>
+              </a:ext>
+            </a:extLst>
+          </p:cNvPr>
+          <p:cNvSpPr txBox="1"/>
+          <p:nvPr/>
+        </p:nvSpPr>
+        <p:spPr>
+          <a:xfrm>
+            <a:off x="3107967" y="6113814"/>
+            <a:ext cx="2160240" cy="646331"/>
+          </a:xfrm>
+          <a:prstGeom prst="rect">
+            <a:avLst/>
+          </a:prstGeom>
+          <a:noFill/>
+        </p:spPr>
+        <p:txBody>
+          <a:bodyPr wrap="square" rtlCol="0">
+            <a:spAutoFit/>
+          </a:bodyPr>
+          <a:lstStyle/>
+          <a:p>
+            <a:r>
+              <a:rPr lang="ko-KR" altLang="en-US" dirty="0"/>
+              <a:t>우리들의 놀이가 </a:t>
+            </a:r>
+            <a:endParaRPr lang="en-US" altLang="ko-KR" dirty="0"/>
+          </a:p>
+          <a:p>
+            <a:r>
+              <a:rPr lang="ko-KR" altLang="en-US" dirty="0"/>
+              <a:t>돈이 될 수 있다</a:t>
+            </a:r>
+            <a:r>
+              <a:rPr lang="en-US" altLang="ko-KR" dirty="0"/>
+              <a:t>.</a:t>
+            </a:r>
             <a:endParaRPr lang="ko-KR" altLang="en-US" dirty="0"/>
+          </a:p>
+        </p:txBody>
+      </p:sp>
+      <p:sp>
+        <p:nvSpPr>
+          <p:cNvPr id="8" name="TextBox 7">
+            <a:extLst>
+              <a:ext uri="{FF2B5EF4-FFF2-40B4-BE49-F238E27FC236}">
+                <a16:creationId xmlns:a16="http://schemas.microsoft.com/office/drawing/2014/main" id="{22D0B3A3-2922-406F-A4B9-9C65B52FB02C}"/>
+              </a:ext>
+            </a:extLst>
+          </p:cNvPr>
+          <p:cNvSpPr txBox="1"/>
+          <p:nvPr/>
+        </p:nvSpPr>
+        <p:spPr>
+          <a:xfrm>
+            <a:off x="6588224" y="5873341"/>
+            <a:ext cx="2016224" cy="646331"/>
+          </a:xfrm>
+          <a:prstGeom prst="rect">
+            <a:avLst/>
+          </a:prstGeom>
+          <a:noFill/>
+        </p:spPr>
+        <p:txBody>
+          <a:bodyPr wrap="square" rtlCol="0">
+            <a:spAutoFit/>
+          </a:bodyPr>
+          <a:lstStyle/>
+          <a:p>
+            <a:r>
+              <a:rPr lang="ko-KR" altLang="en-US" dirty="0"/>
+              <a:t>소작이 없으면 </a:t>
+            </a:r>
+            <a:endParaRPr lang="en-US" altLang="ko-KR" dirty="0"/>
+          </a:p>
+          <a:p>
+            <a:r>
+              <a:rPr lang="ko-KR" altLang="en-US" dirty="0"/>
+              <a:t>땅은 의미가 없다</a:t>
+            </a:r>
           </a:p>
         </p:txBody>
       </p:sp>
@@ -23554,13 +23655,6 @@
   <p:clrMapOvr>
     <a:masterClrMapping/>
   </p:clrMapOvr>
-  <p:timing>
-    <p:tnLst>
-      <p:par>
-        <p:cTn id="1" dur="indefinite" restart="never" nodeType="tmRoot"/>
-      </p:par>
-    </p:tnLst>
-  </p:timing>
 </p:sld>
 </file>
 
@@ -23610,16 +23704,11 @@
               <a:rPr lang="en-US" altLang="ko-KR" dirty="0"/>
               <a:t>. </a:t>
             </a:r>
-            <a:endParaRPr lang="en-US" altLang="ko-KR" dirty="0" smtClean="0"/>
-          </a:p>
-          <a:p>
-            <a:r>
-              <a:rPr lang="ko-KR" altLang="en-US" dirty="0" smtClean="0"/>
-              <a:t>사용자들이 </a:t>
-            </a:r>
-            <a:r>
-              <a:rPr lang="ko-KR" altLang="en-US" dirty="0"/>
-              <a:t>구체적이고도 정확한 검색 결과를 원한다면</a:t>
+          </a:p>
+          <a:p>
+            <a:r>
+              <a:rPr lang="ko-KR" altLang="en-US" dirty="0"/>
+              <a:t>사용자들이 구체적이고도 정확한 검색 결과를 원한다면</a:t>
             </a:r>
             <a:r>
               <a:rPr lang="en-US" altLang="ko-KR" dirty="0"/>
@@ -23637,64 +23726,41 @@
               <a:rPr lang="en-US" altLang="ko-KR" dirty="0"/>
               <a:t>. </a:t>
             </a:r>
-            <a:endParaRPr lang="en-US" altLang="ko-KR" dirty="0" smtClean="0"/>
-          </a:p>
-          <a:p>
-            <a:r>
-              <a:rPr lang="ko-KR" altLang="en-US" dirty="0" smtClean="0"/>
-              <a:t>사이트들은 </a:t>
-            </a:r>
-            <a:r>
-              <a:rPr lang="ko-KR" altLang="en-US" dirty="0"/>
-              <a:t>많은 정동 노동은 놀이이자 ‘노동’</a:t>
-            </a:r>
-            <a:r>
-              <a:rPr lang="ko-KR" altLang="en-US" dirty="0" smtClean="0"/>
-              <a:t>이다</a:t>
-            </a:r>
-            <a:r>
-              <a:rPr lang="en-US" altLang="ko-KR" dirty="0" smtClean="0"/>
+          </a:p>
+          <a:p>
+            <a:r>
+              <a:rPr lang="ko-KR" altLang="en-US" dirty="0"/>
+              <a:t>사이트들은 많은 정동 노동은 놀이이자 ‘노동’이다</a:t>
+            </a:r>
+            <a:r>
+              <a:rPr lang="en-US" altLang="ko-KR" dirty="0"/>
               <a:t>.</a:t>
             </a:r>
           </a:p>
           <a:p>
             <a:r>
-              <a:rPr lang="ko-KR" altLang="en-US" dirty="0" smtClean="0"/>
-              <a:t>강제되지 </a:t>
-            </a:r>
-            <a:r>
-              <a:rPr lang="ko-KR" altLang="en-US" dirty="0"/>
-              <a:t>않은 노동이라는 면에서 이러한 자유노동의 전용을 정당화한다</a:t>
+              <a:rPr lang="ko-KR" altLang="en-US" dirty="0"/>
+              <a:t>강제되지 않은 노동이라는 면에서 이러한 자유노동의 전용을 정당화한다</a:t>
             </a:r>
             <a:r>
               <a:rPr lang="en-US" altLang="ko-KR" dirty="0"/>
               <a:t>. </a:t>
             </a:r>
-            <a:endParaRPr lang="en-US" altLang="ko-KR" dirty="0" smtClean="0"/>
-          </a:p>
-          <a:p>
-            <a:r>
-              <a:rPr lang="ko-KR" altLang="en-US" dirty="0" smtClean="0"/>
-              <a:t>반면 </a:t>
-            </a:r>
-            <a:r>
-              <a:rPr lang="ko-KR" altLang="en-US" dirty="0"/>
-              <a:t>이용자들은 자신들이 생산한 것들이 무엇이고 어떻게 활용되고 있는지 거의 모른다</a:t>
+          </a:p>
+          <a:p>
+            <a:r>
+              <a:rPr lang="ko-KR" altLang="en-US" dirty="0"/>
+              <a:t>반면 이용자들은 자신들이 생산한 것들이 무엇이고 어떻게 활용되고 있는지 거의 모른다</a:t>
             </a:r>
             <a:r>
               <a:rPr lang="en-US" altLang="ko-KR" dirty="0"/>
               <a:t>. </a:t>
             </a:r>
-            <a:endParaRPr lang="en-US" altLang="ko-KR" dirty="0" smtClean="0"/>
-          </a:p>
-          <a:p>
-            <a:r>
-              <a:rPr lang="en-US" altLang="ko-KR" dirty="0" smtClean="0"/>
-              <a:t> </a:t>
-            </a:r>
-            <a:r>
-              <a:rPr lang="en-US" altLang="ko-KR" dirty="0"/>
-              <a:t>“</a:t>
+          </a:p>
+          <a:p>
+            <a:r>
+              <a:rPr lang="en-US" altLang="ko-KR" dirty="0"/>
+              <a:t> “</a:t>
             </a:r>
             <a:r>
               <a:rPr lang="ko-KR" altLang="en-US" dirty="0"/>
@@ -23714,15 +23780,7 @@
             </a:r>
             <a:r>
               <a:rPr lang="ko-KR" altLang="en-US" dirty="0"/>
-              <a:t> 서버에 </a:t>
-            </a:r>
-            <a:r>
-              <a:rPr lang="ko-KR" altLang="en-US" dirty="0" smtClean="0"/>
-              <a:t>저장되고 </a:t>
-            </a:r>
-            <a:r>
-              <a:rPr lang="ko-KR" altLang="en-US" dirty="0"/>
-              <a:t>유지됩니다</a:t>
+              <a:t> 서버에 저장되고 유지됩니다</a:t>
             </a:r>
             <a:r>
               <a:rPr lang="en-US" altLang="ko-KR" dirty="0"/>
@@ -23774,18 +23832,17 @@
           <a:lstStyle/>
           <a:p>
             <a:r>
-              <a:rPr lang="ko-KR" altLang="en-US" dirty="0" smtClean="0"/>
+              <a:rPr lang="ko-KR" altLang="en-US" dirty="0"/>
               <a:t>무료 서비스</a:t>
             </a:r>
             <a:r>
-              <a:rPr lang="en-US" altLang="ko-KR" dirty="0" smtClean="0"/>
+              <a:rPr lang="en-US" altLang="ko-KR" dirty="0"/>
               <a:t>, </a:t>
             </a:r>
             <a:r>
-              <a:rPr lang="ko-KR" altLang="en-US" dirty="0" smtClean="0"/>
+              <a:rPr lang="ko-KR" altLang="en-US" dirty="0"/>
               <a:t>무료 이용</a:t>
             </a:r>
-            <a:endParaRPr lang="ko-KR" altLang="en-US" dirty="0"/>
           </a:p>
         </p:txBody>
       </p:sp>
@@ -23799,13 +23856,6 @@
   <p:clrMapOvr>
     <a:masterClrMapping/>
   </p:clrMapOvr>
-  <p:timing>
-    <p:tnLst>
-      <p:par>
-        <p:cTn id="1" dur="indefinite" restart="never" nodeType="tmRoot"/>
-      </p:par>
-    </p:tnLst>
-  </p:timing>
 </p:sld>
 </file>
 
@@ -23914,35 +23964,22 @@
             </a:r>
             <a:r>
               <a:rPr lang="ko-KR" altLang="en-US" sz="8000" dirty="0"/>
-              <a:t>게시판 등 </a:t>
-            </a:r>
-            <a:r>
-              <a:rPr lang="ko-KR" altLang="en-US" sz="8000" dirty="0" smtClean="0"/>
-              <a:t>웹에 </a:t>
-            </a:r>
-            <a:r>
-              <a:rPr lang="ko-KR" altLang="en-US" sz="8000" dirty="0"/>
-              <a:t>연결된 거의 모든 것을 복사하고 평가하고 순위를 매긴다</a:t>
+              <a:t>게시판 등 웹에 연결된 거의 모든 것을 복사하고 평가하고 순위를 매긴다</a:t>
             </a:r>
             <a:r>
               <a:rPr lang="en-US" altLang="ko-KR" sz="8000" dirty="0"/>
               <a:t>. </a:t>
             </a:r>
-            <a:endParaRPr lang="en-US" altLang="ko-KR" sz="8000" dirty="0" smtClean="0"/>
           </a:p>
           <a:p>
             <a:pPr fontAlgn="base"/>
             <a:r>
-              <a:rPr lang="ko-KR" altLang="en-US" sz="8000" dirty="0" err="1" smtClean="0"/>
+              <a:rPr lang="ko-KR" altLang="en-US" sz="8000" dirty="0" err="1"/>
               <a:t>구글</a:t>
             </a:r>
             <a:r>
-              <a:rPr lang="ko-KR" altLang="en-US" sz="8000" dirty="0" smtClean="0"/>
-              <a:t> </a:t>
-            </a:r>
-            <a:r>
               <a:rPr lang="ko-KR" altLang="en-US" sz="8000" dirty="0"/>
-              <a:t>검색 엔진은 다른 사람들의 웹 </a:t>
+              <a:t> 검색 엔진은 다른 사람들의 웹 </a:t>
             </a:r>
             <a:r>
               <a:rPr lang="ko-KR" altLang="en-US" sz="8000" dirty="0" err="1"/>
@@ -23957,42 +23994,26 @@
               <a:t>. </a:t>
             </a:r>
             <a:r>
-              <a:rPr lang="ko-KR" altLang="en-US" sz="8000" dirty="0" smtClean="0"/>
-              <a:t>저작권자로부터 </a:t>
-            </a:r>
-            <a:r>
               <a:rPr lang="ko-KR" altLang="en-US" sz="8000" dirty="0"/>
-              <a:t>일일이 허락을 받아야 한다면 </a:t>
-            </a:r>
-            <a:r>
-              <a:rPr lang="ko-KR" altLang="en-US" sz="8000" dirty="0" smtClean="0"/>
-              <a:t>검색사업은 불가능</a:t>
-            </a:r>
-            <a:r>
-              <a:rPr lang="en-US" altLang="ko-KR" sz="8000" dirty="0" smtClean="0"/>
+              <a:t>저작권자로부터 일일이 허락을 받아야 한다면 검색사업은 불가능</a:t>
+            </a:r>
+            <a:r>
+              <a:rPr lang="en-US" altLang="ko-KR" sz="8000" dirty="0"/>
               <a:t>. </a:t>
             </a:r>
           </a:p>
           <a:p>
             <a:pPr fontAlgn="base"/>
             <a:r>
-              <a:rPr lang="en-US" altLang="ko-KR" sz="8000" dirty="0" smtClean="0"/>
+              <a:rPr lang="en-US" altLang="ko-KR" sz="8000" dirty="0"/>
               <a:t>‘</a:t>
             </a:r>
             <a:r>
-              <a:rPr lang="ko-KR" altLang="en-US" sz="8000" dirty="0" smtClean="0"/>
-              <a:t>공정이용</a:t>
-            </a:r>
-            <a:r>
               <a:rPr lang="ko-KR" altLang="en-US" sz="8000" dirty="0"/>
-              <a:t>’ </a:t>
-            </a:r>
-            <a:r>
-              <a:rPr lang="ko-KR" altLang="en-US" sz="8000" dirty="0" smtClean="0"/>
-              <a:t>조항이라는 무기</a:t>
-            </a:r>
-            <a:r>
-              <a:rPr lang="en-US" altLang="ko-KR" sz="8000" dirty="0" smtClean="0"/>
+              <a:t>공정이용’ 조항이라는 무기</a:t>
+            </a:r>
+            <a:r>
+              <a:rPr lang="en-US" altLang="ko-KR" sz="8000" dirty="0"/>
               <a:t>:  </a:t>
             </a:r>
             <a:r>
@@ -24007,24 +24028,15 @@
               <a:rPr lang="en-US" altLang="ko-KR" sz="8000" dirty="0"/>
               <a:t>. </a:t>
             </a:r>
-            <a:endParaRPr lang="en-US" altLang="ko-KR" sz="8000" dirty="0" smtClean="0"/>
           </a:p>
           <a:p>
             <a:pPr fontAlgn="base"/>
             <a:r>
-              <a:rPr lang="ko-KR" altLang="en-US" sz="8000" dirty="0" smtClean="0"/>
-              <a:t>소유와 독점보다는 </a:t>
-            </a:r>
-            <a:r>
               <a:rPr lang="ko-KR" altLang="en-US" sz="8000" dirty="0"/>
-              <a:t>공유의 불가피성이라는 </a:t>
-            </a:r>
-            <a:r>
-              <a:rPr lang="ko-KR" altLang="en-US" sz="8000" dirty="0" smtClean="0"/>
-              <a:t>웹의 정신이 일부 반영된 것</a:t>
-            </a:r>
-            <a:r>
-              <a:rPr lang="en-US" altLang="ko-KR" sz="8000" dirty="0" smtClean="0"/>
+              <a:t>소유와 독점보다는 공유의 불가피성이라는 웹의 정신이 일부 반영된 것</a:t>
+            </a:r>
+            <a:r>
+              <a:rPr lang="en-US" altLang="ko-KR" sz="8000" dirty="0"/>
               <a:t>. </a:t>
             </a:r>
             <a:endParaRPr lang="ko-KR" altLang="en-US" sz="8000" dirty="0"/>
@@ -24032,12 +24044,8 @@
           <a:p>
             <a:pPr fontAlgn="base"/>
             <a:r>
-              <a:rPr lang="ko-KR" altLang="en-US" sz="8000" dirty="0" smtClean="0"/>
-              <a:t>공정이용이 </a:t>
-            </a:r>
-            <a:r>
               <a:rPr lang="ko-KR" altLang="en-US" sz="8000" dirty="0"/>
-              <a:t>모든 </a:t>
+              <a:t>공정이용이 모든 </a:t>
             </a:r>
             <a:r>
               <a:rPr lang="ko-KR" altLang="en-US" sz="8000" dirty="0" err="1"/>
@@ -24051,12 +24059,11 @@
               <a:rPr lang="en-US" altLang="ko-KR" sz="8000" dirty="0"/>
               <a:t>. </a:t>
             </a:r>
-            <a:endParaRPr lang="en-US" altLang="ko-KR" sz="8000" dirty="0" smtClean="0"/>
           </a:p>
           <a:p>
             <a:pPr fontAlgn="base"/>
             <a:r>
-              <a:rPr lang="ko-KR" altLang="en-US" sz="8000" dirty="0" smtClean="0"/>
+              <a:rPr lang="ko-KR" altLang="en-US" sz="8000" dirty="0"/>
               <a:t>일부 저작권자들은 </a:t>
             </a:r>
             <a:r>
@@ -24080,59 +24087,38 @@
               <a:t>소송을 걸고</a:t>
             </a:r>
             <a:r>
-              <a:rPr lang="en-US" altLang="ko-KR" sz="8000" dirty="0" smtClean="0"/>
+              <a:rPr lang="en-US" altLang="ko-KR" sz="8000" dirty="0"/>
               <a:t>,</a:t>
             </a:r>
             <a:r>
-              <a:rPr lang="ko-KR" altLang="en-US" sz="8000" dirty="0" smtClean="0"/>
-              <a:t> </a:t>
-            </a:r>
-            <a:r>
               <a:rPr lang="ko-KR" altLang="en-US" sz="8000" dirty="0"/>
-              <a:t>수익을 </a:t>
-            </a:r>
-            <a:r>
-              <a:rPr lang="ko-KR" altLang="en-US" sz="8000" dirty="0" smtClean="0"/>
-              <a:t>취한다</a:t>
+              <a:t> 수익을 취한다</a:t>
             </a:r>
             <a:r>
               <a:rPr lang="en-US" altLang="ko-KR" sz="8000" dirty="0"/>
               <a:t>. </a:t>
             </a:r>
-            <a:endParaRPr lang="en-US" altLang="ko-KR" sz="8000" dirty="0" smtClean="0"/>
           </a:p>
           <a:p>
             <a:pPr fontAlgn="base"/>
             <a:r>
-              <a:rPr lang="ko-KR" altLang="en-US" sz="8000" dirty="0" err="1" smtClean="0"/>
+              <a:rPr lang="ko-KR" altLang="en-US" sz="8000" dirty="0" err="1"/>
               <a:t>구글은</a:t>
             </a:r>
             <a:r>
-              <a:rPr lang="ko-KR" altLang="en-US" sz="8000" dirty="0" smtClean="0"/>
-              <a:t> 거대 언론사들과 라이선스 </a:t>
-            </a:r>
-            <a:r>
               <a:rPr lang="ko-KR" altLang="en-US" sz="8000" dirty="0"/>
-              <a:t>계약을 맺고</a:t>
+              <a:t> 거대 언론사들과 라이선스 계약을 맺고</a:t>
             </a:r>
             <a:r>
               <a:rPr lang="en-US" altLang="ko-KR" sz="8000" dirty="0"/>
               <a:t>, </a:t>
             </a:r>
             <a:r>
-              <a:rPr lang="ko-KR" altLang="en-US" sz="8000" dirty="0" smtClean="0"/>
-              <a:t>기사 </a:t>
-            </a:r>
-            <a:r>
               <a:rPr lang="ko-KR" altLang="en-US" sz="8000" dirty="0"/>
-              <a:t>이용료를 </a:t>
-            </a:r>
-            <a:r>
-              <a:rPr lang="ko-KR" altLang="en-US" sz="8000" dirty="0" smtClean="0"/>
-              <a:t>지불해야</a:t>
-            </a:r>
-            <a:r>
-              <a:rPr lang="en-US" altLang="ko-KR" sz="8000" dirty="0" smtClean="0"/>
+              <a:t>기사 이용료를 지불해야</a:t>
+            </a:r>
+            <a:r>
+              <a:rPr lang="en-US" altLang="ko-KR" sz="8000" dirty="0"/>
               <a:t>~. </a:t>
             </a:r>
             <a:endParaRPr lang="ko-KR" altLang="en-US" sz="8000" dirty="0"/>
@@ -24158,30 +24144,29 @@
           <a:lstStyle/>
           <a:p>
             <a:r>
-              <a:rPr lang="ko-KR" altLang="en-US" dirty="0" err="1" smtClean="0"/>
+              <a:rPr lang="ko-KR" altLang="en-US" dirty="0" err="1"/>
               <a:t>구글과</a:t>
             </a:r>
             <a:r>
-              <a:rPr lang="ko-KR" altLang="en-US" dirty="0" smtClean="0"/>
+              <a:rPr lang="ko-KR" altLang="en-US" dirty="0"/>
               <a:t> </a:t>
             </a:r>
             <a:r>
-              <a:rPr lang="en-US" altLang="ko-KR" dirty="0" smtClean="0"/>
+              <a:rPr lang="en-US" altLang="ko-KR" dirty="0"/>
               <a:t>‘</a:t>
             </a:r>
             <a:r>
-              <a:rPr lang="ko-KR" altLang="en-US" dirty="0" smtClean="0"/>
+              <a:rPr lang="ko-KR" altLang="en-US" dirty="0"/>
               <a:t>공정이용</a:t>
             </a:r>
             <a:r>
-              <a:rPr lang="en-US" altLang="ko-KR" dirty="0" smtClean="0"/>
+              <a:rPr lang="en-US" altLang="ko-KR" dirty="0"/>
               <a:t>’ </a:t>
             </a:r>
             <a:r>
-              <a:rPr lang="ko-KR" altLang="en-US" dirty="0" smtClean="0"/>
+              <a:rPr lang="ko-KR" altLang="en-US" dirty="0"/>
               <a:t>조항</a:t>
             </a:r>
-            <a:endParaRPr lang="ko-KR" altLang="en-US" dirty="0"/>
           </a:p>
         </p:txBody>
       </p:sp>
@@ -24195,13 +24180,6 @@
   <p:clrMapOvr>
     <a:masterClrMapping/>
   </p:clrMapOvr>
-  <p:timing>
-    <p:tnLst>
-      <p:par>
-        <p:cTn id="1" dur="indefinite" restart="never" nodeType="tmRoot"/>
-      </p:par>
-    </p:tnLst>
-  </p:timing>
 </p:sld>
 </file>
 
@@ -24241,16 +24219,12 @@
           <a:p>
             <a:pPr fontAlgn="base"/>
             <a:r>
-              <a:rPr lang="ko-KR" altLang="en-US" dirty="0" err="1" smtClean="0"/>
+              <a:rPr lang="ko-KR" altLang="en-US" dirty="0" err="1"/>
               <a:t>수백만권의</a:t>
             </a:r>
             <a:r>
-              <a:rPr lang="ko-KR" altLang="en-US" dirty="0" smtClean="0"/>
-              <a:t> </a:t>
-            </a:r>
-            <a:r>
-              <a:rPr lang="ko-KR" altLang="en-US" dirty="0"/>
-              <a:t>대학 도서관 소장 도서를 </a:t>
+              <a:rPr lang="ko-KR" altLang="en-US" dirty="0"/>
+              <a:t> 대학 도서관 소장 도서를 </a:t>
             </a:r>
             <a:r>
               <a:rPr lang="ko-KR" altLang="en-US" dirty="0" err="1"/>
@@ -24286,85 +24260,55 @@
             </a:r>
             <a:r>
               <a:rPr lang="ko-KR" altLang="en-US" dirty="0"/>
-              <a:t> 목록을 만들어 이용자들에게 제공한다는 </a:t>
-            </a:r>
-            <a:r>
-              <a:rPr lang="ko-KR" altLang="en-US" dirty="0" smtClean="0"/>
-              <a:t>계획</a:t>
-            </a:r>
-            <a:r>
-              <a:rPr lang="en-US" altLang="ko-KR" dirty="0" smtClean="0"/>
+              <a:t> 목록을 만들어 이용자들에게 제공한다는 계획</a:t>
+            </a:r>
+            <a:r>
+              <a:rPr lang="en-US" altLang="ko-KR" dirty="0"/>
               <a:t>. </a:t>
             </a:r>
           </a:p>
           <a:p>
             <a:pPr fontAlgn="base"/>
             <a:r>
-              <a:rPr lang="ko-KR" altLang="en-US" dirty="0" smtClean="0"/>
-              <a:t>많은 </a:t>
-            </a:r>
-            <a:r>
-              <a:rPr lang="ko-KR" altLang="en-US" dirty="0"/>
-              <a:t>이들이 환영했다</a:t>
+              <a:rPr lang="ko-KR" altLang="en-US" dirty="0"/>
+              <a:t>많은 이들이 환영했다</a:t>
             </a:r>
             <a:r>
               <a:rPr lang="en-US" altLang="ko-KR" dirty="0"/>
               <a:t>. </a:t>
             </a:r>
-            <a:endParaRPr lang="en-US" altLang="ko-KR" dirty="0" smtClean="0"/>
           </a:p>
           <a:p>
             <a:pPr fontAlgn="base"/>
             <a:r>
-              <a:rPr lang="ko-KR" altLang="en-US" dirty="0" smtClean="0"/>
-              <a:t>도서관 </a:t>
-            </a:r>
-            <a:r>
-              <a:rPr lang="ko-KR" altLang="en-US" dirty="0"/>
-              <a:t>책의 복제가 공정이용에 </a:t>
-            </a:r>
-            <a:r>
-              <a:rPr lang="ko-KR" altLang="en-US" dirty="0" smtClean="0"/>
-              <a:t>해당한다는 것</a:t>
-            </a:r>
-            <a:r>
-              <a:rPr lang="en-US" altLang="ko-KR" dirty="0" smtClean="0"/>
+              <a:rPr lang="ko-KR" altLang="en-US" dirty="0"/>
+              <a:t>도서관 책의 복제가 공정이용에 해당한다는 것</a:t>
+            </a:r>
+            <a:r>
+              <a:rPr lang="en-US" altLang="ko-KR" dirty="0"/>
               <a:t>. </a:t>
             </a:r>
           </a:p>
           <a:p>
             <a:pPr fontAlgn="base"/>
             <a:r>
-              <a:rPr lang="ko-KR" altLang="en-US" dirty="0" smtClean="0"/>
-              <a:t>하지만 </a:t>
-            </a:r>
-            <a:r>
-              <a:rPr lang="ko-KR" altLang="en-US" dirty="0"/>
-              <a:t>대다수 출판사와 저작자들이 반발했다</a:t>
+              <a:rPr lang="ko-KR" altLang="en-US" dirty="0"/>
+              <a:t>하지만 대다수 출판사와 저작자들이 반발했다</a:t>
             </a:r>
             <a:r>
               <a:rPr lang="en-US" altLang="ko-KR" dirty="0"/>
               <a:t>. </a:t>
             </a:r>
-            <a:endParaRPr lang="en-US" altLang="ko-KR" dirty="0" smtClean="0"/>
           </a:p>
           <a:p>
             <a:pPr fontAlgn="base"/>
             <a:r>
-              <a:rPr lang="en-US" altLang="ko-KR" dirty="0" smtClean="0"/>
+              <a:rPr lang="en-US" altLang="ko-KR" dirty="0"/>
               <a:t>2005</a:t>
             </a:r>
             <a:r>
               <a:rPr lang="ko-KR" altLang="en-US" dirty="0"/>
-              <a:t>년 미국의 출판인 협회와 저작자 길드는 </a:t>
-            </a:r>
-            <a:r>
-              <a:rPr lang="ko-KR" altLang="en-US" dirty="0" smtClean="0"/>
-              <a:t>저작권 </a:t>
-            </a:r>
-            <a:r>
-              <a:rPr lang="ko-KR" altLang="en-US" dirty="0"/>
-              <a:t>소송을 진행했고</a:t>
+              <a:t>년 미국의 출판인 협회와 저작자 길드는 저작권 소송을 진행했고</a:t>
             </a:r>
             <a:r>
               <a:rPr lang="en-US" altLang="ko-KR" dirty="0"/>
@@ -24376,34 +24320,18 @@
             </a:r>
             <a:r>
               <a:rPr lang="ko-KR" altLang="en-US" dirty="0"/>
-              <a:t> </a:t>
-            </a:r>
-            <a:r>
-              <a:rPr lang="ko-KR" altLang="en-US" dirty="0" smtClean="0"/>
-              <a:t>저작권 </a:t>
-            </a:r>
-            <a:r>
-              <a:rPr lang="ko-KR" altLang="en-US" dirty="0"/>
-              <a:t>침해 보상비를 </a:t>
-            </a:r>
-            <a:r>
-              <a:rPr lang="ko-KR" altLang="en-US" dirty="0" smtClean="0"/>
-              <a:t>지불하기로</a:t>
-            </a:r>
-            <a:r>
-              <a:rPr lang="en-US" altLang="ko-KR" dirty="0" smtClean="0"/>
+              <a:t> 저작권 침해 보상비를 지불하기로</a:t>
+            </a:r>
+            <a:r>
+              <a:rPr lang="en-US" altLang="ko-KR" dirty="0"/>
               <a:t>~~</a:t>
             </a:r>
           </a:p>
           <a:p>
             <a:pPr fontAlgn="base"/>
             <a:r>
-              <a:rPr lang="ko-KR" altLang="en-US" dirty="0" smtClean="0"/>
-              <a:t>하지만 </a:t>
-            </a:r>
-            <a:r>
-              <a:rPr lang="ko-KR" altLang="en-US" dirty="0"/>
-              <a:t>이러한 공생전략은 웹</a:t>
+              <a:rPr lang="ko-KR" altLang="en-US" dirty="0"/>
+              <a:t>하지만 이러한 공생전략은 웹</a:t>
             </a:r>
             <a:r>
               <a:rPr lang="en-US" altLang="ko-KR" dirty="0"/>
@@ -24476,14 +24404,10 @@
             </a:r>
             <a:r>
               <a:rPr lang="ko-KR" altLang="en-US" dirty="0"/>
-              <a:t> 도서 </a:t>
-            </a:r>
-            <a:r>
-              <a:rPr lang="ko-KR" altLang="en-US" dirty="0" smtClean="0"/>
-              <a:t>사업을 벌였는데</a:t>
-            </a:r>
-            <a:r>
-              <a:rPr lang="en-US" altLang="ko-KR" dirty="0" smtClean="0"/>
+              <a:t> 도서 사업을 벌였는데</a:t>
+            </a:r>
+            <a:r>
+              <a:rPr lang="en-US" altLang="ko-KR" dirty="0"/>
               <a:t>~~</a:t>
             </a:r>
             <a:endParaRPr lang="ko-KR" altLang="en-US" dirty="0"/>
@@ -24500,13 +24424,6 @@
   <p:clrMapOvr>
     <a:masterClrMapping/>
   </p:clrMapOvr>
-  <p:timing>
-    <p:tnLst>
-      <p:par>
-        <p:cTn id="1" dur="indefinite" restart="never" nodeType="tmRoot"/>
-      </p:par>
-    </p:tnLst>
-  </p:timing>
 </p:sld>
 </file>
 
@@ -24555,17 +24472,12 @@
               <a:rPr lang="en-US" altLang="ko-KR" dirty="0"/>
               <a:t>. </a:t>
             </a:r>
-            <a:endParaRPr lang="en-US" altLang="ko-KR" dirty="0" smtClean="0"/>
           </a:p>
           <a:p>
             <a:pPr fontAlgn="base"/>
             <a:r>
-              <a:rPr lang="ko-KR" altLang="en-US" dirty="0" smtClean="0"/>
-              <a:t>하지만 </a:t>
-            </a:r>
-            <a:r>
-              <a:rPr lang="ko-KR" altLang="en-US" dirty="0"/>
-              <a:t>수십억 일반 이용자들의 정동 노동은 </a:t>
+              <a:rPr lang="ko-KR" altLang="en-US" dirty="0"/>
+              <a:t>하지만 수십억 일반 이용자들의 정동 노동은 </a:t>
             </a:r>
             <a:r>
               <a:rPr lang="ko-KR" altLang="en-US" dirty="0" err="1"/>
@@ -24579,24 +24491,15 @@
               <a:rPr lang="en-US" altLang="ko-KR" dirty="0"/>
               <a:t>. </a:t>
             </a:r>
-            <a:endParaRPr lang="en-US" altLang="ko-KR" dirty="0" smtClean="0"/>
           </a:p>
           <a:p>
             <a:pPr fontAlgn="base"/>
             <a:r>
-              <a:rPr lang="ko-KR" altLang="en-US" dirty="0" smtClean="0"/>
-              <a:t>일반 </a:t>
-            </a:r>
-            <a:r>
-              <a:rPr lang="ko-KR" altLang="en-US" dirty="0"/>
-              <a:t>이용자들의 정동 노동의 산물들에 대한 사실상의 통제권은 </a:t>
-            </a:r>
-            <a:r>
-              <a:rPr lang="ko-KR" altLang="en-US" dirty="0" smtClean="0"/>
-              <a:t>누구에게 있는가</a:t>
-            </a:r>
-            <a:r>
-              <a:rPr lang="en-US" altLang="ko-KR" dirty="0" smtClean="0"/>
+              <a:rPr lang="ko-KR" altLang="en-US" dirty="0"/>
+              <a:t>일반 이용자들의 정동 노동의 산물들에 대한 사실상의 통제권은 누구에게 있는가</a:t>
+            </a:r>
+            <a:r>
+              <a:rPr lang="en-US" altLang="ko-KR" dirty="0"/>
               <a:t>? </a:t>
             </a:r>
             <a:endParaRPr lang="ko-KR" altLang="en-US" dirty="0"/>
@@ -24638,13 +24541,6 @@
   <p:clrMapOvr>
     <a:masterClrMapping/>
   </p:clrMapOvr>
-  <p:timing>
-    <p:tnLst>
-      <p:par>
-        <p:cTn id="1" dur="indefinite" restart="never" nodeType="tmRoot"/>
-      </p:par>
-    </p:tnLst>
-  </p:timing>
 </p:sld>
 </file>
 
@@ -24682,31 +24578,19 @@
           <a:p>
             <a:pPr fontAlgn="base"/>
             <a:r>
-              <a:rPr lang="ko-KR" altLang="en-US" dirty="0" smtClean="0"/>
-              <a:t>플랫폼으로 </a:t>
-            </a:r>
-            <a:r>
-              <a:rPr lang="ko-KR" altLang="en-US" dirty="0"/>
-              <a:t>플랫폼을 </a:t>
-            </a:r>
-            <a:r>
-              <a:rPr lang="ko-KR" altLang="en-US" dirty="0" smtClean="0"/>
-              <a:t>넘을 수 없는가</a:t>
-            </a:r>
-            <a:r>
-              <a:rPr lang="en-US" altLang="ko-KR" dirty="0" smtClean="0"/>
+              <a:rPr lang="ko-KR" altLang="en-US" dirty="0"/>
+              <a:t>플랫폼으로 플랫폼을 넘을 수 없는가</a:t>
+            </a:r>
+            <a:r>
+              <a:rPr lang="en-US" altLang="ko-KR" dirty="0"/>
               <a:t>?</a:t>
             </a:r>
           </a:p>
           <a:p>
             <a:pPr fontAlgn="base"/>
             <a:r>
-              <a:rPr lang="en-US" altLang="ko-KR" dirty="0" smtClean="0"/>
-              <a:t> </a:t>
-            </a:r>
-            <a:r>
-              <a:rPr lang="en-US" altLang="ko-KR" dirty="0"/>
-              <a:t>commons </a:t>
+              <a:rPr lang="en-US" altLang="ko-KR" dirty="0"/>
+              <a:t> commons </a:t>
             </a:r>
             <a:r>
               <a:rPr lang="ko-KR" altLang="en-US" dirty="0"/>
@@ -24716,40 +24600,26 @@
               <a:rPr lang="en-US" altLang="ko-KR" dirty="0"/>
               <a:t>. </a:t>
             </a:r>
-            <a:endParaRPr lang="en-US" altLang="ko-KR" dirty="0" smtClean="0"/>
           </a:p>
           <a:p>
             <a:pPr fontAlgn="base"/>
             <a:r>
-              <a:rPr lang="ko-KR" altLang="en-US" dirty="0" smtClean="0"/>
-              <a:t>플랫폼 </a:t>
-            </a:r>
-            <a:r>
-              <a:rPr lang="ko-KR" altLang="en-US" dirty="0"/>
-              <a:t>협동조합</a:t>
+              <a:rPr lang="ko-KR" altLang="en-US" dirty="0"/>
+              <a:t>플랫폼 협동조합</a:t>
             </a:r>
             <a:r>
               <a:rPr lang="en-US" altLang="ko-KR" dirty="0"/>
               <a:t>. </a:t>
             </a:r>
-            <a:endParaRPr lang="en-US" altLang="ko-KR" dirty="0" smtClean="0"/>
           </a:p>
           <a:p>
             <a:pPr fontAlgn="base"/>
             <a:r>
-              <a:rPr lang="ko-KR" altLang="en-US" dirty="0" smtClean="0"/>
-              <a:t>공동체에서 </a:t>
-            </a:r>
-            <a:r>
-              <a:rPr lang="ko-KR" altLang="en-US" dirty="0"/>
-              <a:t>발생한 가치가 공동체 </a:t>
-            </a:r>
-            <a:r>
-              <a:rPr lang="ko-KR" altLang="en-US" dirty="0" smtClean="0"/>
-              <a:t>전체로 돌아가게 할 수 없는가</a:t>
-            </a:r>
-            <a:r>
-              <a:rPr lang="en-US" altLang="ko-KR" dirty="0" smtClean="0"/>
+              <a:rPr lang="ko-KR" altLang="en-US" dirty="0"/>
+              <a:t>공동체에서 발생한 가치가 공동체 전체로 돌아가게 할 수 없는가</a:t>
+            </a:r>
+            <a:r>
+              <a:rPr lang="en-US" altLang="ko-KR" dirty="0"/>
               <a:t>? </a:t>
             </a:r>
             <a:endParaRPr lang="ko-KR" altLang="en-US" dirty="0"/>
@@ -24775,11 +24645,11 @@
           <a:lstStyle/>
           <a:p>
             <a:r>
-              <a:rPr lang="ko-KR" altLang="en-US" dirty="0" smtClean="0"/>
+              <a:rPr lang="ko-KR" altLang="en-US" dirty="0"/>
               <a:t>플랫폼 뒤집기</a:t>
             </a:r>
             <a:r>
-              <a:rPr lang="en-US" altLang="ko-KR" dirty="0" smtClean="0"/>
+              <a:rPr lang="en-US" altLang="ko-KR" dirty="0"/>
               <a:t>?</a:t>
             </a:r>
             <a:endParaRPr lang="ko-KR" altLang="en-US" dirty="0"/>
@@ -24796,13 +24666,6 @@
   <p:clrMapOvr>
     <a:masterClrMapping/>
   </p:clrMapOvr>
-  <p:timing>
-    <p:tnLst>
-      <p:par>
-        <p:cTn id="1" dur="indefinite" restart="never" nodeType="tmRoot"/>
-      </p:par>
-    </p:tnLst>
-  </p:timing>
 </p:sld>
 </file>
 
@@ -24839,11 +24702,11 @@
           <a:lstStyle/>
           <a:p>
             <a:r>
-              <a:rPr lang="ko-KR" altLang="en-US" dirty="0" smtClean="0"/>
+              <a:rPr lang="ko-KR" altLang="en-US" dirty="0"/>
               <a:t>만물의 상품화란 </a:t>
             </a:r>
             <a:r>
-              <a:rPr lang="en-US" altLang="ko-KR" dirty="0" smtClean="0"/>
+              <a:rPr lang="en-US" altLang="ko-KR" dirty="0"/>
               <a:t>?</a:t>
             </a:r>
             <a:endParaRPr lang="ko-KR" altLang="en-US" dirty="0"/>
@@ -24866,11 +24729,11 @@
           <a:lstStyle/>
           <a:p>
             <a:r>
-              <a:rPr lang="ko-KR" altLang="en-US" dirty="0" smtClean="0"/>
+              <a:rPr lang="ko-KR" altLang="en-US" dirty="0"/>
               <a:t>         人間                    모든 것을 자급자족한다</a:t>
             </a:r>
             <a:r>
-              <a:rPr lang="en-US" altLang="ko-KR" dirty="0" smtClean="0"/>
+              <a:rPr lang="en-US" altLang="ko-KR" dirty="0"/>
               <a:t>.</a:t>
             </a:r>
           </a:p>
@@ -24891,7 +24754,7 @@
               <a:buNone/>
             </a:pPr>
             <a:r>
-              <a:rPr lang="en-US" altLang="ko-KR" dirty="0" smtClean="0"/>
+              <a:rPr lang="en-US" altLang="ko-KR" dirty="0"/>
               <a:t>                                                      </a:t>
             </a:r>
           </a:p>
@@ -24903,10 +24766,10 @@
           </a:p>
           <a:p>
             <a:r>
-              <a:rPr lang="ko-KR" altLang="en-US" dirty="0" smtClean="0"/>
+              <a:rPr lang="ko-KR" altLang="en-US" dirty="0"/>
               <a:t>       人間         </a:t>
             </a:r>
-            <a:endParaRPr lang="en-US" altLang="ko-KR" dirty="0" smtClean="0"/>
+            <a:endParaRPr lang="en-US" altLang="ko-KR" dirty="0"/>
           </a:p>
           <a:p>
             <a:r>
@@ -24919,7 +24782,7 @@
             </a:r>
           </a:p>
           <a:p>
-            <a:endParaRPr lang="en-US" altLang="ko-KR" dirty="0" smtClean="0"/>
+            <a:endParaRPr lang="en-US" altLang="ko-KR" dirty="0"/>
           </a:p>
           <a:p>
             <a:endParaRPr lang="en-US" altLang="ko-KR" dirty="0"/>
@@ -25136,7 +24999,7 @@
             <a:lstStyle/>
             <a:p>
               <a:r>
-                <a:rPr lang="en-US" altLang="ko-KR" dirty="0" smtClean="0"/>
+                <a:rPr lang="en-US" altLang="ko-KR" dirty="0"/>
                 <a:t>A</a:t>
               </a:r>
               <a:endParaRPr lang="ko-KR" altLang="en-US" dirty="0"/>
@@ -25166,7 +25029,7 @@
             <a:lstStyle/>
             <a:p>
               <a:r>
-                <a:rPr lang="en-US" altLang="ko-KR" dirty="0" smtClean="0"/>
+                <a:rPr lang="en-US" altLang="ko-KR" dirty="0"/>
                 <a:t>B</a:t>
               </a:r>
               <a:endParaRPr lang="ko-KR" altLang="en-US" dirty="0"/>
@@ -25196,7 +25059,7 @@
             <a:lstStyle/>
             <a:p>
               <a:r>
-                <a:rPr lang="en-US" altLang="ko-KR" dirty="0" smtClean="0"/>
+                <a:rPr lang="en-US" altLang="ko-KR" dirty="0"/>
                 <a:t>C</a:t>
               </a:r>
               <a:endParaRPr lang="ko-KR" altLang="en-US" dirty="0"/>
@@ -25226,7 +25089,7 @@
             <a:lstStyle/>
             <a:p>
               <a:r>
-                <a:rPr lang="en-US" altLang="ko-KR" dirty="0" smtClean="0"/>
+                <a:rPr lang="en-US" altLang="ko-KR" dirty="0"/>
                 <a:t>D</a:t>
               </a:r>
               <a:endParaRPr lang="ko-KR" altLang="en-US" dirty="0"/>
@@ -25256,7 +25119,7 @@
             <a:lstStyle/>
             <a:p>
               <a:r>
-                <a:rPr lang="en-US" altLang="ko-KR" dirty="0" smtClean="0"/>
+                <a:rPr lang="en-US" altLang="ko-KR" dirty="0"/>
                 <a:t>E</a:t>
               </a:r>
               <a:endParaRPr lang="ko-KR" altLang="en-US" dirty="0"/>
@@ -25287,7 +25150,7 @@
           <a:lstStyle/>
           <a:p>
             <a:r>
-              <a:rPr lang="en-US" altLang="ko-KR" dirty="0" smtClean="0"/>
+              <a:rPr lang="en-US" altLang="ko-KR" dirty="0"/>
               <a:t>A</a:t>
             </a:r>
             <a:endParaRPr lang="ko-KR" altLang="en-US" dirty="0"/>
@@ -25317,7 +25180,7 @@
           <a:lstStyle/>
           <a:p>
             <a:r>
-              <a:rPr lang="en-US" altLang="ko-KR" dirty="0" smtClean="0"/>
+              <a:rPr lang="en-US" altLang="ko-KR" dirty="0"/>
               <a:t>C</a:t>
             </a:r>
             <a:endParaRPr lang="ko-KR" altLang="en-US" dirty="0"/>
@@ -25377,7 +25240,7 @@
           <a:lstStyle/>
           <a:p>
             <a:r>
-              <a:rPr lang="en-US" altLang="ko-KR" dirty="0" smtClean="0"/>
+              <a:rPr lang="en-US" altLang="ko-KR" dirty="0"/>
               <a:t>C</a:t>
             </a:r>
             <a:endParaRPr lang="ko-KR" altLang="en-US" dirty="0"/>
@@ -25407,11 +25270,11 @@
           <a:lstStyle/>
           <a:p>
             <a:r>
-              <a:rPr lang="ko-KR" altLang="en-US" dirty="0" smtClean="0"/>
+              <a:rPr lang="ko-KR" altLang="en-US" dirty="0"/>
               <a:t>돈</a:t>
             </a:r>
             <a:r>
-              <a:rPr lang="en-US" altLang="ko-KR" dirty="0" smtClean="0"/>
+              <a:rPr lang="en-US" altLang="ko-KR" dirty="0"/>
               <a:t>: 0, 1, 2, 3…..</a:t>
             </a:r>
             <a:endParaRPr lang="ko-KR" altLang="en-US" dirty="0"/>
@@ -25764,7 +25627,7 @@
           <a:lstStyle/>
           <a:p>
             <a:r>
-              <a:rPr lang="en-US" altLang="ko-KR" dirty="0" smtClean="0"/>
+              <a:rPr lang="en-US" altLang="ko-KR" dirty="0"/>
               <a:t>D</a:t>
             </a:r>
             <a:endParaRPr lang="ko-KR" altLang="en-US" dirty="0"/>
@@ -25871,13 +25734,6 @@
   <p:clrMapOvr>
     <a:masterClrMapping/>
   </p:clrMapOvr>
-  <p:timing>
-    <p:tnLst>
-      <p:par>
-        <p:cTn id="1" dur="indefinite" restart="never" nodeType="tmRoot"/>
-      </p:par>
-    </p:tnLst>
-  </p:timing>
 </p:sld>
 </file>
 
@@ -25914,11 +25770,11 @@
           <a:lstStyle/>
           <a:p>
             <a:r>
-              <a:rPr lang="en-US" altLang="ko-KR" dirty="0" smtClean="0"/>
+              <a:rPr lang="en-US" altLang="ko-KR" dirty="0"/>
               <a:t> ‘</a:t>
             </a:r>
             <a:r>
-              <a:rPr lang="en-US" altLang="ko-KR" dirty="0" smtClean="0">
+              <a:rPr lang="en-US" altLang="ko-KR" dirty="0">
                 <a:solidFill>
                   <a:srgbClr val="C00000"/>
                 </a:solidFill>
@@ -25926,15 +25782,15 @@
               <a:t>?</a:t>
             </a:r>
             <a:r>
-              <a:rPr lang="en-US" altLang="ko-KR" dirty="0" smtClean="0"/>
+              <a:rPr lang="en-US" altLang="ko-KR" dirty="0"/>
               <a:t>’</a:t>
             </a:r>
             <a:r>
-              <a:rPr lang="ko-KR" altLang="en-US" dirty="0" smtClean="0"/>
+              <a:rPr lang="ko-KR" altLang="en-US" dirty="0"/>
               <a:t>은 어떤 상품인가</a:t>
             </a:r>
             <a:r>
-              <a:rPr lang="en-US" altLang="ko-KR" dirty="0" smtClean="0"/>
+              <a:rPr lang="en-US" altLang="ko-KR" dirty="0"/>
               <a:t>?</a:t>
             </a:r>
             <a:endParaRPr lang="ko-KR" altLang="en-US" dirty="0"/>
@@ -25958,15 +25814,15 @@
           </a:bodyPr>
           <a:lstStyle/>
           <a:p>
-            <a:endParaRPr lang="en-US" altLang="ko-KR" dirty="0" smtClean="0"/>
-          </a:p>
-          <a:p>
-            <a:r>
-              <a:rPr lang="en-US" altLang="ko-KR" dirty="0" smtClean="0"/>
+            <a:endParaRPr lang="en-US" altLang="ko-KR" dirty="0"/>
+          </a:p>
+          <a:p>
+            <a:r>
+              <a:rPr lang="en-US" altLang="ko-KR" dirty="0"/>
               <a:t>                                          </a:t>
             </a:r>
             <a:r>
-              <a:rPr lang="en-US" altLang="ko-KR" sz="6000" dirty="0" smtClean="0">
+              <a:rPr lang="en-US" altLang="ko-KR" sz="6000" dirty="0">
                 <a:solidFill>
                   <a:srgbClr val="C00000"/>
                 </a:solidFill>
@@ -25977,19 +25833,19 @@
           </a:p>
           <a:p>
             <a:r>
-              <a:rPr lang="en-US" altLang="ko-KR" dirty="0" smtClean="0"/>
+              <a:rPr lang="en-US" altLang="ko-KR" dirty="0"/>
               <a:t>                </a:t>
             </a:r>
             <a:r>
-              <a:rPr lang="ko-KR" altLang="en-US" dirty="0" smtClean="0"/>
+              <a:rPr lang="ko-KR" altLang="en-US" dirty="0"/>
               <a:t>                    </a:t>
             </a:r>
             <a:r>
-              <a:rPr lang="en-US" altLang="ko-KR" sz="6000" dirty="0" smtClean="0"/>
+              <a:rPr lang="en-US" altLang="ko-KR" sz="6000" dirty="0"/>
               <a:t> </a:t>
             </a:r>
             <a:r>
-              <a:rPr lang="en-US" altLang="ko-KR" dirty="0" smtClean="0"/>
+              <a:rPr lang="en-US" altLang="ko-KR" dirty="0"/>
               <a:t>               </a:t>
             </a:r>
           </a:p>
@@ -25998,16 +25854,9 @@
           </a:p>
           <a:p>
             <a:r>
-              <a:rPr lang="en-US" altLang="ko-KR" dirty="0" smtClean="0"/>
+              <a:rPr lang="en-US" altLang="ko-KR" dirty="0"/>
               <a:t>   </a:t>
             </a:r>
-          </a:p>
-          <a:p>
-            <a:pPr fontAlgn="base"/>
-            <a:endParaRPr lang="en-US" altLang="ko-KR" sz="2800" dirty="0" smtClean="0">
-              <a:latin typeface="HY견명조" pitchFamily="18" charset="-127"/>
-              <a:ea typeface="HY견명조" pitchFamily="18" charset="-127"/>
-            </a:endParaRPr>
           </a:p>
           <a:p>
             <a:pPr fontAlgn="base"/>
@@ -26018,14 +25867,21 @@
           </a:p>
           <a:p>
             <a:pPr fontAlgn="base"/>
-            <a:endParaRPr lang="en-US" altLang="ko-KR" sz="2800" dirty="0" smtClean="0">
+            <a:endParaRPr lang="en-US" altLang="ko-KR" sz="2800" dirty="0">
               <a:latin typeface="HY견명조" pitchFamily="18" charset="-127"/>
               <a:ea typeface="HY견명조" pitchFamily="18" charset="-127"/>
             </a:endParaRPr>
           </a:p>
           <a:p>
             <a:pPr fontAlgn="base"/>
-            <a:endParaRPr lang="en-US" altLang="ko-KR" sz="2800" dirty="0" smtClean="0">
+            <a:endParaRPr lang="en-US" altLang="ko-KR" sz="2800" dirty="0">
+              <a:latin typeface="HY견명조" pitchFamily="18" charset="-127"/>
+              <a:ea typeface="HY견명조" pitchFamily="18" charset="-127"/>
+            </a:endParaRPr>
+          </a:p>
+          <a:p>
+            <a:pPr fontAlgn="base"/>
+            <a:endParaRPr lang="en-US" altLang="ko-KR" sz="2800" dirty="0">
               <a:latin typeface="HY견명조" pitchFamily="18" charset="-127"/>
               <a:ea typeface="HY견명조" pitchFamily="18" charset="-127"/>
             </a:endParaRPr>
@@ -26089,7 +25945,7 @@
           <a:lstStyle/>
           <a:p>
             <a:r>
-              <a:rPr lang="en-US" altLang="ko-KR" dirty="0" smtClean="0"/>
+              <a:rPr lang="en-US" altLang="ko-KR" dirty="0"/>
               <a:t>B</a:t>
             </a:r>
             <a:endParaRPr lang="ko-KR" altLang="en-US" dirty="0"/>
@@ -26119,7 +25975,7 @@
           <a:lstStyle/>
           <a:p>
             <a:r>
-              <a:rPr lang="en-US" altLang="ko-KR" dirty="0" smtClean="0"/>
+              <a:rPr lang="en-US" altLang="ko-KR" dirty="0"/>
               <a:t>A</a:t>
             </a:r>
             <a:endParaRPr lang="ko-KR" altLang="en-US" dirty="0"/>
@@ -26149,7 +26005,7 @@
           <a:lstStyle/>
           <a:p>
             <a:r>
-              <a:rPr lang="en-US" altLang="ko-KR" dirty="0" smtClean="0"/>
+              <a:rPr lang="en-US" altLang="ko-KR" dirty="0"/>
               <a:t>E</a:t>
             </a:r>
             <a:endParaRPr lang="ko-KR" altLang="en-US" dirty="0"/>
@@ -26209,7 +26065,7 @@
           <a:lstStyle/>
           <a:p>
             <a:r>
-              <a:rPr lang="en-US" altLang="ko-KR" dirty="0" smtClean="0"/>
+              <a:rPr lang="en-US" altLang="ko-KR" dirty="0"/>
               <a:t>C</a:t>
             </a:r>
             <a:endParaRPr lang="ko-KR" altLang="en-US" dirty="0"/>
@@ -26269,7 +26125,7 @@
           <a:lstStyle/>
           <a:p>
             <a:r>
-              <a:rPr lang="en-US" altLang="ko-KR" dirty="0" smtClean="0"/>
+              <a:rPr lang="en-US" altLang="ko-KR" dirty="0"/>
               <a:t>G</a:t>
             </a:r>
             <a:endParaRPr lang="ko-KR" altLang="en-US" dirty="0"/>
@@ -26679,10 +26535,9 @@
           <a:lstStyle/>
           <a:p>
             <a:r>
-              <a:rPr lang="ko-KR" altLang="en-US" sz="2800" dirty="0" smtClean="0"/>
+              <a:rPr lang="ko-KR" altLang="en-US" sz="2800" dirty="0"/>
               <a:t>人間</a:t>
             </a:r>
-            <a:endParaRPr lang="ko-KR" altLang="en-US" sz="2800" dirty="0"/>
           </a:p>
         </p:txBody>
       </p:sp>
@@ -26774,6 +26629,178 @@
           </a:p>
         </p:txBody>
       </p:sp>
+      <p:cxnSp>
+        <p:nvCxnSpPr>
+          <p:cNvPr id="14" name="직선 화살표 연결선 13">
+            <a:extLst>
+              <a:ext uri="{FF2B5EF4-FFF2-40B4-BE49-F238E27FC236}">
+                <a16:creationId xmlns:a16="http://schemas.microsoft.com/office/drawing/2014/main" id="{C1B6D11F-61EA-4586-893E-AE2986F73422}"/>
+              </a:ext>
+            </a:extLst>
+          </p:cNvPr>
+          <p:cNvCxnSpPr/>
+          <p:nvPr/>
+        </p:nvCxnSpPr>
+        <p:spPr>
+          <a:xfrm flipH="1" flipV="1">
+            <a:off x="4427984" y="3839813"/>
+            <a:ext cx="576064" cy="1245371"/>
+          </a:xfrm>
+          <a:prstGeom prst="straightConnector1">
+            <a:avLst/>
+          </a:prstGeom>
+          <a:ln>
+            <a:tailEnd type="triangle"/>
+          </a:ln>
+        </p:spPr>
+        <p:style>
+          <a:lnRef idx="1">
+            <a:schemeClr val="accent1"/>
+          </a:lnRef>
+          <a:fillRef idx="0">
+            <a:schemeClr val="accent1"/>
+          </a:fillRef>
+          <a:effectRef idx="0">
+            <a:schemeClr val="accent1"/>
+          </a:effectRef>
+          <a:fontRef idx="minor">
+            <a:schemeClr val="tx1"/>
+          </a:fontRef>
+        </p:style>
+      </p:cxnSp>
+      <p:sp>
+        <p:nvSpPr>
+          <p:cNvPr id="15" name="TextBox 14">
+            <a:extLst>
+              <a:ext uri="{FF2B5EF4-FFF2-40B4-BE49-F238E27FC236}">
+                <a16:creationId xmlns:a16="http://schemas.microsoft.com/office/drawing/2014/main" id="{ED59D119-F58A-46A2-B4B9-8221644936AB}"/>
+              </a:ext>
+            </a:extLst>
+          </p:cNvPr>
+          <p:cNvSpPr txBox="1"/>
+          <p:nvPr/>
+        </p:nvSpPr>
+        <p:spPr>
+          <a:xfrm>
+            <a:off x="4716016" y="5445224"/>
+            <a:ext cx="2448272" cy="369332"/>
+          </a:xfrm>
+          <a:prstGeom prst="rect">
+            <a:avLst/>
+          </a:prstGeom>
+          <a:noFill/>
+        </p:spPr>
+        <p:txBody>
+          <a:bodyPr wrap="square" rtlCol="0">
+            <a:spAutoFit/>
+          </a:bodyPr>
+          <a:lstStyle/>
+          <a:p>
+            <a:r>
+              <a:rPr lang="ko-KR" altLang="en-US" dirty="0"/>
+              <a:t>자신의 능력</a:t>
+            </a:r>
+          </a:p>
+        </p:txBody>
+      </p:sp>
+      <p:sp>
+        <p:nvSpPr>
+          <p:cNvPr id="16" name="TextBox 15">
+            <a:extLst>
+              <a:ext uri="{FF2B5EF4-FFF2-40B4-BE49-F238E27FC236}">
+                <a16:creationId xmlns:a16="http://schemas.microsoft.com/office/drawing/2014/main" id="{F74C4C54-BCB2-4C71-9C1F-9B03A051F4DE}"/>
+              </a:ext>
+            </a:extLst>
+          </p:cNvPr>
+          <p:cNvSpPr txBox="1"/>
+          <p:nvPr/>
+        </p:nvSpPr>
+        <p:spPr>
+          <a:xfrm>
+            <a:off x="6732241" y="4011311"/>
+            <a:ext cx="1895427" cy="1200329"/>
+          </a:xfrm>
+          <a:prstGeom prst="rect">
+            <a:avLst/>
+          </a:prstGeom>
+          <a:noFill/>
+        </p:spPr>
+        <p:txBody>
+          <a:bodyPr wrap="square" rtlCol="0">
+            <a:spAutoFit/>
+          </a:bodyPr>
+          <a:lstStyle/>
+          <a:p>
+            <a:r>
+              <a:rPr lang="ko-KR" altLang="en-US" dirty="0"/>
+              <a:t>화폐를 모든 것을 교환할 수 있어야</a:t>
+            </a:r>
+            <a:endParaRPr lang="en-US" altLang="ko-KR" dirty="0"/>
+          </a:p>
+          <a:p>
+            <a:r>
+              <a:rPr lang="ko-KR" altLang="en-US" dirty="0"/>
+              <a:t>자급자족을 </a:t>
+            </a:r>
+            <a:r>
+              <a:rPr lang="ko-KR" altLang="en-US" dirty="0" err="1"/>
+              <a:t>안해도</a:t>
+            </a:r>
+            <a:r>
+              <a:rPr lang="ko-KR" altLang="en-US" dirty="0"/>
+              <a:t> 된다</a:t>
+            </a:r>
+            <a:r>
+              <a:rPr lang="en-US" altLang="ko-KR" dirty="0"/>
+              <a:t>.</a:t>
+            </a:r>
+          </a:p>
+        </p:txBody>
+      </p:sp>
+      <p:sp>
+        <p:nvSpPr>
+          <p:cNvPr id="17" name="TextBox 16">
+            <a:extLst>
+              <a:ext uri="{FF2B5EF4-FFF2-40B4-BE49-F238E27FC236}">
+                <a16:creationId xmlns:a16="http://schemas.microsoft.com/office/drawing/2014/main" id="{95E8D2BC-DDB9-43F4-AC6B-6339F1BF5AC5}"/>
+              </a:ext>
+            </a:extLst>
+          </p:cNvPr>
+          <p:cNvSpPr txBox="1"/>
+          <p:nvPr/>
+        </p:nvSpPr>
+        <p:spPr>
+          <a:xfrm>
+            <a:off x="1304057" y="5445224"/>
+            <a:ext cx="1899791" cy="369332"/>
+          </a:xfrm>
+          <a:prstGeom prst="rect">
+            <a:avLst/>
+          </a:prstGeom>
+          <a:noFill/>
+        </p:spPr>
+        <p:txBody>
+          <a:bodyPr wrap="square" rtlCol="0">
+            <a:spAutoFit/>
+          </a:bodyPr>
+          <a:lstStyle/>
+          <a:p>
+            <a:r>
+              <a:rPr lang="ko-KR" altLang="en-US" dirty="0" err="1"/>
+              <a:t>인간마저도</a:t>
+            </a:r>
+            <a:r>
+              <a:rPr lang="ko-KR" altLang="en-US" dirty="0"/>
+              <a:t> 상품</a:t>
+            </a:r>
+            <a:r>
+              <a:rPr lang="en-US" altLang="ko-KR" dirty="0"/>
+              <a:t>?</a:t>
+            </a:r>
+            <a:endParaRPr lang="ko-KR" altLang="en-US" dirty="0"/>
+          </a:p>
+        </p:txBody>
+      </p:sp>
     </p:spTree>
     <p:extLst>
       <p:ext uri="{BB962C8B-B14F-4D97-AF65-F5344CB8AC3E}">
@@ -26784,13 +26811,6 @@
   <p:clrMapOvr>
     <a:masterClrMapping/>
   </p:clrMapOvr>
-  <p:timing>
-    <p:tnLst>
-      <p:par>
-        <p:cTn id="1" dur="indefinite" restart="never" nodeType="tmRoot"/>
-      </p:par>
-    </p:tnLst>
-  </p:timing>
 </p:sld>
 </file>
 
@@ -26849,16 +26869,12 @@
             <a:endParaRPr lang="ko-KR" altLang="en-US" dirty="0"/>
           </a:p>
           <a:p>
-            <a:endParaRPr lang="en-US" altLang="ko-KR" dirty="0" smtClean="0"/>
-          </a:p>
-          <a:p>
-            <a:r>
-              <a:rPr lang="ko-KR" altLang="en-US" dirty="0" smtClean="0"/>
-              <a:t>기술발전과 </a:t>
-            </a:r>
-            <a:r>
-              <a:rPr lang="ko-KR" altLang="en-US" dirty="0"/>
-              <a:t>기계화는 일인당 생산량을 증대시킨다</a:t>
+            <a:endParaRPr lang="en-US" altLang="ko-KR" dirty="0"/>
+          </a:p>
+          <a:p>
+            <a:r>
+              <a:rPr lang="ko-KR" altLang="en-US" dirty="0"/>
+              <a:t>기술발전과 기계화는 일인당 생산량을 증대시킨다</a:t>
             </a:r>
             <a:r>
               <a:rPr lang="en-US" altLang="ko-KR" dirty="0"/>
@@ -26867,69 +26883,44 @@
           </a:p>
           <a:p>
             <a:r>
-              <a:rPr lang="ko-KR" altLang="en-US" dirty="0" smtClean="0"/>
-              <a:t>자본주의의 </a:t>
-            </a:r>
-            <a:r>
-              <a:rPr lang="ko-KR" altLang="en-US" dirty="0"/>
-              <a:t>기계는 노동절약적이다</a:t>
-            </a:r>
-            <a:endParaRPr lang="en-US" altLang="ko-KR" dirty="0" smtClean="0"/>
-          </a:p>
-          <a:p>
+              <a:rPr lang="ko-KR" altLang="en-US" dirty="0"/>
+              <a:t>자본주의의 기계는 노동절약적이다</a:t>
+            </a:r>
             <a:endParaRPr lang="en-US" altLang="ko-KR" dirty="0"/>
           </a:p>
           <a:p>
-            <a:r>
-              <a:rPr lang="ko-KR" altLang="en-US" dirty="0" smtClean="0"/>
-              <a:t>기계와 </a:t>
-            </a:r>
-            <a:r>
-              <a:rPr lang="ko-KR" altLang="en-US" dirty="0" smtClean="0"/>
-              <a:t>노동대상은 </a:t>
-            </a:r>
-            <a:r>
-              <a:rPr lang="ko-KR" altLang="en-US" dirty="0" smtClean="0"/>
-              <a:t>유기적 </a:t>
-            </a:r>
-            <a:r>
-              <a:rPr lang="ko-KR" altLang="en-US" dirty="0" smtClean="0"/>
-              <a:t>통일을 </a:t>
-            </a:r>
-            <a:r>
-              <a:rPr lang="ko-KR" altLang="en-US" dirty="0" smtClean="0"/>
-              <a:t>이루고</a:t>
-            </a:r>
-            <a:r>
-              <a:rPr lang="en-US" altLang="ko-KR" dirty="0" smtClean="0"/>
+            <a:endParaRPr lang="en-US" altLang="ko-KR" dirty="0"/>
+          </a:p>
+          <a:p>
+            <a:r>
+              <a:rPr lang="ko-KR" altLang="en-US" dirty="0"/>
+              <a:t>기계와 노동대상은 유기적 통일을 이루고</a:t>
+            </a:r>
+            <a:r>
+              <a:rPr lang="en-US" altLang="ko-KR" dirty="0"/>
               <a:t>, </a:t>
             </a:r>
             <a:r>
-              <a:rPr lang="ko-KR" altLang="en-US" dirty="0" smtClean="0"/>
-              <a:t>이 </a:t>
-            </a:r>
-            <a:r>
-              <a:rPr lang="ko-KR" altLang="en-US" dirty="0" smtClean="0"/>
-              <a:t>통일성은 기술과 과학적 지식 속에 있다</a:t>
-            </a:r>
-            <a:r>
-              <a:rPr lang="en-US" altLang="ko-KR" dirty="0" smtClean="0"/>
+              <a:rPr lang="ko-KR" altLang="en-US" dirty="0"/>
+              <a:t>이 통일성은 기술과 과학적 지식 속에 있다</a:t>
+            </a:r>
+            <a:r>
+              <a:rPr lang="en-US" altLang="ko-KR" dirty="0"/>
               <a:t>.</a:t>
             </a:r>
           </a:p>
           <a:p>
             <a:r>
-              <a:rPr lang="ko-KR" altLang="en-US" dirty="0" smtClean="0"/>
+              <a:rPr lang="ko-KR" altLang="en-US" dirty="0"/>
               <a:t>생산력의 핵심은 어떤 노동자도 받아들일 수 있는 기계들의 집합이다</a:t>
             </a:r>
             <a:r>
-              <a:rPr lang="en-US" altLang="ko-KR" dirty="0" smtClean="0"/>
+              <a:rPr lang="en-US" altLang="ko-KR" dirty="0"/>
               <a:t>.</a:t>
             </a:r>
-            <a:endParaRPr lang="en-US" altLang="ko-KR" dirty="0" smtClean="0"/>
-          </a:p>
-          <a:p>
-            <a:endParaRPr lang="en-US" altLang="ko-KR" dirty="0" smtClean="0"/>
+          </a:p>
+          <a:p>
+            <a:endParaRPr lang="en-US" altLang="ko-KR" dirty="0"/>
           </a:p>
           <a:p>
             <a:endParaRPr lang="en-US" altLang="ko-KR" dirty="0"/>
@@ -26957,12 +26948,248 @@
           <a:lstStyle/>
           <a:p>
             <a:r>
-              <a:rPr lang="ko-KR" altLang="en-US" dirty="0" smtClean="0"/>
+              <a:rPr lang="ko-KR" altLang="en-US" dirty="0"/>
               <a:t>자본주의 생산력의 핵심은 기계들</a:t>
             </a:r>
             <a:r>
-              <a:rPr lang="en-US" altLang="ko-KR" dirty="0" smtClean="0"/>
+              <a:rPr lang="en-US" altLang="ko-KR" dirty="0"/>
               <a:t>~</a:t>
+            </a:r>
+            <a:endParaRPr lang="ko-KR" altLang="en-US" dirty="0"/>
+          </a:p>
+        </p:txBody>
+      </p:sp>
+      <p:cxnSp>
+        <p:nvCxnSpPr>
+          <p:cNvPr id="5" name="직선 화살표 연결선 4">
+            <a:extLst>
+              <a:ext uri="{FF2B5EF4-FFF2-40B4-BE49-F238E27FC236}">
+                <a16:creationId xmlns:a16="http://schemas.microsoft.com/office/drawing/2014/main" id="{5EEE0D31-3B0A-4EC4-B83F-CBA7C43C601A}"/>
+              </a:ext>
+            </a:extLst>
+          </p:cNvPr>
+          <p:cNvCxnSpPr/>
+          <p:nvPr/>
+        </p:nvCxnSpPr>
+        <p:spPr>
+          <a:xfrm>
+            <a:off x="1619672" y="6453336"/>
+            <a:ext cx="576064" cy="0"/>
+          </a:xfrm>
+          <a:prstGeom prst="straightConnector1">
+            <a:avLst/>
+          </a:prstGeom>
+          <a:ln>
+            <a:tailEnd type="triangle"/>
+          </a:ln>
+        </p:spPr>
+        <p:style>
+          <a:lnRef idx="1">
+            <a:schemeClr val="accent1"/>
+          </a:lnRef>
+          <a:fillRef idx="0">
+            <a:schemeClr val="accent1"/>
+          </a:fillRef>
+          <a:effectRef idx="0">
+            <a:schemeClr val="accent1"/>
+          </a:effectRef>
+          <a:fontRef idx="minor">
+            <a:schemeClr val="tx1"/>
+          </a:fontRef>
+        </p:style>
+      </p:cxnSp>
+      <p:sp>
+        <p:nvSpPr>
+          <p:cNvPr id="6" name="TextBox 5">
+            <a:extLst>
+              <a:ext uri="{FF2B5EF4-FFF2-40B4-BE49-F238E27FC236}">
+                <a16:creationId xmlns:a16="http://schemas.microsoft.com/office/drawing/2014/main" id="{98D21FD9-ACB7-4F45-BB11-65C4015A2A6D}"/>
+              </a:ext>
+            </a:extLst>
+          </p:cNvPr>
+          <p:cNvSpPr txBox="1"/>
+          <p:nvPr/>
+        </p:nvSpPr>
+        <p:spPr>
+          <a:xfrm>
+            <a:off x="2123728" y="6268670"/>
+            <a:ext cx="4536504" cy="369332"/>
+          </a:xfrm>
+          <a:prstGeom prst="rect">
+            <a:avLst/>
+          </a:prstGeom>
+          <a:noFill/>
+        </p:spPr>
+        <p:txBody>
+          <a:bodyPr wrap="square" rtlCol="0">
+            <a:spAutoFit/>
+          </a:bodyPr>
+          <a:lstStyle/>
+          <a:p>
+            <a:r>
+              <a:rPr lang="ko-KR" altLang="en-US" dirty="0"/>
+              <a:t>기술이 좋아지면 노동자가 더 필요함</a:t>
+            </a:r>
+          </a:p>
+        </p:txBody>
+      </p:sp>
+      <p:cxnSp>
+        <p:nvCxnSpPr>
+          <p:cNvPr id="8" name="직선 화살표 연결선 7">
+            <a:extLst>
+              <a:ext uri="{FF2B5EF4-FFF2-40B4-BE49-F238E27FC236}">
+                <a16:creationId xmlns:a16="http://schemas.microsoft.com/office/drawing/2014/main" id="{C0C89C36-BA05-4359-AD5C-6BF7640E6A6D}"/>
+              </a:ext>
+            </a:extLst>
+          </p:cNvPr>
+          <p:cNvCxnSpPr/>
+          <p:nvPr/>
+        </p:nvCxnSpPr>
+        <p:spPr>
+          <a:xfrm flipV="1">
+            <a:off x="6516216" y="6126163"/>
+            <a:ext cx="648072" cy="511839"/>
+          </a:xfrm>
+          <a:prstGeom prst="straightConnector1">
+            <a:avLst/>
+          </a:prstGeom>
+          <a:ln>
+            <a:tailEnd type="triangle"/>
+          </a:ln>
+        </p:spPr>
+        <p:style>
+          <a:lnRef idx="1">
+            <a:schemeClr val="accent1"/>
+          </a:lnRef>
+          <a:fillRef idx="0">
+            <a:schemeClr val="accent1"/>
+          </a:fillRef>
+          <a:effectRef idx="0">
+            <a:schemeClr val="accent1"/>
+          </a:effectRef>
+          <a:fontRef idx="minor">
+            <a:schemeClr val="tx1"/>
+          </a:fontRef>
+        </p:style>
+      </p:cxnSp>
+      <p:sp>
+        <p:nvSpPr>
+          <p:cNvPr id="9" name="TextBox 8">
+            <a:extLst>
+              <a:ext uri="{FF2B5EF4-FFF2-40B4-BE49-F238E27FC236}">
+                <a16:creationId xmlns:a16="http://schemas.microsoft.com/office/drawing/2014/main" id="{708943E1-2B84-4885-8771-743DD09E15D8}"/>
+              </a:ext>
+            </a:extLst>
+          </p:cNvPr>
+          <p:cNvSpPr txBox="1"/>
+          <p:nvPr/>
+        </p:nvSpPr>
+        <p:spPr>
+          <a:xfrm>
+            <a:off x="7182272" y="5828085"/>
+            <a:ext cx="1656184" cy="923330"/>
+          </a:xfrm>
+          <a:prstGeom prst="rect">
+            <a:avLst/>
+          </a:prstGeom>
+          <a:noFill/>
+        </p:spPr>
+        <p:txBody>
+          <a:bodyPr wrap="square" rtlCol="0">
+            <a:spAutoFit/>
+          </a:bodyPr>
+          <a:lstStyle/>
+          <a:p>
+            <a:r>
+              <a:rPr lang="ko-KR" altLang="en-US"/>
+              <a:t>기계 앞에 있으면 기계에 따라 </a:t>
+            </a:r>
+            <a:r>
+              <a:rPr lang="ko-KR" altLang="en-US" dirty="0" err="1"/>
+              <a:t>일해야함</a:t>
+            </a:r>
+            <a:endParaRPr lang="ko-KR" altLang="en-US" dirty="0"/>
+          </a:p>
+        </p:txBody>
+      </p:sp>
+      <p:cxnSp>
+        <p:nvCxnSpPr>
+          <p:cNvPr id="11" name="직선 화살표 연결선 10">
+            <a:extLst>
+              <a:ext uri="{FF2B5EF4-FFF2-40B4-BE49-F238E27FC236}">
+                <a16:creationId xmlns:a16="http://schemas.microsoft.com/office/drawing/2014/main" id="{D06F4DAB-F5A7-4CB5-852F-9570024B8D0E}"/>
+              </a:ext>
+            </a:extLst>
+          </p:cNvPr>
+          <p:cNvCxnSpPr/>
+          <p:nvPr/>
+        </p:nvCxnSpPr>
+        <p:spPr>
+          <a:xfrm flipH="1" flipV="1">
+            <a:off x="8100392" y="4509120"/>
+            <a:ext cx="360040" cy="1152128"/>
+          </a:xfrm>
+          <a:prstGeom prst="straightConnector1">
+            <a:avLst/>
+          </a:prstGeom>
+          <a:ln>
+            <a:tailEnd type="triangle"/>
+          </a:ln>
+        </p:spPr>
+        <p:style>
+          <a:lnRef idx="1">
+            <a:schemeClr val="accent1"/>
+          </a:lnRef>
+          <a:fillRef idx="0">
+            <a:schemeClr val="accent1"/>
+          </a:fillRef>
+          <a:effectRef idx="0">
+            <a:schemeClr val="accent1"/>
+          </a:effectRef>
+          <a:fontRef idx="minor">
+            <a:schemeClr val="tx1"/>
+          </a:fontRef>
+        </p:style>
+      </p:cxnSp>
+      <p:sp>
+        <p:nvSpPr>
+          <p:cNvPr id="12" name="TextBox 11">
+            <a:extLst>
+              <a:ext uri="{FF2B5EF4-FFF2-40B4-BE49-F238E27FC236}">
+                <a16:creationId xmlns:a16="http://schemas.microsoft.com/office/drawing/2014/main" id="{7ACEAB96-9C83-43CC-B94A-6A76A9361E4F}"/>
+              </a:ext>
+            </a:extLst>
+          </p:cNvPr>
+          <p:cNvSpPr txBox="1"/>
+          <p:nvPr/>
+        </p:nvSpPr>
+        <p:spPr>
+          <a:xfrm>
+            <a:off x="7308304" y="3789040"/>
+            <a:ext cx="1440160" cy="646331"/>
+          </a:xfrm>
+          <a:prstGeom prst="rect">
+            <a:avLst/>
+          </a:prstGeom>
+          <a:noFill/>
+        </p:spPr>
+        <p:txBody>
+          <a:bodyPr wrap="square" rtlCol="0">
+            <a:spAutoFit/>
+          </a:bodyPr>
+          <a:lstStyle/>
+          <a:p>
+            <a:r>
+              <a:rPr lang="ko-KR" altLang="en-US" dirty="0"/>
+              <a:t>노동의 주체가 </a:t>
+            </a:r>
+            <a:r>
+              <a:rPr lang="ko-KR" altLang="en-US" dirty="0" err="1"/>
+              <a:t>누구인가</a:t>
+            </a:r>
+            <a:r>
+              <a:rPr lang="en-US" altLang="ko-KR" dirty="0"/>
+              <a:t>?</a:t>
             </a:r>
             <a:endParaRPr lang="ko-KR" altLang="en-US" dirty="0"/>
           </a:p>
@@ -26978,13 +27205,6 @@
   <p:clrMapOvr>
     <a:masterClrMapping/>
   </p:clrMapOvr>
-  <p:timing>
-    <p:tnLst>
-      <p:par>
-        <p:cTn id="1" dur="indefinite" restart="never" nodeType="tmRoot"/>
-      </p:par>
-    </p:tnLst>
-  </p:timing>
 </p:sld>
 </file>
 
@@ -27024,22 +27244,18 @@
           <a:p>
             <a:r>
               <a:rPr lang="ko-KR" altLang="en-US" dirty="0"/>
-              <a:t>수공업의 </a:t>
-            </a:r>
-            <a:r>
-              <a:rPr lang="ko-KR" altLang="en-US" dirty="0" smtClean="0"/>
-              <a:t>경우</a:t>
-            </a:r>
-            <a:r>
-              <a:rPr lang="en-US" altLang="ko-KR" dirty="0" smtClean="0"/>
+              <a:t>수공업의 경우</a:t>
+            </a:r>
+            <a:r>
+              <a:rPr lang="en-US" altLang="ko-KR" dirty="0"/>
               <a:t>,</a:t>
             </a:r>
             <a:r>
-              <a:rPr lang="ko-KR" altLang="en-US" dirty="0" smtClean="0"/>
+              <a:rPr lang="ko-KR" altLang="en-US" dirty="0"/>
               <a:t> 도구는 노동자의  이해와 활용의 맥락 속에 종속된다</a:t>
             </a:r>
             <a:r>
-              <a:rPr lang="en-US" altLang="ko-KR" dirty="0" smtClean="0"/>
+              <a:rPr lang="en-US" altLang="ko-KR" dirty="0"/>
               <a:t>.  </a:t>
             </a:r>
             <a:r>
@@ -27050,34 +27266,29 @@
               <a:rPr lang="en-US" altLang="ko-KR" dirty="0"/>
               <a:t>. </a:t>
             </a:r>
-            <a:endParaRPr lang="en-US" altLang="ko-KR" dirty="0" smtClean="0"/>
-          </a:p>
-          <a:p>
-            <a:r>
-              <a:rPr lang="ko-KR" altLang="en-US" dirty="0" smtClean="0"/>
+          </a:p>
+          <a:p>
+            <a:r>
+              <a:rPr lang="ko-KR" altLang="en-US" dirty="0"/>
               <a:t>그래서 노동자의 숙련된 기술이 필요하다</a:t>
             </a:r>
             <a:r>
-              <a:rPr lang="en-US" altLang="ko-KR" dirty="0" smtClean="0"/>
+              <a:rPr lang="en-US" altLang="ko-KR" dirty="0"/>
               <a:t>. </a:t>
             </a:r>
           </a:p>
           <a:p>
             <a:r>
-              <a:rPr lang="ko-KR" altLang="en-US" dirty="0" smtClean="0"/>
+              <a:rPr lang="ko-KR" altLang="en-US" dirty="0"/>
               <a:t>기술은 노동자의 신체와 마음 속에 내포되어 있다</a:t>
             </a:r>
             <a:r>
-              <a:rPr lang="en-US" altLang="ko-KR" dirty="0" smtClean="0"/>
+              <a:rPr lang="en-US" altLang="ko-KR" dirty="0"/>
               <a:t>. </a:t>
             </a:r>
             <a:r>
-              <a:rPr lang="ko-KR" altLang="en-US" dirty="0" smtClean="0"/>
-              <a:t>기술은 개별적인 </a:t>
-            </a:r>
-            <a:r>
-              <a:rPr lang="ko-KR" altLang="en-US" dirty="0"/>
-              <a:t>것이고</a:t>
+              <a:rPr lang="ko-KR" altLang="en-US" dirty="0"/>
+              <a:t>기술은 개별적인 것이고</a:t>
             </a:r>
             <a:r>
               <a:rPr lang="en-US" altLang="ko-KR" dirty="0"/>
@@ -27085,34 +27296,30 @@
             </a:r>
             <a:r>
               <a:rPr lang="ko-KR" altLang="en-US" dirty="0"/>
-              <a:t>또 인격적인 </a:t>
-            </a:r>
-            <a:r>
-              <a:rPr lang="ko-KR" altLang="en-US" dirty="0" smtClean="0"/>
-              <a:t>것이다</a:t>
-            </a:r>
-            <a:r>
-              <a:rPr lang="en-US" altLang="ko-KR" dirty="0" smtClean="0"/>
+              <a:t>또 인격적인 것이다</a:t>
+            </a:r>
+            <a:r>
+              <a:rPr lang="en-US" altLang="ko-KR" dirty="0"/>
               <a:t>.</a:t>
             </a:r>
           </a:p>
           <a:p>
             <a:r>
-              <a:rPr lang="ko-KR" altLang="en-US" dirty="0" smtClean="0"/>
+              <a:rPr lang="ko-KR" altLang="en-US" dirty="0"/>
               <a:t>그러나</a:t>
             </a:r>
             <a:r>
-              <a:rPr lang="en-US" altLang="ko-KR" dirty="0" smtClean="0"/>
+              <a:rPr lang="en-US" altLang="ko-KR" dirty="0"/>
               <a:t>~</a:t>
             </a:r>
           </a:p>
           <a:p>
             <a:r>
-              <a:rPr lang="ko-KR" altLang="en-US" dirty="0" smtClean="0"/>
+              <a:rPr lang="ko-KR" altLang="en-US" dirty="0"/>
               <a:t>기계는 노동자와 노동수단 간의 유기적인 통일성을 해체한다</a:t>
             </a:r>
             <a:r>
-              <a:rPr lang="en-US" altLang="ko-KR" dirty="0" smtClean="0"/>
+              <a:rPr lang="en-US" altLang="ko-KR" dirty="0"/>
               <a:t>. </a:t>
             </a:r>
             <a:endParaRPr lang="ko-KR" altLang="en-US" dirty="0"/>
@@ -27138,11 +27345,11 @@
           <a:lstStyle/>
           <a:p>
             <a:r>
-              <a:rPr lang="ko-KR" altLang="en-US" dirty="0" smtClean="0"/>
+              <a:rPr lang="ko-KR" altLang="en-US" dirty="0"/>
               <a:t>기계와 도구는 다르다</a:t>
             </a:r>
             <a:r>
-              <a:rPr lang="en-US" altLang="ko-KR" dirty="0" smtClean="0"/>
+              <a:rPr lang="en-US" altLang="ko-KR" dirty="0"/>
               <a:t>.</a:t>
             </a:r>
             <a:endParaRPr lang="ko-KR" altLang="en-US" dirty="0"/>
@@ -27159,13 +27366,6 @@
   <p:clrMapOvr>
     <a:masterClrMapping/>
   </p:clrMapOvr>
-  <p:timing>
-    <p:tnLst>
-      <p:par>
-        <p:cTn id="1" dur="indefinite" restart="never" nodeType="tmRoot"/>
-      </p:par>
-    </p:tnLst>
-  </p:timing>
 </p:sld>
 </file>
 
@@ -27204,67 +27404,59 @@
           <a:lstStyle/>
           <a:p>
             <a:r>
-              <a:rPr lang="ko-KR" altLang="en-US" dirty="0" smtClean="0"/>
+              <a:rPr lang="ko-KR" altLang="en-US" dirty="0"/>
               <a:t>지각한다는 것과 같지 않다</a:t>
             </a:r>
             <a:r>
-              <a:rPr lang="en-US" altLang="ko-KR" dirty="0" smtClean="0"/>
+              <a:rPr lang="en-US" altLang="ko-KR" dirty="0"/>
               <a:t>.</a:t>
             </a:r>
           </a:p>
           <a:p>
             <a:r>
-              <a:rPr lang="ko-KR" altLang="en-US" dirty="0" smtClean="0"/>
-              <a:t>새들을 </a:t>
-            </a:r>
-            <a:r>
-              <a:rPr lang="ko-KR" altLang="en-US" dirty="0" smtClean="0"/>
-              <a:t>보고</a:t>
-            </a:r>
-            <a:r>
-              <a:rPr lang="en-US" altLang="ko-KR" dirty="0" smtClean="0"/>
+              <a:rPr lang="ko-KR" altLang="en-US" dirty="0"/>
+              <a:t>새들을 보고</a:t>
+            </a:r>
+            <a:r>
+              <a:rPr lang="en-US" altLang="ko-KR" dirty="0"/>
               <a:t>, </a:t>
             </a:r>
             <a:r>
-              <a:rPr lang="ko-KR" altLang="en-US" dirty="0" smtClean="0"/>
+              <a:rPr lang="ko-KR" altLang="en-US" dirty="0"/>
               <a:t>그것을 </a:t>
             </a:r>
             <a:r>
-              <a:rPr lang="en-US" altLang="ko-KR" dirty="0" smtClean="0"/>
+              <a:rPr lang="en-US" altLang="ko-KR" dirty="0"/>
               <a:t>‘</a:t>
             </a:r>
             <a:r>
-              <a:rPr lang="ko-KR" altLang="en-US" dirty="0" smtClean="0"/>
+              <a:rPr lang="ko-KR" altLang="en-US" dirty="0"/>
               <a:t>새</a:t>
             </a:r>
             <a:r>
-              <a:rPr lang="en-US" altLang="ko-KR" dirty="0" smtClean="0"/>
+              <a:rPr lang="en-US" altLang="ko-KR" dirty="0"/>
               <a:t>’</a:t>
             </a:r>
             <a:r>
-              <a:rPr lang="ko-KR" altLang="en-US" dirty="0" smtClean="0"/>
-              <a:t>라고 </a:t>
-            </a:r>
-            <a:r>
-              <a:rPr lang="ko-KR" altLang="en-US" dirty="0" smtClean="0"/>
-              <a:t>식별하고</a:t>
-            </a:r>
-            <a:r>
-              <a:rPr lang="en-US" altLang="ko-KR" dirty="0" smtClean="0"/>
+              <a:rPr lang="ko-KR" altLang="en-US" dirty="0"/>
+              <a:t>라고 식별하고</a:t>
+            </a:r>
+            <a:r>
+              <a:rPr lang="en-US" altLang="ko-KR" dirty="0"/>
               <a:t>, </a:t>
             </a:r>
             <a:r>
-              <a:rPr lang="ko-KR" altLang="en-US" dirty="0" smtClean="0"/>
+              <a:rPr lang="ko-KR" altLang="en-US" dirty="0"/>
               <a:t> 기억하고</a:t>
             </a:r>
             <a:r>
-              <a:rPr lang="en-US" altLang="ko-KR" dirty="0" smtClean="0"/>
+              <a:rPr lang="en-US" altLang="ko-KR" dirty="0"/>
               <a:t>, </a:t>
             </a:r>
           </a:p>
           <a:p>
             <a:r>
-              <a:rPr lang="en-US" altLang="ko-KR" dirty="0" smtClean="0"/>
+              <a:rPr lang="en-US" altLang="ko-KR" dirty="0"/>
               <a:t>‘</a:t>
             </a:r>
             <a:r>
@@ -27293,26 +27485,22 @@
             </a:r>
             <a:r>
               <a:rPr lang="ko-KR" altLang="en-US" dirty="0"/>
-              <a:t>라고 </a:t>
-            </a:r>
-            <a:r>
-              <a:rPr lang="ko-KR" altLang="en-US" dirty="0" smtClean="0"/>
-              <a:t>알아듣고</a:t>
-            </a:r>
-            <a:r>
-              <a:rPr lang="en-US" altLang="ko-KR" dirty="0" smtClean="0"/>
+              <a:t>라고 알아듣고</a:t>
+            </a:r>
+            <a:r>
+              <a:rPr lang="en-US" altLang="ko-KR" dirty="0"/>
               <a:t>, ‘</a:t>
             </a:r>
             <a:r>
-              <a:rPr lang="ko-KR" altLang="en-US" dirty="0" smtClean="0"/>
+              <a:rPr lang="ko-KR" altLang="en-US" dirty="0"/>
               <a:t>새</a:t>
             </a:r>
             <a:r>
-              <a:rPr lang="en-US" altLang="ko-KR" dirty="0" smtClean="0"/>
+              <a:rPr lang="en-US" altLang="ko-KR" dirty="0"/>
               <a:t>’</a:t>
             </a:r>
             <a:r>
-              <a:rPr lang="ko-KR" altLang="en-US" dirty="0" smtClean="0"/>
+              <a:rPr lang="ko-KR" altLang="en-US" dirty="0"/>
               <a:t>에 관해 말한다</a:t>
             </a:r>
             <a:r>
@@ -27322,12 +27510,8 @@
           </a:p>
           <a:p>
             <a:r>
-              <a:rPr lang="ko-KR" altLang="en-US" dirty="0" smtClean="0"/>
-              <a:t>단어들을 </a:t>
-            </a:r>
-            <a:r>
-              <a:rPr lang="ko-KR" altLang="en-US" dirty="0"/>
-              <a:t>결합해서</a:t>
+              <a:rPr lang="ko-KR" altLang="en-US" dirty="0"/>
+              <a:t>단어들을 결합해서</a:t>
             </a:r>
             <a:r>
               <a:rPr lang="en-US" altLang="ko-KR" dirty="0"/>
@@ -27357,11 +27541,7 @@
             </a:r>
             <a:r>
               <a:rPr lang="en-US" altLang="ko-KR" dirty="0"/>
-              <a:t>. </a:t>
-            </a:r>
-            <a:r>
-              <a:rPr lang="en-US" altLang="ko-KR" dirty="0" smtClean="0"/>
-              <a:t>…..</a:t>
+              <a:t>. …..</a:t>
             </a:r>
           </a:p>
           <a:p>
@@ -27369,28 +27549,23 @@
           </a:p>
           <a:p>
             <a:r>
-              <a:rPr lang="ko-KR" altLang="en-US" dirty="0" smtClean="0"/>
-              <a:t>인간이 </a:t>
-            </a:r>
-            <a:r>
-              <a:rPr lang="ko-KR" altLang="en-US" dirty="0" smtClean="0"/>
-              <a:t>생각한다는 것은 언어로 소통한다는 것과 밀접한 관계가 있다</a:t>
-            </a:r>
-            <a:r>
-              <a:rPr lang="en-US" altLang="ko-KR" dirty="0" smtClean="0"/>
+              <a:rPr lang="ko-KR" altLang="en-US" dirty="0"/>
+              <a:t>인간이 생각한다는 것은 언어로 소통한다는 것과 밀접한 관계가 있다</a:t>
+            </a:r>
+            <a:r>
+              <a:rPr lang="en-US" altLang="ko-KR" dirty="0"/>
               <a:t>.</a:t>
             </a:r>
           </a:p>
           <a:p>
             <a:r>
-              <a:rPr lang="ko-KR" altLang="en-US" dirty="0" smtClean="0"/>
+              <a:rPr lang="ko-KR" altLang="en-US" dirty="0"/>
               <a:t>언어적 소통의 핵심은 기호의 의미작용이다</a:t>
             </a:r>
             <a:r>
-              <a:rPr lang="en-US" altLang="ko-KR" dirty="0" smtClean="0"/>
+              <a:rPr lang="en-US" altLang="ko-KR" dirty="0"/>
               <a:t>.</a:t>
             </a:r>
-            <a:endParaRPr lang="en-US" altLang="ko-KR" dirty="0" smtClean="0"/>
           </a:p>
         </p:txBody>
       </p:sp>
@@ -27410,11 +27585,11 @@
           <a:lstStyle/>
           <a:p>
             <a:r>
-              <a:rPr lang="ko-KR" altLang="en-US" dirty="0" smtClean="0"/>
+              <a:rPr lang="ko-KR" altLang="en-US" dirty="0"/>
               <a:t>인간이 생각한다는 것</a:t>
             </a:r>
             <a:r>
-              <a:rPr lang="en-US" altLang="ko-KR" dirty="0" smtClean="0"/>
+              <a:rPr lang="en-US" altLang="ko-KR" dirty="0"/>
               <a:t>. </a:t>
             </a:r>
             <a:endParaRPr lang="ko-KR" altLang="en-US" dirty="0"/>
@@ -27431,13 +27606,6 @@
   <p:clrMapOvr>
     <a:masterClrMapping/>
   </p:clrMapOvr>
-  <p:timing>
-    <p:tnLst>
-      <p:par>
-        <p:cTn id="1" dur="indefinite" restart="never" nodeType="tmRoot"/>
-      </p:par>
-    </p:tnLst>
-  </p:timing>
 </p:sld>
 </file>
 
